--- a/기획서.pptx
+++ b/기획서.pptx
@@ -110,6 +110,11 @@
       </a:defRPr>
     </a:lvl9pPr>
   </p:defaultTextStyle>
+  <p:extLst>
+    <p:ext uri="{EFAFB233-063F-42B5-8137-9DF3F51BA10A}">
+      <p15:sldGuideLst xmlns:p15="http://schemas.microsoft.com/office/powerpoint/2012/main"/>
+    </p:ext>
+  </p:extLst>
 </p:presentation>
 </file>
 
@@ -5722,7 +5727,7 @@
           <a:p>
             <a:fld id="{0580F3F0-72E3-429E-A2B0-1A9E939BF784}" type="datetimeFigureOut">
               <a:rPr lang="ko-KR" altLang="en-US" smtClean="0"/>
-              <a:t>2018-06-16</a:t>
+              <a:t>2018-06-20</a:t>
             </a:fld>
             <a:endParaRPr lang="ko-KR" altLang="en-US"/>
           </a:p>
@@ -5920,7 +5925,7 @@
           <a:p>
             <a:fld id="{0580F3F0-72E3-429E-A2B0-1A9E939BF784}" type="datetimeFigureOut">
               <a:rPr lang="ko-KR" altLang="en-US" smtClean="0"/>
-              <a:t>2018-06-16</a:t>
+              <a:t>2018-06-20</a:t>
             </a:fld>
             <a:endParaRPr lang="ko-KR" altLang="en-US"/>
           </a:p>
@@ -6128,7 +6133,7 @@
           <a:p>
             <a:fld id="{0580F3F0-72E3-429E-A2B0-1A9E939BF784}" type="datetimeFigureOut">
               <a:rPr lang="ko-KR" altLang="en-US" smtClean="0"/>
-              <a:t>2018-06-16</a:t>
+              <a:t>2018-06-20</a:t>
             </a:fld>
             <a:endParaRPr lang="ko-KR" altLang="en-US"/>
           </a:p>
@@ -6326,7 +6331,7 @@
           <a:p>
             <a:fld id="{0580F3F0-72E3-429E-A2B0-1A9E939BF784}" type="datetimeFigureOut">
               <a:rPr lang="ko-KR" altLang="en-US" smtClean="0"/>
-              <a:t>2018-06-16</a:t>
+              <a:t>2018-06-20</a:t>
             </a:fld>
             <a:endParaRPr lang="ko-KR" altLang="en-US"/>
           </a:p>
@@ -6601,7 +6606,7 @@
           <a:p>
             <a:fld id="{0580F3F0-72E3-429E-A2B0-1A9E939BF784}" type="datetimeFigureOut">
               <a:rPr lang="ko-KR" altLang="en-US" smtClean="0"/>
-              <a:t>2018-06-16</a:t>
+              <a:t>2018-06-20</a:t>
             </a:fld>
             <a:endParaRPr lang="ko-KR" altLang="en-US"/>
           </a:p>
@@ -6866,7 +6871,7 @@
           <a:p>
             <a:fld id="{0580F3F0-72E3-429E-A2B0-1A9E939BF784}" type="datetimeFigureOut">
               <a:rPr lang="ko-KR" altLang="en-US" smtClean="0"/>
-              <a:t>2018-06-16</a:t>
+              <a:t>2018-06-20</a:t>
             </a:fld>
             <a:endParaRPr lang="ko-KR" altLang="en-US"/>
           </a:p>
@@ -7278,7 +7283,7 @@
           <a:p>
             <a:fld id="{0580F3F0-72E3-429E-A2B0-1A9E939BF784}" type="datetimeFigureOut">
               <a:rPr lang="ko-KR" altLang="en-US" smtClean="0"/>
-              <a:t>2018-06-16</a:t>
+              <a:t>2018-06-20</a:t>
             </a:fld>
             <a:endParaRPr lang="ko-KR" altLang="en-US"/>
           </a:p>
@@ -7419,7 +7424,7 @@
           <a:p>
             <a:fld id="{0580F3F0-72E3-429E-A2B0-1A9E939BF784}" type="datetimeFigureOut">
               <a:rPr lang="ko-KR" altLang="en-US" smtClean="0"/>
-              <a:t>2018-06-16</a:t>
+              <a:t>2018-06-20</a:t>
             </a:fld>
             <a:endParaRPr lang="ko-KR" altLang="en-US"/>
           </a:p>
@@ -7532,7 +7537,7 @@
           <a:p>
             <a:fld id="{0580F3F0-72E3-429E-A2B0-1A9E939BF784}" type="datetimeFigureOut">
               <a:rPr lang="ko-KR" altLang="en-US" smtClean="0"/>
-              <a:t>2018-06-16</a:t>
+              <a:t>2018-06-20</a:t>
             </a:fld>
             <a:endParaRPr lang="ko-KR" altLang="en-US"/>
           </a:p>
@@ -7843,7 +7848,7 @@
           <a:p>
             <a:fld id="{0580F3F0-72E3-429E-A2B0-1A9E939BF784}" type="datetimeFigureOut">
               <a:rPr lang="ko-KR" altLang="en-US" smtClean="0"/>
-              <a:t>2018-06-16</a:t>
+              <a:t>2018-06-20</a:t>
             </a:fld>
             <a:endParaRPr lang="ko-KR" altLang="en-US"/>
           </a:p>
@@ -8131,7 +8136,7 @@
           <a:p>
             <a:fld id="{0580F3F0-72E3-429E-A2B0-1A9E939BF784}" type="datetimeFigureOut">
               <a:rPr lang="ko-KR" altLang="en-US" smtClean="0"/>
-              <a:t>2018-06-16</a:t>
+              <a:t>2018-06-20</a:t>
             </a:fld>
             <a:endParaRPr lang="ko-KR" altLang="en-US"/>
           </a:p>
@@ -8372,7 +8377,7 @@
           <a:p>
             <a:fld id="{0580F3F0-72E3-429E-A2B0-1A9E939BF784}" type="datetimeFigureOut">
               <a:rPr lang="ko-KR" altLang="en-US" smtClean="0"/>
-              <a:t>2018-06-16</a:t>
+              <a:t>2018-06-20</a:t>
             </a:fld>
             <a:endParaRPr lang="ko-KR" altLang="en-US"/>
           </a:p>

--- a/기획서.pptx
+++ b/기획서.pptx
@@ -12,6 +12,7 @@
     <p:sldId id="261" r:id="rId6"/>
     <p:sldId id="262" r:id="rId7"/>
     <p:sldId id="260" r:id="rId8"/>
+    <p:sldId id="263" r:id="rId9"/>
   </p:sldIdLst>
   <p:sldSz cx="12192000" cy="6858000"/>
   <p:notesSz cx="6858000" cy="9144000"/>
@@ -5727,7 +5728,7 @@
           <a:p>
             <a:fld id="{0580F3F0-72E3-429E-A2B0-1A9E939BF784}" type="datetimeFigureOut">
               <a:rPr lang="ko-KR" altLang="en-US" smtClean="0"/>
-              <a:t>2018-06-20</a:t>
+              <a:t>2018-06-29</a:t>
             </a:fld>
             <a:endParaRPr lang="ko-KR" altLang="en-US"/>
           </a:p>
@@ -5925,7 +5926,7 @@
           <a:p>
             <a:fld id="{0580F3F0-72E3-429E-A2B0-1A9E939BF784}" type="datetimeFigureOut">
               <a:rPr lang="ko-KR" altLang="en-US" smtClean="0"/>
-              <a:t>2018-06-20</a:t>
+              <a:t>2018-06-29</a:t>
             </a:fld>
             <a:endParaRPr lang="ko-KR" altLang="en-US"/>
           </a:p>
@@ -6133,7 +6134,7 @@
           <a:p>
             <a:fld id="{0580F3F0-72E3-429E-A2B0-1A9E939BF784}" type="datetimeFigureOut">
               <a:rPr lang="ko-KR" altLang="en-US" smtClean="0"/>
-              <a:t>2018-06-20</a:t>
+              <a:t>2018-06-29</a:t>
             </a:fld>
             <a:endParaRPr lang="ko-KR" altLang="en-US"/>
           </a:p>
@@ -6331,7 +6332,7 @@
           <a:p>
             <a:fld id="{0580F3F0-72E3-429E-A2B0-1A9E939BF784}" type="datetimeFigureOut">
               <a:rPr lang="ko-KR" altLang="en-US" smtClean="0"/>
-              <a:t>2018-06-20</a:t>
+              <a:t>2018-06-29</a:t>
             </a:fld>
             <a:endParaRPr lang="ko-KR" altLang="en-US"/>
           </a:p>
@@ -6606,7 +6607,7 @@
           <a:p>
             <a:fld id="{0580F3F0-72E3-429E-A2B0-1A9E939BF784}" type="datetimeFigureOut">
               <a:rPr lang="ko-KR" altLang="en-US" smtClean="0"/>
-              <a:t>2018-06-20</a:t>
+              <a:t>2018-06-29</a:t>
             </a:fld>
             <a:endParaRPr lang="ko-KR" altLang="en-US"/>
           </a:p>
@@ -6871,7 +6872,7 @@
           <a:p>
             <a:fld id="{0580F3F0-72E3-429E-A2B0-1A9E939BF784}" type="datetimeFigureOut">
               <a:rPr lang="ko-KR" altLang="en-US" smtClean="0"/>
-              <a:t>2018-06-20</a:t>
+              <a:t>2018-06-29</a:t>
             </a:fld>
             <a:endParaRPr lang="ko-KR" altLang="en-US"/>
           </a:p>
@@ -7283,7 +7284,7 @@
           <a:p>
             <a:fld id="{0580F3F0-72E3-429E-A2B0-1A9E939BF784}" type="datetimeFigureOut">
               <a:rPr lang="ko-KR" altLang="en-US" smtClean="0"/>
-              <a:t>2018-06-20</a:t>
+              <a:t>2018-06-29</a:t>
             </a:fld>
             <a:endParaRPr lang="ko-KR" altLang="en-US"/>
           </a:p>
@@ -7424,7 +7425,7 @@
           <a:p>
             <a:fld id="{0580F3F0-72E3-429E-A2B0-1A9E939BF784}" type="datetimeFigureOut">
               <a:rPr lang="ko-KR" altLang="en-US" smtClean="0"/>
-              <a:t>2018-06-20</a:t>
+              <a:t>2018-06-29</a:t>
             </a:fld>
             <a:endParaRPr lang="ko-KR" altLang="en-US"/>
           </a:p>
@@ -7537,7 +7538,7 @@
           <a:p>
             <a:fld id="{0580F3F0-72E3-429E-A2B0-1A9E939BF784}" type="datetimeFigureOut">
               <a:rPr lang="ko-KR" altLang="en-US" smtClean="0"/>
-              <a:t>2018-06-20</a:t>
+              <a:t>2018-06-29</a:t>
             </a:fld>
             <a:endParaRPr lang="ko-KR" altLang="en-US"/>
           </a:p>
@@ -7848,7 +7849,7 @@
           <a:p>
             <a:fld id="{0580F3F0-72E3-429E-A2B0-1A9E939BF784}" type="datetimeFigureOut">
               <a:rPr lang="ko-KR" altLang="en-US" smtClean="0"/>
-              <a:t>2018-06-20</a:t>
+              <a:t>2018-06-29</a:t>
             </a:fld>
             <a:endParaRPr lang="ko-KR" altLang="en-US"/>
           </a:p>
@@ -8136,7 +8137,7 @@
           <a:p>
             <a:fld id="{0580F3F0-72E3-429E-A2B0-1A9E939BF784}" type="datetimeFigureOut">
               <a:rPr lang="ko-KR" altLang="en-US" smtClean="0"/>
-              <a:t>2018-06-20</a:t>
+              <a:t>2018-06-29</a:t>
             </a:fld>
             <a:endParaRPr lang="ko-KR" altLang="en-US"/>
           </a:p>
@@ -8377,7 +8378,7 @@
           <a:p>
             <a:fld id="{0580F3F0-72E3-429E-A2B0-1A9E939BF784}" type="datetimeFigureOut">
               <a:rPr lang="ko-KR" altLang="en-US" smtClean="0"/>
-              <a:t>2018-06-20</a:t>
+              <a:t>2018-06-29</a:t>
             </a:fld>
             <a:endParaRPr lang="ko-KR" altLang="en-US"/>
           </a:p>
@@ -9928,6 +9929,557 @@
 </p:sld>
 </file>
 
+<file path=ppt/slides/slide8.xml><?xml version="1.0" encoding="utf-8"?>
+<p:sld xmlns:a="http://schemas.openxmlformats.org/drawingml/2006/main" xmlns:r="http://schemas.openxmlformats.org/officeDocument/2006/relationships" xmlns:p="http://schemas.openxmlformats.org/presentationml/2006/main">
+  <p:cSld>
+    <p:spTree>
+      <p:nvGrpSpPr>
+        <p:cNvPr id="1" name=""/>
+        <p:cNvGrpSpPr/>
+        <p:nvPr/>
+      </p:nvGrpSpPr>
+      <p:grpSpPr>
+        <a:xfrm>
+          <a:off x="0" y="0"/>
+          <a:ext cx="0" cy="0"/>
+          <a:chOff x="0" y="0"/>
+          <a:chExt cx="0" cy="0"/>
+        </a:xfrm>
+      </p:grpSpPr>
+      <p:sp>
+        <p:nvSpPr>
+          <p:cNvPr id="2" name="제목 1">
+            <a:extLst>
+              <a:ext uri="{FF2B5EF4-FFF2-40B4-BE49-F238E27FC236}">
+                <a16:creationId xmlns:a16="http://schemas.microsoft.com/office/drawing/2014/main" id="{1A1742F8-30B3-430E-84C0-ED395D231015}"/>
+              </a:ext>
+            </a:extLst>
+          </p:cNvPr>
+          <p:cNvSpPr>
+            <a:spLocks noGrp="1"/>
+          </p:cNvSpPr>
+          <p:nvPr>
+            <p:ph type="title"/>
+          </p:nvPr>
+        </p:nvSpPr>
+        <p:spPr>
+          <a:xfrm>
+            <a:off x="838200" y="365125"/>
+            <a:ext cx="4088907" cy="327333"/>
+          </a:xfrm>
+        </p:spPr>
+        <p:txBody>
+          <a:bodyPr>
+            <a:noAutofit/>
+          </a:bodyPr>
+          <a:lstStyle/>
+          <a:p>
+            <a:r>
+              <a:rPr lang="ko-KR" altLang="en-US" sz="2400" dirty="0"/>
+              <a:t>요정 디자인 폼</a:t>
+            </a:r>
+          </a:p>
+        </p:txBody>
+      </p:sp>
+      <p:sp>
+        <p:nvSpPr>
+          <p:cNvPr id="4" name="직사각형 3">
+            <a:extLst>
+              <a:ext uri="{FF2B5EF4-FFF2-40B4-BE49-F238E27FC236}">
+                <a16:creationId xmlns:a16="http://schemas.microsoft.com/office/drawing/2014/main" id="{6B207272-4797-4D20-9132-4EAD61C6DAE2}"/>
+              </a:ext>
+            </a:extLst>
+          </p:cNvPr>
+          <p:cNvSpPr/>
+          <p:nvPr/>
+        </p:nvSpPr>
+        <p:spPr>
+          <a:xfrm>
+            <a:off x="1331650" y="1162975"/>
+            <a:ext cx="2343705" cy="3781887"/>
+          </a:xfrm>
+          <a:prstGeom prst="rect">
+            <a:avLst/>
+          </a:prstGeom>
+        </p:spPr>
+        <p:style>
+          <a:lnRef idx="2">
+            <a:schemeClr val="accent1">
+              <a:shade val="50000"/>
+            </a:schemeClr>
+          </a:lnRef>
+          <a:fillRef idx="1">
+            <a:schemeClr val="accent1"/>
+          </a:fillRef>
+          <a:effectRef idx="0">
+            <a:schemeClr val="accent1"/>
+          </a:effectRef>
+          <a:fontRef idx="minor">
+            <a:schemeClr val="lt1"/>
+          </a:fontRef>
+        </p:style>
+        <p:txBody>
+          <a:bodyPr rtlCol="0" anchor="ctr"/>
+          <a:lstStyle/>
+          <a:p>
+            <a:pPr algn="ctr"/>
+            <a:r>
+              <a:rPr lang="ko-KR" altLang="en-US" dirty="0"/>
+              <a:t>요정 사진 업로드</a:t>
+            </a:r>
+          </a:p>
+        </p:txBody>
+      </p:sp>
+      <p:sp>
+        <p:nvSpPr>
+          <p:cNvPr id="5" name="직사각형 4">
+            <a:extLst>
+              <a:ext uri="{FF2B5EF4-FFF2-40B4-BE49-F238E27FC236}">
+                <a16:creationId xmlns:a16="http://schemas.microsoft.com/office/drawing/2014/main" id="{6336C118-5256-4AC9-9237-C7861773F0B6}"/>
+              </a:ext>
+            </a:extLst>
+          </p:cNvPr>
+          <p:cNvSpPr/>
+          <p:nvPr/>
+        </p:nvSpPr>
+        <p:spPr>
+          <a:xfrm>
+            <a:off x="3879542" y="1162975"/>
+            <a:ext cx="5264458" cy="327333"/>
+          </a:xfrm>
+          <a:prstGeom prst="rect">
+            <a:avLst/>
+          </a:prstGeom>
+        </p:spPr>
+        <p:style>
+          <a:lnRef idx="2">
+            <a:schemeClr val="accent1">
+              <a:shade val="50000"/>
+            </a:schemeClr>
+          </a:lnRef>
+          <a:fillRef idx="1">
+            <a:schemeClr val="accent1"/>
+          </a:fillRef>
+          <a:effectRef idx="0">
+            <a:schemeClr val="accent1"/>
+          </a:effectRef>
+          <a:fontRef idx="minor">
+            <a:schemeClr val="lt1"/>
+          </a:fontRef>
+        </p:style>
+        <p:txBody>
+          <a:bodyPr rtlCol="0" anchor="ctr"/>
+          <a:lstStyle/>
+          <a:p>
+            <a:pPr algn="ctr"/>
+            <a:r>
+              <a:rPr lang="ko-KR" altLang="en-US" dirty="0"/>
+              <a:t>요정 종류 이름</a:t>
+            </a:r>
+          </a:p>
+        </p:txBody>
+      </p:sp>
+      <p:sp>
+        <p:nvSpPr>
+          <p:cNvPr id="6" name="TextBox 5">
+            <a:extLst>
+              <a:ext uri="{FF2B5EF4-FFF2-40B4-BE49-F238E27FC236}">
+                <a16:creationId xmlns:a16="http://schemas.microsoft.com/office/drawing/2014/main" id="{476FFDD1-42CB-42B4-ACA8-9208340259DB}"/>
+              </a:ext>
+            </a:extLst>
+          </p:cNvPr>
+          <p:cNvSpPr txBox="1"/>
+          <p:nvPr/>
+        </p:nvSpPr>
+        <p:spPr>
+          <a:xfrm>
+            <a:off x="3879542" y="1591493"/>
+            <a:ext cx="8268610" cy="646331"/>
+          </a:xfrm>
+          <a:prstGeom prst="rect">
+            <a:avLst/>
+          </a:prstGeom>
+          <a:noFill/>
+        </p:spPr>
+        <p:txBody>
+          <a:bodyPr wrap="none" rtlCol="0">
+            <a:spAutoFit/>
+          </a:bodyPr>
+          <a:lstStyle/>
+          <a:p>
+            <a:r>
+              <a:rPr lang="ko-KR" altLang="en-US" dirty="0"/>
+              <a:t>요정의 이름은 이 요정을 구매한 소유자가 요정의 이름을 짓습니다</a:t>
+            </a:r>
+            <a:r>
+              <a:rPr lang="en-US" altLang="ko-KR" dirty="0"/>
+              <a:t>.</a:t>
+            </a:r>
+          </a:p>
+          <a:p>
+            <a:r>
+              <a:rPr lang="ko-KR" altLang="en-US" dirty="0"/>
+              <a:t>디자이너는 요정의 이름이 아닌 요정의 종류의 이름</a:t>
+            </a:r>
+            <a:r>
+              <a:rPr lang="en-US" altLang="ko-KR" dirty="0"/>
+              <a:t>(</a:t>
+            </a:r>
+            <a:r>
+              <a:rPr lang="ko-KR" altLang="en-US" dirty="0"/>
+              <a:t>예</a:t>
+            </a:r>
+            <a:r>
+              <a:rPr lang="en-US" altLang="ko-KR" dirty="0"/>
+              <a:t>: </a:t>
+            </a:r>
+            <a:r>
+              <a:rPr lang="ko-KR" altLang="en-US" dirty="0"/>
+              <a:t>화염요정</a:t>
+            </a:r>
+            <a:r>
+              <a:rPr lang="en-US" altLang="ko-KR" dirty="0"/>
+              <a:t>)</a:t>
+            </a:r>
+            <a:r>
+              <a:rPr lang="ko-KR" altLang="en-US" dirty="0"/>
+              <a:t>을 짓습니다</a:t>
+            </a:r>
+            <a:r>
+              <a:rPr lang="en-US" altLang="ko-KR" dirty="0"/>
+              <a:t>.</a:t>
+            </a:r>
+            <a:endParaRPr lang="ko-KR" altLang="en-US" dirty="0"/>
+          </a:p>
+        </p:txBody>
+      </p:sp>
+      <p:sp>
+        <p:nvSpPr>
+          <p:cNvPr id="7" name="직사각형 6">
+            <a:extLst>
+              <a:ext uri="{FF2B5EF4-FFF2-40B4-BE49-F238E27FC236}">
+                <a16:creationId xmlns:a16="http://schemas.microsoft.com/office/drawing/2014/main" id="{188A5100-730B-4D82-8D37-9082E05A2CDE}"/>
+              </a:ext>
+            </a:extLst>
+          </p:cNvPr>
+          <p:cNvSpPr/>
+          <p:nvPr/>
+        </p:nvSpPr>
+        <p:spPr>
+          <a:xfrm>
+            <a:off x="3879542" y="3429000"/>
+            <a:ext cx="4598633" cy="2192784"/>
+          </a:xfrm>
+          <a:prstGeom prst="rect">
+            <a:avLst/>
+          </a:prstGeom>
+        </p:spPr>
+        <p:style>
+          <a:lnRef idx="2">
+            <a:schemeClr val="accent1">
+              <a:shade val="50000"/>
+            </a:schemeClr>
+          </a:lnRef>
+          <a:fillRef idx="1">
+            <a:schemeClr val="accent1"/>
+          </a:fillRef>
+          <a:effectRef idx="0">
+            <a:schemeClr val="accent1"/>
+          </a:effectRef>
+          <a:fontRef idx="minor">
+            <a:schemeClr val="lt1"/>
+          </a:fontRef>
+        </p:style>
+        <p:txBody>
+          <a:bodyPr rtlCol="0" anchor="ctr"/>
+          <a:lstStyle/>
+          <a:p>
+            <a:pPr algn="ctr"/>
+            <a:r>
+              <a:rPr lang="ko-KR" altLang="en-US" dirty="0"/>
+              <a:t>능력치 포인트 지정</a:t>
+            </a:r>
+          </a:p>
+        </p:txBody>
+      </p:sp>
+      <p:sp>
+        <p:nvSpPr>
+          <p:cNvPr id="8" name="TextBox 7">
+            <a:extLst>
+              <a:ext uri="{FF2B5EF4-FFF2-40B4-BE49-F238E27FC236}">
+                <a16:creationId xmlns:a16="http://schemas.microsoft.com/office/drawing/2014/main" id="{71F94A0A-6020-4741-869D-5BF43E82F490}"/>
+              </a:ext>
+            </a:extLst>
+          </p:cNvPr>
+          <p:cNvSpPr txBox="1"/>
+          <p:nvPr/>
+        </p:nvSpPr>
+        <p:spPr>
+          <a:xfrm>
+            <a:off x="3790590" y="2505670"/>
+            <a:ext cx="10453439" cy="923330"/>
+          </a:xfrm>
+          <a:prstGeom prst="rect">
+            <a:avLst/>
+          </a:prstGeom>
+          <a:noFill/>
+        </p:spPr>
+        <p:txBody>
+          <a:bodyPr wrap="none" rtlCol="0">
+            <a:spAutoFit/>
+          </a:bodyPr>
+          <a:lstStyle/>
+          <a:p>
+            <a:r>
+              <a:rPr lang="ko-KR" altLang="en-US" dirty="0"/>
+              <a:t>요정의 능력치 상승을 위해 </a:t>
+            </a:r>
+            <a:r>
+              <a:rPr lang="en-US" altLang="ko-KR" dirty="0"/>
+              <a:t>Fairy Root</a:t>
+            </a:r>
+            <a:r>
+              <a:rPr lang="ko-KR" altLang="en-US" dirty="0"/>
+              <a:t>에 지급할 수익률</a:t>
+            </a:r>
+            <a:endParaRPr lang="en-US" altLang="ko-KR" dirty="0"/>
+          </a:p>
+          <a:p>
+            <a:endParaRPr lang="en-US" altLang="ko-KR" dirty="0"/>
+          </a:p>
+          <a:p>
+            <a:r>
+              <a:rPr lang="en-US" altLang="ko-KR" dirty="0"/>
+              <a:t>Fairy Root</a:t>
+            </a:r>
+            <a:r>
+              <a:rPr lang="ko-KR" altLang="en-US" dirty="0"/>
+              <a:t>에 많은 수익률을 지급할수록 요정에 부여하는 능력치 포인트를 많이 지정할 수 있습니다</a:t>
+            </a:r>
+            <a:r>
+              <a:rPr lang="en-US" altLang="ko-KR" dirty="0"/>
+              <a:t>.</a:t>
+            </a:r>
+          </a:p>
+        </p:txBody>
+      </p:sp>
+      <p:sp>
+        <p:nvSpPr>
+          <p:cNvPr id="9" name="TextBox 8">
+            <a:extLst>
+              <a:ext uri="{FF2B5EF4-FFF2-40B4-BE49-F238E27FC236}">
+                <a16:creationId xmlns:a16="http://schemas.microsoft.com/office/drawing/2014/main" id="{38063234-FFDC-4F82-B080-3DC9BF612DA5}"/>
+              </a:ext>
+            </a:extLst>
+          </p:cNvPr>
+          <p:cNvSpPr txBox="1"/>
+          <p:nvPr/>
+        </p:nvSpPr>
+        <p:spPr>
+          <a:xfrm>
+            <a:off x="6485322" y="3512180"/>
+            <a:ext cx="1992853" cy="369332"/>
+          </a:xfrm>
+          <a:prstGeom prst="rect">
+            <a:avLst/>
+          </a:prstGeom>
+          <a:noFill/>
+        </p:spPr>
+        <p:txBody>
+          <a:bodyPr wrap="none" rtlCol="0">
+            <a:spAutoFit/>
+          </a:bodyPr>
+          <a:lstStyle/>
+          <a:p>
+            <a:r>
+              <a:rPr lang="ko-KR" altLang="en-US" dirty="0"/>
+              <a:t>능력치 포인트 </a:t>
+            </a:r>
+            <a:r>
+              <a:rPr lang="en-US" altLang="ko-KR" dirty="0"/>
+              <a:t>: 5</a:t>
+            </a:r>
+            <a:endParaRPr lang="ko-KR" altLang="en-US" dirty="0"/>
+          </a:p>
+        </p:txBody>
+      </p:sp>
+      <p:cxnSp>
+        <p:nvCxnSpPr>
+          <p:cNvPr id="13" name="직선 연결선 12">
+            <a:extLst>
+              <a:ext uri="{FF2B5EF4-FFF2-40B4-BE49-F238E27FC236}">
+                <a16:creationId xmlns:a16="http://schemas.microsoft.com/office/drawing/2014/main" id="{3F31D881-AB27-47AD-914A-862EA5CF8897}"/>
+              </a:ext>
+            </a:extLst>
+          </p:cNvPr>
+          <p:cNvCxnSpPr/>
+          <p:nvPr/>
+        </p:nvCxnSpPr>
+        <p:spPr>
+          <a:xfrm>
+            <a:off x="5235921" y="5165578"/>
+            <a:ext cx="1991762" cy="0"/>
+          </a:xfrm>
+          <a:prstGeom prst="line">
+            <a:avLst/>
+          </a:prstGeom>
+          <a:ln/>
+        </p:spPr>
+        <p:style>
+          <a:lnRef idx="3">
+            <a:schemeClr val="lt1"/>
+          </a:lnRef>
+          <a:fillRef idx="1">
+            <a:schemeClr val="accent6"/>
+          </a:fillRef>
+          <a:effectRef idx="1">
+            <a:schemeClr val="accent6"/>
+          </a:effectRef>
+          <a:fontRef idx="minor">
+            <a:schemeClr val="lt1"/>
+          </a:fontRef>
+        </p:style>
+      </p:cxnSp>
+      <p:sp>
+        <p:nvSpPr>
+          <p:cNvPr id="14" name="타원 13">
+            <a:extLst>
+              <a:ext uri="{FF2B5EF4-FFF2-40B4-BE49-F238E27FC236}">
+                <a16:creationId xmlns:a16="http://schemas.microsoft.com/office/drawing/2014/main" id="{E11B063B-EAB1-4F44-96DB-6797FFD83268}"/>
+              </a:ext>
+            </a:extLst>
+          </p:cNvPr>
+          <p:cNvSpPr/>
+          <p:nvPr/>
+        </p:nvSpPr>
+        <p:spPr>
+          <a:xfrm>
+            <a:off x="6096000" y="5058277"/>
+            <a:ext cx="208230" cy="208230"/>
+          </a:xfrm>
+          <a:prstGeom prst="ellipse">
+            <a:avLst/>
+          </a:prstGeom>
+        </p:spPr>
+        <p:style>
+          <a:lnRef idx="3">
+            <a:schemeClr val="lt1"/>
+          </a:lnRef>
+          <a:fillRef idx="1">
+            <a:schemeClr val="accent6"/>
+          </a:fillRef>
+          <a:effectRef idx="1">
+            <a:schemeClr val="accent6"/>
+          </a:effectRef>
+          <a:fontRef idx="minor">
+            <a:schemeClr val="lt1"/>
+          </a:fontRef>
+        </p:style>
+        <p:txBody>
+          <a:bodyPr rtlCol="0" anchor="ctr"/>
+          <a:lstStyle/>
+          <a:p>
+            <a:pPr algn="ctr"/>
+            <a:endParaRPr lang="ko-KR" altLang="en-US"/>
+          </a:p>
+        </p:txBody>
+      </p:sp>
+      <p:cxnSp>
+        <p:nvCxnSpPr>
+          <p:cNvPr id="15" name="직선 연결선 14">
+            <a:extLst>
+              <a:ext uri="{FF2B5EF4-FFF2-40B4-BE49-F238E27FC236}">
+                <a16:creationId xmlns:a16="http://schemas.microsoft.com/office/drawing/2014/main" id="{70FD36FA-84C3-4928-983D-FEA87E3EEFBE}"/>
+              </a:ext>
+            </a:extLst>
+          </p:cNvPr>
+          <p:cNvCxnSpPr/>
+          <p:nvPr/>
+        </p:nvCxnSpPr>
+        <p:spPr>
+          <a:xfrm>
+            <a:off x="5268326" y="2958618"/>
+            <a:ext cx="1991762" cy="0"/>
+          </a:xfrm>
+          <a:prstGeom prst="line">
+            <a:avLst/>
+          </a:prstGeom>
+          <a:ln w="57150"/>
+        </p:spPr>
+        <p:style>
+          <a:lnRef idx="1">
+            <a:schemeClr val="accent1"/>
+          </a:lnRef>
+          <a:fillRef idx="0">
+            <a:schemeClr val="accent1"/>
+          </a:fillRef>
+          <a:effectRef idx="0">
+            <a:schemeClr val="accent1"/>
+          </a:effectRef>
+          <a:fontRef idx="minor">
+            <a:schemeClr val="tx1"/>
+          </a:fontRef>
+        </p:style>
+      </p:cxnSp>
+      <p:sp>
+        <p:nvSpPr>
+          <p:cNvPr id="16" name="타원 15">
+            <a:extLst>
+              <a:ext uri="{FF2B5EF4-FFF2-40B4-BE49-F238E27FC236}">
+                <a16:creationId xmlns:a16="http://schemas.microsoft.com/office/drawing/2014/main" id="{D34643BD-594D-4C16-90F1-081B639FF4BB}"/>
+              </a:ext>
+            </a:extLst>
+          </p:cNvPr>
+          <p:cNvSpPr/>
+          <p:nvPr/>
+        </p:nvSpPr>
+        <p:spPr>
+          <a:xfrm>
+            <a:off x="6128405" y="2851317"/>
+            <a:ext cx="208230" cy="208230"/>
+          </a:xfrm>
+          <a:prstGeom prst="ellipse">
+            <a:avLst/>
+          </a:prstGeom>
+        </p:spPr>
+        <p:style>
+          <a:lnRef idx="2">
+            <a:schemeClr val="accent1">
+              <a:shade val="50000"/>
+            </a:schemeClr>
+          </a:lnRef>
+          <a:fillRef idx="1">
+            <a:schemeClr val="accent1"/>
+          </a:fillRef>
+          <a:effectRef idx="0">
+            <a:schemeClr val="accent1"/>
+          </a:effectRef>
+          <a:fontRef idx="minor">
+            <a:schemeClr val="lt1"/>
+          </a:fontRef>
+        </p:style>
+        <p:txBody>
+          <a:bodyPr rtlCol="0" anchor="ctr"/>
+          <a:lstStyle/>
+          <a:p>
+            <a:pPr algn="ctr"/>
+            <a:endParaRPr lang="ko-KR" altLang="en-US"/>
+          </a:p>
+        </p:txBody>
+      </p:sp>
+    </p:spTree>
+    <p:extLst>
+      <p:ext uri="{BB962C8B-B14F-4D97-AF65-F5344CB8AC3E}">
+        <p14:creationId xmlns:p14="http://schemas.microsoft.com/office/powerpoint/2010/main" val="1934714642"/>
+      </p:ext>
+    </p:extLst>
+  </p:cSld>
+  <p:clrMapOvr>
+    <a:masterClrMapping/>
+  </p:clrMapOvr>
+</p:sld>
+</file>
+
 <file path=ppt/theme/theme1.xml><?xml version="1.0" encoding="utf-8"?>
 <a:theme xmlns:a="http://schemas.openxmlformats.org/drawingml/2006/main" name="Office 테마">
   <a:themeElements>

--- a/기획서.pptx
+++ b/기획서.pptx
@@ -13,6 +13,9 @@
     <p:sldId id="262" r:id="rId7"/>
     <p:sldId id="260" r:id="rId8"/>
     <p:sldId id="263" r:id="rId9"/>
+    <p:sldId id="264" r:id="rId10"/>
+    <p:sldId id="265" r:id="rId11"/>
+    <p:sldId id="266" r:id="rId12"/>
   </p:sldIdLst>
   <p:sldSz cx="12192000" cy="6858000"/>
   <p:notesSz cx="6858000" cy="9144000"/>
@@ -5728,7 +5731,7 @@
           <a:p>
             <a:fld id="{0580F3F0-72E3-429E-A2B0-1A9E939BF784}" type="datetimeFigureOut">
               <a:rPr lang="ko-KR" altLang="en-US" smtClean="0"/>
-              <a:t>2018-06-29</a:t>
+              <a:t>2018-07-02</a:t>
             </a:fld>
             <a:endParaRPr lang="ko-KR" altLang="en-US"/>
           </a:p>
@@ -5926,7 +5929,7 @@
           <a:p>
             <a:fld id="{0580F3F0-72E3-429E-A2B0-1A9E939BF784}" type="datetimeFigureOut">
               <a:rPr lang="ko-KR" altLang="en-US" smtClean="0"/>
-              <a:t>2018-06-29</a:t>
+              <a:t>2018-07-02</a:t>
             </a:fld>
             <a:endParaRPr lang="ko-KR" altLang="en-US"/>
           </a:p>
@@ -6134,7 +6137,7 @@
           <a:p>
             <a:fld id="{0580F3F0-72E3-429E-A2B0-1A9E939BF784}" type="datetimeFigureOut">
               <a:rPr lang="ko-KR" altLang="en-US" smtClean="0"/>
-              <a:t>2018-06-29</a:t>
+              <a:t>2018-07-02</a:t>
             </a:fld>
             <a:endParaRPr lang="ko-KR" altLang="en-US"/>
           </a:p>
@@ -6332,7 +6335,7 @@
           <a:p>
             <a:fld id="{0580F3F0-72E3-429E-A2B0-1A9E939BF784}" type="datetimeFigureOut">
               <a:rPr lang="ko-KR" altLang="en-US" smtClean="0"/>
-              <a:t>2018-06-29</a:t>
+              <a:t>2018-07-02</a:t>
             </a:fld>
             <a:endParaRPr lang="ko-KR" altLang="en-US"/>
           </a:p>
@@ -6607,7 +6610,7 @@
           <a:p>
             <a:fld id="{0580F3F0-72E3-429E-A2B0-1A9E939BF784}" type="datetimeFigureOut">
               <a:rPr lang="ko-KR" altLang="en-US" smtClean="0"/>
-              <a:t>2018-06-29</a:t>
+              <a:t>2018-07-02</a:t>
             </a:fld>
             <a:endParaRPr lang="ko-KR" altLang="en-US"/>
           </a:p>
@@ -6872,7 +6875,7 @@
           <a:p>
             <a:fld id="{0580F3F0-72E3-429E-A2B0-1A9E939BF784}" type="datetimeFigureOut">
               <a:rPr lang="ko-KR" altLang="en-US" smtClean="0"/>
-              <a:t>2018-06-29</a:t>
+              <a:t>2018-07-02</a:t>
             </a:fld>
             <a:endParaRPr lang="ko-KR" altLang="en-US"/>
           </a:p>
@@ -7284,7 +7287,7 @@
           <a:p>
             <a:fld id="{0580F3F0-72E3-429E-A2B0-1A9E939BF784}" type="datetimeFigureOut">
               <a:rPr lang="ko-KR" altLang="en-US" smtClean="0"/>
-              <a:t>2018-06-29</a:t>
+              <a:t>2018-07-02</a:t>
             </a:fld>
             <a:endParaRPr lang="ko-KR" altLang="en-US"/>
           </a:p>
@@ -7425,7 +7428,7 @@
           <a:p>
             <a:fld id="{0580F3F0-72E3-429E-A2B0-1A9E939BF784}" type="datetimeFigureOut">
               <a:rPr lang="ko-KR" altLang="en-US" smtClean="0"/>
-              <a:t>2018-06-29</a:t>
+              <a:t>2018-07-02</a:t>
             </a:fld>
             <a:endParaRPr lang="ko-KR" altLang="en-US"/>
           </a:p>
@@ -7538,7 +7541,7 @@
           <a:p>
             <a:fld id="{0580F3F0-72E3-429E-A2B0-1A9E939BF784}" type="datetimeFigureOut">
               <a:rPr lang="ko-KR" altLang="en-US" smtClean="0"/>
-              <a:t>2018-06-29</a:t>
+              <a:t>2018-07-02</a:t>
             </a:fld>
             <a:endParaRPr lang="ko-KR" altLang="en-US"/>
           </a:p>
@@ -7849,7 +7852,7 @@
           <a:p>
             <a:fld id="{0580F3F0-72E3-429E-A2B0-1A9E939BF784}" type="datetimeFigureOut">
               <a:rPr lang="ko-KR" altLang="en-US" smtClean="0"/>
-              <a:t>2018-06-29</a:t>
+              <a:t>2018-07-02</a:t>
             </a:fld>
             <a:endParaRPr lang="ko-KR" altLang="en-US"/>
           </a:p>
@@ -8137,7 +8140,7 @@
           <a:p>
             <a:fld id="{0580F3F0-72E3-429E-A2B0-1A9E939BF784}" type="datetimeFigureOut">
               <a:rPr lang="ko-KR" altLang="en-US" smtClean="0"/>
-              <a:t>2018-06-29</a:t>
+              <a:t>2018-07-02</a:t>
             </a:fld>
             <a:endParaRPr lang="ko-KR" altLang="en-US"/>
           </a:p>
@@ -8378,7 +8381,7 @@
           <a:p>
             <a:fld id="{0580F3F0-72E3-429E-A2B0-1A9E939BF784}" type="datetimeFigureOut">
               <a:rPr lang="ko-KR" altLang="en-US" smtClean="0"/>
-              <a:t>2018-06-29</a:t>
+              <a:t>2018-07-02</a:t>
             </a:fld>
             <a:endParaRPr lang="ko-KR" altLang="en-US"/>
           </a:p>
@@ -8869,6 +8872,987 @@
 </p:sld>
 </file>
 
+<file path=ppt/slides/slide10.xml><?xml version="1.0" encoding="utf-8"?>
+<p:sld xmlns:a="http://schemas.openxmlformats.org/drawingml/2006/main" xmlns:r="http://schemas.openxmlformats.org/officeDocument/2006/relationships" xmlns:p="http://schemas.openxmlformats.org/presentationml/2006/main">
+  <p:cSld>
+    <p:spTree>
+      <p:nvGrpSpPr>
+        <p:cNvPr id="1" name=""/>
+        <p:cNvGrpSpPr/>
+        <p:nvPr/>
+      </p:nvGrpSpPr>
+      <p:grpSpPr>
+        <a:xfrm>
+          <a:off x="0" y="0"/>
+          <a:ext cx="0" cy="0"/>
+          <a:chOff x="0" y="0"/>
+          <a:chExt cx="0" cy="0"/>
+        </a:xfrm>
+      </p:grpSpPr>
+      <p:grpSp>
+        <p:nvGrpSpPr>
+          <p:cNvPr id="11" name="그룹 10">
+            <a:extLst>
+              <a:ext uri="{FF2B5EF4-FFF2-40B4-BE49-F238E27FC236}">
+                <a16:creationId xmlns:a16="http://schemas.microsoft.com/office/drawing/2014/main" id="{CDF437CE-AF8D-4854-97E6-18991BF792F4}"/>
+              </a:ext>
+            </a:extLst>
+          </p:cNvPr>
+          <p:cNvGrpSpPr/>
+          <p:nvPr/>
+        </p:nvGrpSpPr>
+        <p:grpSpPr>
+          <a:xfrm>
+            <a:off x="2423603" y="2390313"/>
+            <a:ext cx="2814221" cy="1724156"/>
+            <a:chOff x="3844031" y="2459115"/>
+            <a:chExt cx="3506679" cy="2148396"/>
+          </a:xfrm>
+        </p:grpSpPr>
+        <p:sp>
+          <p:nvSpPr>
+            <p:cNvPr id="7" name="사각형: 둥근 모서리 6">
+              <a:extLst>
+                <a:ext uri="{FF2B5EF4-FFF2-40B4-BE49-F238E27FC236}">
+                  <a16:creationId xmlns:a16="http://schemas.microsoft.com/office/drawing/2014/main" id="{F5F1A20D-CCF8-4A55-BFA9-B2D82D438A82}"/>
+                </a:ext>
+              </a:extLst>
+            </p:cNvPr>
+            <p:cNvSpPr/>
+            <p:nvPr/>
+          </p:nvSpPr>
+          <p:spPr>
+            <a:xfrm>
+              <a:off x="3844031" y="2459115"/>
+              <a:ext cx="3506679" cy="2148396"/>
+            </a:xfrm>
+            <a:prstGeom prst="roundRect">
+              <a:avLst/>
+            </a:prstGeom>
+          </p:spPr>
+          <p:style>
+            <a:lnRef idx="0">
+              <a:schemeClr val="accent6"/>
+            </a:lnRef>
+            <a:fillRef idx="3">
+              <a:schemeClr val="accent6"/>
+            </a:fillRef>
+            <a:effectRef idx="3">
+              <a:schemeClr val="accent6"/>
+            </a:effectRef>
+            <a:fontRef idx="minor">
+              <a:schemeClr val="lt1"/>
+            </a:fontRef>
+          </p:style>
+          <p:txBody>
+            <a:bodyPr rtlCol="0" anchor="ctr"/>
+            <a:lstStyle/>
+            <a:p>
+              <a:pPr algn="ctr"/>
+              <a:endParaRPr lang="ko-KR" altLang="en-US"/>
+            </a:p>
+          </p:txBody>
+        </p:sp>
+        <p:pic>
+          <p:nvPicPr>
+            <p:cNvPr id="9" name="그림 8">
+              <a:extLst>
+                <a:ext uri="{FF2B5EF4-FFF2-40B4-BE49-F238E27FC236}">
+                  <a16:creationId xmlns:a16="http://schemas.microsoft.com/office/drawing/2014/main" id="{9C95041B-14C4-49F2-86E4-0F0394ED7A16}"/>
+                </a:ext>
+              </a:extLst>
+            </p:cNvPr>
+            <p:cNvPicPr>
+              <a:picLocks noChangeAspect="1"/>
+            </p:cNvPicPr>
+            <p:nvPr/>
+          </p:nvPicPr>
+          <p:blipFill>
+            <a:blip r:embed="rId2">
+              <a:extLst>
+                <a:ext uri="{28A0092B-C50C-407E-A947-70E740481C1C}">
+                  <a14:useLocalDpi xmlns:a14="http://schemas.microsoft.com/office/drawing/2010/main" val="0"/>
+                </a:ext>
+              </a:extLst>
+            </a:blip>
+            <a:stretch>
+              <a:fillRect/>
+            </a:stretch>
+          </p:blipFill>
+          <p:spPr>
+            <a:xfrm>
+              <a:off x="4158491" y="2963827"/>
+              <a:ext cx="2877758" cy="1138972"/>
+            </a:xfrm>
+            <a:prstGeom prst="rect">
+              <a:avLst/>
+            </a:prstGeom>
+          </p:spPr>
+        </p:pic>
+      </p:grpSp>
+      <p:sp>
+        <p:nvSpPr>
+          <p:cNvPr id="12" name="사각형: 둥근 모서리 11">
+            <a:extLst>
+              <a:ext uri="{FF2B5EF4-FFF2-40B4-BE49-F238E27FC236}">
+                <a16:creationId xmlns:a16="http://schemas.microsoft.com/office/drawing/2014/main" id="{84A8FB9C-5BF8-4EAC-A6E6-5534F95ADA4C}"/>
+              </a:ext>
+            </a:extLst>
+          </p:cNvPr>
+          <p:cNvSpPr/>
+          <p:nvPr/>
+        </p:nvSpPr>
+        <p:spPr>
+          <a:xfrm>
+            <a:off x="2840848" y="4834676"/>
+            <a:ext cx="1979721" cy="603682"/>
+          </a:xfrm>
+          <a:prstGeom prst="roundRect">
+            <a:avLst/>
+          </a:prstGeom>
+        </p:spPr>
+        <p:style>
+          <a:lnRef idx="2">
+            <a:schemeClr val="accent1">
+              <a:shade val="50000"/>
+            </a:schemeClr>
+          </a:lnRef>
+          <a:fillRef idx="1">
+            <a:schemeClr val="accent1"/>
+          </a:fillRef>
+          <a:effectRef idx="0">
+            <a:schemeClr val="accent1"/>
+          </a:effectRef>
+          <a:fontRef idx="minor">
+            <a:schemeClr val="lt1"/>
+          </a:fontRef>
+        </p:style>
+        <p:txBody>
+          <a:bodyPr rtlCol="0" anchor="ctr"/>
+          <a:lstStyle/>
+          <a:p>
+            <a:pPr algn="ctr"/>
+            <a:r>
+              <a:rPr lang="ko-KR" altLang="en-US" sz="1400" b="1"/>
+              <a:t>회사</a:t>
+            </a:r>
+          </a:p>
+        </p:txBody>
+      </p:sp>
+      <p:sp>
+        <p:nvSpPr>
+          <p:cNvPr id="14" name="화살표: 아래쪽 13">
+            <a:extLst>
+              <a:ext uri="{FF2B5EF4-FFF2-40B4-BE49-F238E27FC236}">
+                <a16:creationId xmlns:a16="http://schemas.microsoft.com/office/drawing/2014/main" id="{FD73C4E3-11AD-437D-BC26-5C83026E4021}"/>
+              </a:ext>
+            </a:extLst>
+          </p:cNvPr>
+          <p:cNvSpPr/>
+          <p:nvPr/>
+        </p:nvSpPr>
+        <p:spPr>
+          <a:xfrm>
+            <a:off x="3338192" y="4243401"/>
+            <a:ext cx="617002" cy="488272"/>
+          </a:xfrm>
+          <a:prstGeom prst="downArrow">
+            <a:avLst/>
+          </a:prstGeom>
+        </p:spPr>
+        <p:style>
+          <a:lnRef idx="2">
+            <a:schemeClr val="accent1"/>
+          </a:lnRef>
+          <a:fillRef idx="1">
+            <a:schemeClr val="lt1"/>
+          </a:fillRef>
+          <a:effectRef idx="0">
+            <a:schemeClr val="accent1"/>
+          </a:effectRef>
+          <a:fontRef idx="minor">
+            <a:schemeClr val="dk1"/>
+          </a:fontRef>
+        </p:style>
+        <p:txBody>
+          <a:bodyPr rtlCol="0" anchor="ctr"/>
+          <a:lstStyle/>
+          <a:p>
+            <a:pPr algn="ctr"/>
+            <a:endParaRPr lang="ko-KR" altLang="en-US" dirty="0"/>
+          </a:p>
+        </p:txBody>
+      </p:sp>
+      <p:sp>
+        <p:nvSpPr>
+          <p:cNvPr id="15" name="TextBox 14">
+            <a:extLst>
+              <a:ext uri="{FF2B5EF4-FFF2-40B4-BE49-F238E27FC236}">
+                <a16:creationId xmlns:a16="http://schemas.microsoft.com/office/drawing/2014/main" id="{783733A1-7B7E-4890-A447-7264D37325DE}"/>
+              </a:ext>
+            </a:extLst>
+          </p:cNvPr>
+          <p:cNvSpPr txBox="1"/>
+          <p:nvPr/>
+        </p:nvSpPr>
+        <p:spPr>
+          <a:xfrm>
+            <a:off x="3999384" y="4316540"/>
+            <a:ext cx="1144865" cy="307777"/>
+          </a:xfrm>
+          <a:prstGeom prst="rect">
+            <a:avLst/>
+          </a:prstGeom>
+          <a:noFill/>
+        </p:spPr>
+        <p:txBody>
+          <a:bodyPr wrap="none" rtlCol="0">
+            <a:spAutoFit/>
+          </a:bodyPr>
+          <a:lstStyle/>
+          <a:p>
+            <a:r>
+              <a:rPr lang="ko-KR" altLang="en-US" sz="1400" dirty="0"/>
+              <a:t>거래 수수료</a:t>
+            </a:r>
+          </a:p>
+        </p:txBody>
+      </p:sp>
+      <p:sp>
+        <p:nvSpPr>
+          <p:cNvPr id="16" name="TextBox 15">
+            <a:extLst>
+              <a:ext uri="{FF2B5EF4-FFF2-40B4-BE49-F238E27FC236}">
+                <a16:creationId xmlns:a16="http://schemas.microsoft.com/office/drawing/2014/main" id="{2EB42A89-83AD-4799-B205-B96DD4A4FFCB}"/>
+              </a:ext>
+            </a:extLst>
+          </p:cNvPr>
+          <p:cNvSpPr txBox="1"/>
+          <p:nvPr/>
+        </p:nvSpPr>
+        <p:spPr>
+          <a:xfrm>
+            <a:off x="2799427" y="5613205"/>
+            <a:ext cx="4367814" cy="738664"/>
+          </a:xfrm>
+          <a:prstGeom prst="rect">
+            <a:avLst/>
+          </a:prstGeom>
+          <a:noFill/>
+        </p:spPr>
+        <p:txBody>
+          <a:bodyPr wrap="square" rtlCol="0">
+            <a:spAutoFit/>
+          </a:bodyPr>
+          <a:lstStyle/>
+          <a:p>
+            <a:pPr marL="285750" indent="-285750">
+              <a:buFont typeface="Arial" panose="020B0604020202020204" pitchFamily="34" charset="0"/>
+              <a:buChar char="•"/>
+            </a:pPr>
+            <a:r>
+              <a:rPr lang="ko-KR" altLang="en-US" sz="1400" dirty="0"/>
+              <a:t>서비스 품질 개선</a:t>
+            </a:r>
+            <a:endParaRPr lang="en-US" altLang="ko-KR" sz="1400" dirty="0"/>
+          </a:p>
+          <a:p>
+            <a:pPr marL="285750" indent="-285750">
+              <a:buFont typeface="Arial" panose="020B0604020202020204" pitchFamily="34" charset="0"/>
+              <a:buChar char="•"/>
+            </a:pPr>
+            <a:r>
+              <a:rPr lang="ko-KR" altLang="en-US" sz="1400" dirty="0"/>
+              <a:t>불법 행위 차단 </a:t>
+            </a:r>
+            <a:r>
+              <a:rPr lang="en-US" altLang="ko-KR" sz="1400" dirty="0"/>
+              <a:t>(</a:t>
+            </a:r>
+            <a:r>
+              <a:rPr lang="ko-KR" altLang="en-US" sz="1400" dirty="0"/>
+              <a:t>저작권 위반 행위</a:t>
+            </a:r>
+            <a:r>
+              <a:rPr lang="en-US" altLang="ko-KR" sz="1400" dirty="0"/>
+              <a:t>, </a:t>
+            </a:r>
+            <a:r>
+              <a:rPr lang="ko-KR" altLang="en-US" sz="1400" dirty="0"/>
+              <a:t>성인물 등</a:t>
+            </a:r>
+            <a:r>
+              <a:rPr lang="en-US" altLang="ko-KR" sz="1400" dirty="0"/>
+              <a:t>)</a:t>
+            </a:r>
+          </a:p>
+          <a:p>
+            <a:pPr marL="285750" indent="-285750">
+              <a:buFont typeface="Arial" panose="020B0604020202020204" pitchFamily="34" charset="0"/>
+              <a:buChar char="•"/>
+            </a:pPr>
+            <a:r>
+              <a:rPr lang="ko-KR" altLang="en-US" sz="1400" dirty="0"/>
+              <a:t>서비스</a:t>
+            </a:r>
+            <a:r>
+              <a:rPr lang="en-US" altLang="ko-KR" sz="1400" dirty="0"/>
+              <a:t> </a:t>
+            </a:r>
+            <a:r>
+              <a:rPr lang="ko-KR" altLang="en-US" sz="1400" dirty="0"/>
+              <a:t>홍보</a:t>
+            </a:r>
+          </a:p>
+        </p:txBody>
+      </p:sp>
+      <p:pic>
+        <p:nvPicPr>
+          <p:cNvPr id="1026" name="Picture 2" descr="ì´ëë¦¬ìì ëí ì´ë¯¸ì§ ê²ìê²°ê³¼">
+            <a:extLst>
+              <a:ext uri="{FF2B5EF4-FFF2-40B4-BE49-F238E27FC236}">
+                <a16:creationId xmlns:a16="http://schemas.microsoft.com/office/drawing/2014/main" id="{80214D9D-D300-46E3-91B3-E445DA10817E}"/>
+              </a:ext>
+            </a:extLst>
+          </p:cNvPr>
+          <p:cNvPicPr>
+            <a:picLocks noChangeAspect="1" noChangeArrowheads="1"/>
+          </p:cNvPicPr>
+          <p:nvPr/>
+        </p:nvPicPr>
+        <p:blipFill>
+          <a:blip r:embed="rId3">
+            <a:extLst>
+              <a:ext uri="{28A0092B-C50C-407E-A947-70E740481C1C}">
+                <a14:useLocalDpi xmlns:a14="http://schemas.microsoft.com/office/drawing/2010/main" val="0"/>
+              </a:ext>
+            </a:extLst>
+          </a:blip>
+          <a:srcRect/>
+          <a:stretch>
+            <a:fillRect/>
+          </a:stretch>
+        </p:blipFill>
+        <p:spPr bwMode="auto">
+          <a:xfrm>
+            <a:off x="3540356" y="4296790"/>
+            <a:ext cx="212673" cy="346435"/>
+          </a:xfrm>
+          <a:prstGeom prst="rect">
+            <a:avLst/>
+          </a:prstGeom>
+          <a:noFill/>
+          <a:extLst>
+            <a:ext uri="{909E8E84-426E-40DD-AFC4-6F175D3DCCD1}">
+              <a14:hiddenFill xmlns:a14="http://schemas.microsoft.com/office/drawing/2010/main">
+                <a:solidFill>
+                  <a:srgbClr val="FFFFFF"/>
+                </a:solidFill>
+              </a14:hiddenFill>
+            </a:ext>
+          </a:extLst>
+        </p:spPr>
+      </p:pic>
+      <p:sp>
+        <p:nvSpPr>
+          <p:cNvPr id="18" name="사각형: 둥근 모서리 17">
+            <a:extLst>
+              <a:ext uri="{FF2B5EF4-FFF2-40B4-BE49-F238E27FC236}">
+                <a16:creationId xmlns:a16="http://schemas.microsoft.com/office/drawing/2014/main" id="{A98560A8-F94E-4263-A01D-C0F3EBEA0DF8}"/>
+              </a:ext>
+            </a:extLst>
+          </p:cNvPr>
+          <p:cNvSpPr/>
+          <p:nvPr/>
+        </p:nvSpPr>
+        <p:spPr>
+          <a:xfrm>
+            <a:off x="2840848" y="1055655"/>
+            <a:ext cx="1979721" cy="603682"/>
+          </a:xfrm>
+          <a:prstGeom prst="roundRect">
+            <a:avLst/>
+          </a:prstGeom>
+        </p:spPr>
+        <p:style>
+          <a:lnRef idx="2">
+            <a:schemeClr val="accent1">
+              <a:shade val="50000"/>
+            </a:schemeClr>
+          </a:lnRef>
+          <a:fillRef idx="1">
+            <a:schemeClr val="accent1"/>
+          </a:fillRef>
+          <a:effectRef idx="0">
+            <a:schemeClr val="accent1"/>
+          </a:effectRef>
+          <a:fontRef idx="minor">
+            <a:schemeClr val="lt1"/>
+          </a:fontRef>
+        </p:style>
+        <p:txBody>
+          <a:bodyPr rtlCol="0" anchor="ctr"/>
+          <a:lstStyle/>
+          <a:p>
+            <a:pPr algn="ctr"/>
+            <a:r>
+              <a:rPr lang="ko-KR" altLang="en-US" sz="1400" b="1" dirty="0"/>
+              <a:t>구매자 </a:t>
+            </a:r>
+            <a:r>
+              <a:rPr lang="en-US" altLang="ko-KR" sz="1400" b="1" dirty="0"/>
+              <a:t>(</a:t>
+            </a:r>
+            <a:r>
+              <a:rPr lang="ko-KR" altLang="en-US" sz="1400" b="1" dirty="0"/>
+              <a:t>요정 소유주</a:t>
+            </a:r>
+            <a:r>
+              <a:rPr lang="en-US" altLang="ko-KR" sz="1400" b="1" dirty="0"/>
+              <a:t>)</a:t>
+            </a:r>
+            <a:endParaRPr lang="ko-KR" altLang="en-US" sz="1400" b="1" dirty="0"/>
+          </a:p>
+        </p:txBody>
+      </p:sp>
+      <p:sp>
+        <p:nvSpPr>
+          <p:cNvPr id="20" name="사각형: 둥근 모서리 19">
+            <a:extLst>
+              <a:ext uri="{FF2B5EF4-FFF2-40B4-BE49-F238E27FC236}">
+                <a16:creationId xmlns:a16="http://schemas.microsoft.com/office/drawing/2014/main" id="{9A6F7A27-BE53-46FC-8ECE-6F75E7D8BF0A}"/>
+              </a:ext>
+            </a:extLst>
+          </p:cNvPr>
+          <p:cNvSpPr/>
+          <p:nvPr/>
+        </p:nvSpPr>
+        <p:spPr>
+          <a:xfrm>
+            <a:off x="5967270" y="2950549"/>
+            <a:ext cx="1979721" cy="603682"/>
+          </a:xfrm>
+          <a:prstGeom prst="roundRect">
+            <a:avLst/>
+          </a:prstGeom>
+        </p:spPr>
+        <p:style>
+          <a:lnRef idx="2">
+            <a:schemeClr val="accent1">
+              <a:shade val="50000"/>
+            </a:schemeClr>
+          </a:lnRef>
+          <a:fillRef idx="1">
+            <a:schemeClr val="accent1"/>
+          </a:fillRef>
+          <a:effectRef idx="0">
+            <a:schemeClr val="accent1"/>
+          </a:effectRef>
+          <a:fontRef idx="minor">
+            <a:schemeClr val="lt1"/>
+          </a:fontRef>
+        </p:style>
+        <p:txBody>
+          <a:bodyPr rtlCol="0" anchor="ctr"/>
+          <a:lstStyle/>
+          <a:p>
+            <a:pPr algn="ctr"/>
+            <a:r>
+              <a:rPr lang="ko-KR" altLang="en-US" sz="1400" b="1" dirty="0"/>
+              <a:t>디자이너</a:t>
+            </a:r>
+          </a:p>
+        </p:txBody>
+      </p:sp>
+      <p:sp>
+        <p:nvSpPr>
+          <p:cNvPr id="21" name="TextBox 20">
+            <a:extLst>
+              <a:ext uri="{FF2B5EF4-FFF2-40B4-BE49-F238E27FC236}">
+                <a16:creationId xmlns:a16="http://schemas.microsoft.com/office/drawing/2014/main" id="{58BC44D3-EB68-48EE-A3FD-5D6B8EB8AEBA}"/>
+              </a:ext>
+            </a:extLst>
+          </p:cNvPr>
+          <p:cNvSpPr txBox="1"/>
+          <p:nvPr/>
+        </p:nvSpPr>
+        <p:spPr>
+          <a:xfrm>
+            <a:off x="5967270" y="3661587"/>
+            <a:ext cx="2058146" cy="523220"/>
+          </a:xfrm>
+          <a:prstGeom prst="rect">
+            <a:avLst/>
+          </a:prstGeom>
+          <a:noFill/>
+        </p:spPr>
+        <p:txBody>
+          <a:bodyPr wrap="square" rtlCol="0">
+            <a:spAutoFit/>
+          </a:bodyPr>
+          <a:lstStyle/>
+          <a:p>
+            <a:pPr marL="285750" indent="-285750">
+              <a:buFont typeface="Arial" panose="020B0604020202020204" pitchFamily="34" charset="0"/>
+              <a:buChar char="•"/>
+            </a:pPr>
+            <a:r>
+              <a:rPr lang="ko-KR" altLang="en-US" sz="1400" dirty="0"/>
+              <a:t>요정 이미지 디자인</a:t>
+            </a:r>
+            <a:endParaRPr lang="en-US" altLang="ko-KR" sz="1400" dirty="0"/>
+          </a:p>
+          <a:p>
+            <a:pPr marL="285750" indent="-285750">
+              <a:buFont typeface="Arial" panose="020B0604020202020204" pitchFamily="34" charset="0"/>
+              <a:buChar char="•"/>
+            </a:pPr>
+            <a:r>
+              <a:rPr lang="ko-KR" altLang="en-US" sz="1400" dirty="0"/>
+              <a:t>요정의 능력치 설정</a:t>
+            </a:r>
+          </a:p>
+        </p:txBody>
+      </p:sp>
+      <p:sp>
+        <p:nvSpPr>
+          <p:cNvPr id="22" name="TextBox 21">
+            <a:extLst>
+              <a:ext uri="{FF2B5EF4-FFF2-40B4-BE49-F238E27FC236}">
+                <a16:creationId xmlns:a16="http://schemas.microsoft.com/office/drawing/2014/main" id="{915A109F-34D8-45F6-8E60-6EE1EC10B301}"/>
+              </a:ext>
+            </a:extLst>
+          </p:cNvPr>
+          <p:cNvSpPr txBox="1"/>
+          <p:nvPr/>
+        </p:nvSpPr>
+        <p:spPr>
+          <a:xfrm>
+            <a:off x="4983338" y="1095886"/>
+            <a:ext cx="2669213" cy="523220"/>
+          </a:xfrm>
+          <a:prstGeom prst="rect">
+            <a:avLst/>
+          </a:prstGeom>
+          <a:noFill/>
+        </p:spPr>
+        <p:txBody>
+          <a:bodyPr wrap="square" rtlCol="0">
+            <a:spAutoFit/>
+          </a:bodyPr>
+          <a:lstStyle/>
+          <a:p>
+            <a:pPr marL="285750" indent="-285750">
+              <a:buFont typeface="Arial" panose="020B0604020202020204" pitchFamily="34" charset="0"/>
+              <a:buChar char="•"/>
+            </a:pPr>
+            <a:r>
+              <a:rPr lang="ko-KR" altLang="en-US" sz="1400" dirty="0"/>
+              <a:t>요정 구매</a:t>
+            </a:r>
+            <a:endParaRPr lang="en-US" altLang="ko-KR" sz="1400" dirty="0"/>
+          </a:p>
+          <a:p>
+            <a:pPr marL="285750" indent="-285750">
+              <a:buFont typeface="Arial" panose="020B0604020202020204" pitchFamily="34" charset="0"/>
+              <a:buChar char="•"/>
+            </a:pPr>
+            <a:r>
+              <a:rPr lang="ko-KR" altLang="en-US" sz="1400" dirty="0"/>
+              <a:t>요정 거래</a:t>
+            </a:r>
+          </a:p>
+        </p:txBody>
+      </p:sp>
+      <p:sp>
+        <p:nvSpPr>
+          <p:cNvPr id="17" name="화살표: 오른쪽 16">
+            <a:extLst>
+              <a:ext uri="{FF2B5EF4-FFF2-40B4-BE49-F238E27FC236}">
+                <a16:creationId xmlns:a16="http://schemas.microsoft.com/office/drawing/2014/main" id="{1A569CE2-817C-45A5-AF71-120ECC0E128B}"/>
+              </a:ext>
+            </a:extLst>
+          </p:cNvPr>
+          <p:cNvSpPr/>
+          <p:nvPr/>
+        </p:nvSpPr>
+        <p:spPr>
+          <a:xfrm>
+            <a:off x="5389483" y="2890149"/>
+            <a:ext cx="426128" cy="819272"/>
+          </a:xfrm>
+          <a:prstGeom prst="rightArrow">
+            <a:avLst>
+              <a:gd name="adj1" fmla="val 54334"/>
+              <a:gd name="adj2" fmla="val 50000"/>
+            </a:avLst>
+          </a:prstGeom>
+        </p:spPr>
+        <p:style>
+          <a:lnRef idx="2">
+            <a:schemeClr val="accent1"/>
+          </a:lnRef>
+          <a:fillRef idx="1">
+            <a:schemeClr val="lt1"/>
+          </a:fillRef>
+          <a:effectRef idx="0">
+            <a:schemeClr val="accent1"/>
+          </a:effectRef>
+          <a:fontRef idx="minor">
+            <a:schemeClr val="dk1"/>
+          </a:fontRef>
+        </p:style>
+        <p:txBody>
+          <a:bodyPr rtlCol="0" anchor="ctr"/>
+          <a:lstStyle/>
+          <a:p>
+            <a:pPr algn="ctr"/>
+            <a:endParaRPr lang="ko-KR" altLang="en-US"/>
+          </a:p>
+        </p:txBody>
+      </p:sp>
+      <p:pic>
+        <p:nvPicPr>
+          <p:cNvPr id="24" name="Picture 2" descr="ì´ëë¦¬ìì ëí ì´ë¯¸ì§ ê²ìê²°ê³¼">
+            <a:extLst>
+              <a:ext uri="{FF2B5EF4-FFF2-40B4-BE49-F238E27FC236}">
+                <a16:creationId xmlns:a16="http://schemas.microsoft.com/office/drawing/2014/main" id="{F9075673-1825-4241-BFD7-CF4EC322EF3A}"/>
+              </a:ext>
+            </a:extLst>
+          </p:cNvPr>
+          <p:cNvPicPr>
+            <a:picLocks noChangeAspect="1" noChangeArrowheads="1"/>
+          </p:cNvPicPr>
+          <p:nvPr/>
+        </p:nvPicPr>
+        <p:blipFill>
+          <a:blip r:embed="rId3">
+            <a:extLst>
+              <a:ext uri="{28A0092B-C50C-407E-A947-70E740481C1C}">
+                <a14:useLocalDpi xmlns:a14="http://schemas.microsoft.com/office/drawing/2010/main" val="0"/>
+              </a:ext>
+            </a:extLst>
+          </a:blip>
+          <a:srcRect/>
+          <a:stretch>
+            <a:fillRect/>
+          </a:stretch>
+        </p:blipFill>
+        <p:spPr bwMode="auto">
+          <a:xfrm>
+            <a:off x="5466720" y="3132248"/>
+            <a:ext cx="212673" cy="346435"/>
+          </a:xfrm>
+          <a:prstGeom prst="rect">
+            <a:avLst/>
+          </a:prstGeom>
+          <a:noFill/>
+          <a:extLst>
+            <a:ext uri="{909E8E84-426E-40DD-AFC4-6F175D3DCCD1}">
+              <a14:hiddenFill xmlns:a14="http://schemas.microsoft.com/office/drawing/2010/main">
+                <a:solidFill>
+                  <a:srgbClr val="FFFFFF"/>
+                </a:solidFill>
+              </a14:hiddenFill>
+            </a:ext>
+          </a:extLst>
+        </p:spPr>
+      </p:pic>
+      <p:sp>
+        <p:nvSpPr>
+          <p:cNvPr id="25" name="TextBox 24">
+            <a:extLst>
+              <a:ext uri="{FF2B5EF4-FFF2-40B4-BE49-F238E27FC236}">
+                <a16:creationId xmlns:a16="http://schemas.microsoft.com/office/drawing/2014/main" id="{B0FF9694-9251-44DB-B7EA-5C8552719739}"/>
+              </a:ext>
+            </a:extLst>
+          </p:cNvPr>
+          <p:cNvSpPr txBox="1"/>
+          <p:nvPr/>
+        </p:nvSpPr>
+        <p:spPr>
+          <a:xfrm>
+            <a:off x="5299969" y="2535416"/>
+            <a:ext cx="1386918" cy="307777"/>
+          </a:xfrm>
+          <a:prstGeom prst="rect">
+            <a:avLst/>
+          </a:prstGeom>
+          <a:noFill/>
+        </p:spPr>
+        <p:txBody>
+          <a:bodyPr wrap="none" rtlCol="0">
+            <a:spAutoFit/>
+          </a:bodyPr>
+          <a:lstStyle/>
+          <a:p>
+            <a:r>
+              <a:rPr lang="ko-KR" altLang="en-US" sz="1400" dirty="0"/>
+              <a:t>요정 판매 대금</a:t>
+            </a:r>
+          </a:p>
+        </p:txBody>
+      </p:sp>
+      <p:sp>
+        <p:nvSpPr>
+          <p:cNvPr id="27" name="화살표: 아래쪽 26">
+            <a:extLst>
+              <a:ext uri="{FF2B5EF4-FFF2-40B4-BE49-F238E27FC236}">
+                <a16:creationId xmlns:a16="http://schemas.microsoft.com/office/drawing/2014/main" id="{58AA2D7B-78D3-441E-B88A-F39DDBFDF222}"/>
+              </a:ext>
+            </a:extLst>
+          </p:cNvPr>
+          <p:cNvSpPr/>
+          <p:nvPr/>
+        </p:nvSpPr>
+        <p:spPr>
+          <a:xfrm rot="10800000">
+            <a:off x="3497993" y="1775429"/>
+            <a:ext cx="617002" cy="488272"/>
+          </a:xfrm>
+          <a:prstGeom prst="downArrow">
+            <a:avLst/>
+          </a:prstGeom>
+        </p:spPr>
+        <p:style>
+          <a:lnRef idx="2">
+            <a:schemeClr val="accent1"/>
+          </a:lnRef>
+          <a:fillRef idx="1">
+            <a:schemeClr val="lt1"/>
+          </a:fillRef>
+          <a:effectRef idx="0">
+            <a:schemeClr val="accent1"/>
+          </a:effectRef>
+          <a:fontRef idx="minor">
+            <a:schemeClr val="dk1"/>
+          </a:fontRef>
+        </p:style>
+        <p:txBody>
+          <a:bodyPr rtlCol="0" anchor="ctr"/>
+          <a:lstStyle/>
+          <a:p>
+            <a:pPr algn="ctr"/>
+            <a:endParaRPr lang="ko-KR" altLang="en-US" dirty="0"/>
+          </a:p>
+        </p:txBody>
+      </p:sp>
+      <p:pic>
+        <p:nvPicPr>
+          <p:cNvPr id="28" name="Picture 2" descr="ì´ëë¦¬ìì ëí ì´ë¯¸ì§ ê²ìê²°ê³¼">
+            <a:extLst>
+              <a:ext uri="{FF2B5EF4-FFF2-40B4-BE49-F238E27FC236}">
+                <a16:creationId xmlns:a16="http://schemas.microsoft.com/office/drawing/2014/main" id="{CAD71161-A45E-4F99-A55E-6F7D1DF59397}"/>
+              </a:ext>
+            </a:extLst>
+          </p:cNvPr>
+          <p:cNvPicPr>
+            <a:picLocks noChangeAspect="1" noChangeArrowheads="1"/>
+          </p:cNvPicPr>
+          <p:nvPr/>
+        </p:nvPicPr>
+        <p:blipFill>
+          <a:blip r:embed="rId3">
+            <a:extLst>
+              <a:ext uri="{28A0092B-C50C-407E-A947-70E740481C1C}">
+                <a14:useLocalDpi xmlns:a14="http://schemas.microsoft.com/office/drawing/2010/main" val="0"/>
+              </a:ext>
+            </a:extLst>
+          </a:blip>
+          <a:srcRect/>
+          <a:stretch>
+            <a:fillRect/>
+          </a:stretch>
+        </p:blipFill>
+        <p:spPr bwMode="auto">
+          <a:xfrm>
+            <a:off x="3700157" y="1828818"/>
+            <a:ext cx="212673" cy="346435"/>
+          </a:xfrm>
+          <a:prstGeom prst="rect">
+            <a:avLst/>
+          </a:prstGeom>
+          <a:noFill/>
+          <a:extLst>
+            <a:ext uri="{909E8E84-426E-40DD-AFC4-6F175D3DCCD1}">
+              <a14:hiddenFill xmlns:a14="http://schemas.microsoft.com/office/drawing/2010/main">
+                <a:solidFill>
+                  <a:srgbClr val="FFFFFF"/>
+                </a:solidFill>
+              </a14:hiddenFill>
+            </a:ext>
+          </a:extLst>
+        </p:spPr>
+      </p:pic>
+      <p:sp>
+        <p:nvSpPr>
+          <p:cNvPr id="29" name="TextBox 28">
+            <a:extLst>
+              <a:ext uri="{FF2B5EF4-FFF2-40B4-BE49-F238E27FC236}">
+                <a16:creationId xmlns:a16="http://schemas.microsoft.com/office/drawing/2014/main" id="{2A0C32E7-E379-48A4-8B4C-2B4F6B24A6CC}"/>
+              </a:ext>
+            </a:extLst>
+          </p:cNvPr>
+          <p:cNvSpPr txBox="1"/>
+          <p:nvPr/>
+        </p:nvSpPr>
+        <p:spPr>
+          <a:xfrm>
+            <a:off x="4132551" y="1848146"/>
+            <a:ext cx="1386918" cy="307777"/>
+          </a:xfrm>
+          <a:prstGeom prst="rect">
+            <a:avLst/>
+          </a:prstGeom>
+          <a:noFill/>
+        </p:spPr>
+        <p:txBody>
+          <a:bodyPr wrap="none" rtlCol="0">
+            <a:spAutoFit/>
+          </a:bodyPr>
+          <a:lstStyle/>
+          <a:p>
+            <a:r>
+              <a:rPr lang="ko-KR" altLang="en-US" sz="1400" dirty="0"/>
+              <a:t>거래 비용 지불</a:t>
+            </a:r>
+          </a:p>
+        </p:txBody>
+      </p:sp>
+      <p:sp>
+        <p:nvSpPr>
+          <p:cNvPr id="30" name="화살표: 아래쪽 29">
+            <a:extLst>
+              <a:ext uri="{FF2B5EF4-FFF2-40B4-BE49-F238E27FC236}">
+                <a16:creationId xmlns:a16="http://schemas.microsoft.com/office/drawing/2014/main" id="{F87979F7-2E12-46AD-ADF5-B3B4146AD6F7}"/>
+              </a:ext>
+            </a:extLst>
+          </p:cNvPr>
+          <p:cNvSpPr/>
+          <p:nvPr/>
+        </p:nvSpPr>
+        <p:spPr>
+          <a:xfrm>
+            <a:off x="2796754" y="1777132"/>
+            <a:ext cx="617002" cy="488272"/>
+          </a:xfrm>
+          <a:prstGeom prst="downArrow">
+            <a:avLst/>
+          </a:prstGeom>
+        </p:spPr>
+        <p:style>
+          <a:lnRef idx="2">
+            <a:schemeClr val="accent1"/>
+          </a:lnRef>
+          <a:fillRef idx="1">
+            <a:schemeClr val="lt1"/>
+          </a:fillRef>
+          <a:effectRef idx="0">
+            <a:schemeClr val="accent1"/>
+          </a:effectRef>
+          <a:fontRef idx="minor">
+            <a:schemeClr val="dk1"/>
+          </a:fontRef>
+        </p:style>
+        <p:txBody>
+          <a:bodyPr rtlCol="0" anchor="ctr"/>
+          <a:lstStyle/>
+          <a:p>
+            <a:pPr algn="ctr"/>
+            <a:endParaRPr lang="ko-KR" altLang="en-US" dirty="0"/>
+          </a:p>
+        </p:txBody>
+      </p:sp>
+      <p:pic>
+        <p:nvPicPr>
+          <p:cNvPr id="31" name="Picture 2" descr="ì´ëë¦¬ìì ëí ì´ë¯¸ì§ ê²ìê²°ê³¼">
+            <a:extLst>
+              <a:ext uri="{FF2B5EF4-FFF2-40B4-BE49-F238E27FC236}">
+                <a16:creationId xmlns:a16="http://schemas.microsoft.com/office/drawing/2014/main" id="{B39CDF7D-54DC-46CD-92F8-1716182E8F4D}"/>
+              </a:ext>
+            </a:extLst>
+          </p:cNvPr>
+          <p:cNvPicPr>
+            <a:picLocks noChangeAspect="1" noChangeArrowheads="1"/>
+          </p:cNvPicPr>
+          <p:nvPr/>
+        </p:nvPicPr>
+        <p:blipFill>
+          <a:blip r:embed="rId3">
+            <a:extLst>
+              <a:ext uri="{28A0092B-C50C-407E-A947-70E740481C1C}">
+                <a14:useLocalDpi xmlns:a14="http://schemas.microsoft.com/office/drawing/2010/main" val="0"/>
+              </a:ext>
+            </a:extLst>
+          </a:blip>
+          <a:srcRect/>
+          <a:stretch>
+            <a:fillRect/>
+          </a:stretch>
+        </p:blipFill>
+        <p:spPr bwMode="auto">
+          <a:xfrm>
+            <a:off x="2998918" y="1830521"/>
+            <a:ext cx="212673" cy="346435"/>
+          </a:xfrm>
+          <a:prstGeom prst="rect">
+            <a:avLst/>
+          </a:prstGeom>
+          <a:noFill/>
+          <a:extLst>
+            <a:ext uri="{909E8E84-426E-40DD-AFC4-6F175D3DCCD1}">
+              <a14:hiddenFill xmlns:a14="http://schemas.microsoft.com/office/drawing/2010/main">
+                <a:solidFill>
+                  <a:srgbClr val="FFFFFF"/>
+                </a:solidFill>
+              </a14:hiddenFill>
+            </a:ext>
+          </a:extLst>
+        </p:spPr>
+      </p:pic>
+    </p:spTree>
+    <p:extLst>
+      <p:ext uri="{BB962C8B-B14F-4D97-AF65-F5344CB8AC3E}">
+        <p14:creationId xmlns:p14="http://schemas.microsoft.com/office/powerpoint/2010/main" val="758795114"/>
+      </p:ext>
+    </p:extLst>
+  </p:cSld>
+  <p:clrMapOvr>
+    <a:masterClrMapping/>
+  </p:clrMapOvr>
+</p:sld>
+</file>
+
+<file path=ppt/slides/slide11.xml><?xml version="1.0" encoding="utf-8"?>
+<p:sld xmlns:a="http://schemas.openxmlformats.org/drawingml/2006/main" xmlns:r="http://schemas.openxmlformats.org/officeDocument/2006/relationships" xmlns:p="http://schemas.openxmlformats.org/presentationml/2006/main">
+  <p:cSld>
+    <p:spTree>
+      <p:nvGrpSpPr>
+        <p:cNvPr id="1" name=""/>
+        <p:cNvGrpSpPr/>
+        <p:nvPr/>
+      </p:nvGrpSpPr>
+      <p:grpSpPr>
+        <a:xfrm>
+          <a:off x="0" y="0"/>
+          <a:ext cx="0" cy="0"/>
+          <a:chOff x="0" y="0"/>
+          <a:chExt cx="0" cy="0"/>
+        </a:xfrm>
+      </p:grpSpPr>
+    </p:spTree>
+    <p:extLst>
+      <p:ext uri="{BB962C8B-B14F-4D97-AF65-F5344CB8AC3E}">
+        <p14:creationId xmlns:p14="http://schemas.microsoft.com/office/powerpoint/2010/main" val="3729657626"/>
+      </p:ext>
+    </p:extLst>
+  </p:cSld>
+  <p:clrMapOvr>
+    <a:masterClrMapping/>
+  </p:clrMapOvr>
+</p:sld>
+</file>
+
 <file path=ppt/slides/slide2.xml><?xml version="1.0" encoding="utf-8"?>
 <p:sld xmlns:a="http://schemas.openxmlformats.org/drawingml/2006/main" xmlns:r="http://schemas.openxmlformats.org/officeDocument/2006/relationships" xmlns:p="http://schemas.openxmlformats.org/presentationml/2006/main">
   <p:cSld>
@@ -10471,6 +11455,372 @@
     <p:extLst>
       <p:ext uri="{BB962C8B-B14F-4D97-AF65-F5344CB8AC3E}">
         <p14:creationId xmlns:p14="http://schemas.microsoft.com/office/powerpoint/2010/main" val="1934714642"/>
+      </p:ext>
+    </p:extLst>
+  </p:cSld>
+  <p:clrMapOvr>
+    <a:masterClrMapping/>
+  </p:clrMapOvr>
+</p:sld>
+</file>
+
+<file path=ppt/slides/slide9.xml><?xml version="1.0" encoding="utf-8"?>
+<p:sld xmlns:a="http://schemas.openxmlformats.org/drawingml/2006/main" xmlns:r="http://schemas.openxmlformats.org/officeDocument/2006/relationships" xmlns:p="http://schemas.openxmlformats.org/presentationml/2006/main">
+  <p:cSld>
+    <p:spTree>
+      <p:nvGrpSpPr>
+        <p:cNvPr id="1" name=""/>
+        <p:cNvGrpSpPr/>
+        <p:nvPr/>
+      </p:nvGrpSpPr>
+      <p:grpSpPr>
+        <a:xfrm>
+          <a:off x="0" y="0"/>
+          <a:ext cx="0" cy="0"/>
+          <a:chOff x="0" y="0"/>
+          <a:chExt cx="0" cy="0"/>
+        </a:xfrm>
+      </p:grpSpPr>
+      <p:sp>
+        <p:nvSpPr>
+          <p:cNvPr id="4" name="직사각형 3">
+            <a:extLst>
+              <a:ext uri="{FF2B5EF4-FFF2-40B4-BE49-F238E27FC236}">
+                <a16:creationId xmlns:a16="http://schemas.microsoft.com/office/drawing/2014/main" id="{41030CA0-8112-472A-A6C9-D78804F19EEA}"/>
+              </a:ext>
+            </a:extLst>
+          </p:cNvPr>
+          <p:cNvSpPr/>
+          <p:nvPr/>
+        </p:nvSpPr>
+        <p:spPr>
+          <a:xfrm>
+            <a:off x="2426329" y="3014805"/>
+            <a:ext cx="2942375" cy="1683945"/>
+          </a:xfrm>
+          <a:prstGeom prst="rect">
+            <a:avLst/>
+          </a:prstGeom>
+        </p:spPr>
+        <p:style>
+          <a:lnRef idx="1">
+            <a:schemeClr val="accent1"/>
+          </a:lnRef>
+          <a:fillRef idx="3">
+            <a:schemeClr val="accent1"/>
+          </a:fillRef>
+          <a:effectRef idx="2">
+            <a:schemeClr val="accent1"/>
+          </a:effectRef>
+          <a:fontRef idx="minor">
+            <a:schemeClr val="lt1"/>
+          </a:fontRef>
+        </p:style>
+        <p:txBody>
+          <a:bodyPr rtlCol="0" anchor="ctr"/>
+          <a:lstStyle/>
+          <a:p>
+            <a:pPr algn="ctr"/>
+            <a:r>
+              <a:rPr lang="ko-KR" altLang="en-US" dirty="0"/>
+              <a:t>중앙화 영역</a:t>
+            </a:r>
+            <a:br>
+              <a:rPr lang="en-US" altLang="ko-KR" dirty="0"/>
+            </a:br>
+            <a:endParaRPr lang="en-US" altLang="ko-KR" dirty="0"/>
+          </a:p>
+          <a:p>
+            <a:pPr marL="285750" indent="-285750">
+              <a:buFont typeface="Arial" panose="020B0604020202020204" pitchFamily="34" charset="0"/>
+              <a:buChar char="•"/>
+            </a:pPr>
+            <a:r>
+              <a:rPr lang="ko-KR" altLang="en-US" sz="1600" dirty="0"/>
+              <a:t>디자이너의 회원 가입</a:t>
+            </a:r>
+            <a:endParaRPr lang="en-US" altLang="ko-KR" sz="1600" dirty="0"/>
+          </a:p>
+          <a:p>
+            <a:pPr marL="285750" indent="-285750">
+              <a:buFont typeface="Arial" panose="020B0604020202020204" pitchFamily="34" charset="0"/>
+              <a:buChar char="•"/>
+            </a:pPr>
+            <a:r>
+              <a:rPr lang="ko-KR" altLang="en-US" sz="1600" dirty="0"/>
+              <a:t>요정의 원형 데이터 저장</a:t>
+            </a:r>
+            <a:endParaRPr lang="en-US" altLang="ko-KR" sz="1600" dirty="0"/>
+          </a:p>
+          <a:p>
+            <a:pPr marL="285750" indent="-285750">
+              <a:buFont typeface="Arial" panose="020B0604020202020204" pitchFamily="34" charset="0"/>
+              <a:buChar char="•"/>
+            </a:pPr>
+            <a:r>
+              <a:rPr lang="ko-KR" altLang="en-US" sz="1600" dirty="0"/>
+              <a:t>요정의 이미지 저장</a:t>
+            </a:r>
+          </a:p>
+        </p:txBody>
+      </p:sp>
+      <p:sp>
+        <p:nvSpPr>
+          <p:cNvPr id="5" name="직사각형 4">
+            <a:extLst>
+              <a:ext uri="{FF2B5EF4-FFF2-40B4-BE49-F238E27FC236}">
+                <a16:creationId xmlns:a16="http://schemas.microsoft.com/office/drawing/2014/main" id="{36E394AE-BB3E-4D18-9806-EBBD86AC5766}"/>
+              </a:ext>
+            </a:extLst>
+          </p:cNvPr>
+          <p:cNvSpPr/>
+          <p:nvPr/>
+        </p:nvSpPr>
+        <p:spPr>
+          <a:xfrm>
+            <a:off x="5939075" y="3014805"/>
+            <a:ext cx="2984627" cy="1683945"/>
+          </a:xfrm>
+          <a:prstGeom prst="rect">
+            <a:avLst/>
+          </a:prstGeom>
+        </p:spPr>
+        <p:style>
+          <a:lnRef idx="1">
+            <a:schemeClr val="accent5"/>
+          </a:lnRef>
+          <a:fillRef idx="3">
+            <a:schemeClr val="accent5"/>
+          </a:fillRef>
+          <a:effectRef idx="2">
+            <a:schemeClr val="accent5"/>
+          </a:effectRef>
+          <a:fontRef idx="minor">
+            <a:schemeClr val="lt1"/>
+          </a:fontRef>
+        </p:style>
+        <p:txBody>
+          <a:bodyPr rtlCol="0" anchor="ctr"/>
+          <a:lstStyle/>
+          <a:p>
+            <a:pPr algn="ctr"/>
+            <a:r>
+              <a:rPr lang="ko-KR" altLang="en-US" dirty="0"/>
+              <a:t>탈중앙화 영역</a:t>
+            </a:r>
+            <a:endParaRPr lang="en-US" altLang="ko-KR" dirty="0"/>
+          </a:p>
+          <a:p>
+            <a:pPr algn="ctr"/>
+            <a:endParaRPr lang="en-US" altLang="ko-KR" dirty="0"/>
+          </a:p>
+          <a:p>
+            <a:pPr marL="285750" indent="-285750">
+              <a:buFont typeface="Arial" panose="020B0604020202020204" pitchFamily="34" charset="0"/>
+              <a:buChar char="•"/>
+            </a:pPr>
+            <a:r>
+              <a:rPr lang="ko-KR" altLang="en-US" sz="1600" dirty="0"/>
+              <a:t>요정 소유주의 지갑 등록</a:t>
+            </a:r>
+            <a:endParaRPr lang="en-US" altLang="ko-KR" sz="1600" dirty="0"/>
+          </a:p>
+          <a:p>
+            <a:pPr marL="285750" indent="-285750">
+              <a:buFont typeface="Arial" panose="020B0604020202020204" pitchFamily="34" charset="0"/>
+              <a:buChar char="•"/>
+            </a:pPr>
+            <a:r>
+              <a:rPr lang="ko-KR" altLang="en-US" sz="1600" dirty="0"/>
+              <a:t>요정 구매 및 데이터 저장</a:t>
+            </a:r>
+            <a:endParaRPr lang="en-US" altLang="ko-KR" sz="1600" dirty="0"/>
+          </a:p>
+          <a:p>
+            <a:pPr marL="285750" indent="-285750">
+              <a:buFont typeface="Arial" panose="020B0604020202020204" pitchFamily="34" charset="0"/>
+              <a:buChar char="•"/>
+            </a:pPr>
+            <a:r>
+              <a:rPr lang="ko-KR" altLang="en-US" sz="1600" dirty="0"/>
+              <a:t>요정 거래</a:t>
+            </a:r>
+            <a:endParaRPr lang="ko-KR" altLang="en-US" dirty="0"/>
+          </a:p>
+        </p:txBody>
+      </p:sp>
+      <p:pic>
+        <p:nvPicPr>
+          <p:cNvPr id="1026" name="Picture 2" descr="ì´ëë¦¬ìì ëí ì´ë¯¸ì§ ê²ìê²°ê³¼">
+            <a:extLst>
+              <a:ext uri="{FF2B5EF4-FFF2-40B4-BE49-F238E27FC236}">
+                <a16:creationId xmlns:a16="http://schemas.microsoft.com/office/drawing/2014/main" id="{FE90D0C0-7BE8-4776-955B-859FDB042AA0}"/>
+              </a:ext>
+            </a:extLst>
+          </p:cNvPr>
+          <p:cNvPicPr>
+            <a:picLocks noChangeAspect="1" noChangeArrowheads="1"/>
+          </p:cNvPicPr>
+          <p:nvPr/>
+        </p:nvPicPr>
+        <p:blipFill>
+          <a:blip r:embed="rId2">
+            <a:extLst>
+              <a:ext uri="{28A0092B-C50C-407E-A947-70E740481C1C}">
+                <a14:useLocalDpi xmlns:a14="http://schemas.microsoft.com/office/drawing/2010/main" val="0"/>
+              </a:ext>
+            </a:extLst>
+          </a:blip>
+          <a:srcRect/>
+          <a:stretch>
+            <a:fillRect/>
+          </a:stretch>
+        </p:blipFill>
+        <p:spPr bwMode="auto">
+          <a:xfrm>
+            <a:off x="6424943" y="1532668"/>
+            <a:ext cx="2070226" cy="857203"/>
+          </a:xfrm>
+          <a:prstGeom prst="rect">
+            <a:avLst/>
+          </a:prstGeom>
+          <a:noFill/>
+          <a:extLst>
+            <a:ext uri="{909E8E84-426E-40DD-AFC4-6F175D3DCCD1}">
+              <a14:hiddenFill xmlns:a14="http://schemas.microsoft.com/office/drawing/2010/main">
+                <a:solidFill>
+                  <a:srgbClr val="FFFFFF"/>
+                </a:solidFill>
+              </a14:hiddenFill>
+            </a:ext>
+          </a:extLst>
+        </p:spPr>
+      </p:pic>
+      <p:pic>
+        <p:nvPicPr>
+          <p:cNvPr id="1028" name="Picture 4" descr="ìë²ì ëí ì´ë¯¸ì§ ê²ìê²°ê³¼">
+            <a:extLst>
+              <a:ext uri="{FF2B5EF4-FFF2-40B4-BE49-F238E27FC236}">
+                <a16:creationId xmlns:a16="http://schemas.microsoft.com/office/drawing/2014/main" id="{87B3288B-97F0-42E1-8FA7-1A7DA151DA64}"/>
+              </a:ext>
+            </a:extLst>
+          </p:cNvPr>
+          <p:cNvPicPr>
+            <a:picLocks noChangeAspect="1" noChangeArrowheads="1"/>
+          </p:cNvPicPr>
+          <p:nvPr/>
+        </p:nvPicPr>
+        <p:blipFill>
+          <a:blip r:embed="rId3">
+            <a:extLst>
+              <a:ext uri="{28A0092B-C50C-407E-A947-70E740481C1C}">
+                <a14:useLocalDpi xmlns:a14="http://schemas.microsoft.com/office/drawing/2010/main" val="0"/>
+              </a:ext>
+            </a:extLst>
+          </a:blip>
+          <a:srcRect/>
+          <a:stretch>
+            <a:fillRect/>
+          </a:stretch>
+        </p:blipFill>
+        <p:spPr bwMode="auto">
+          <a:xfrm>
+            <a:off x="3239991" y="1403291"/>
+            <a:ext cx="1315050" cy="1115959"/>
+          </a:xfrm>
+          <a:prstGeom prst="rect">
+            <a:avLst/>
+          </a:prstGeom>
+          <a:noFill/>
+          <a:extLst>
+            <a:ext uri="{909E8E84-426E-40DD-AFC4-6F175D3DCCD1}">
+              <a14:hiddenFill xmlns:a14="http://schemas.microsoft.com/office/drawing/2010/main">
+                <a:solidFill>
+                  <a:srgbClr val="FFFFFF"/>
+                </a:solidFill>
+              </a14:hiddenFill>
+            </a:ext>
+          </a:extLst>
+        </p:spPr>
+      </p:pic>
+      <p:sp>
+        <p:nvSpPr>
+          <p:cNvPr id="6" name="TextBox 5">
+            <a:extLst>
+              <a:ext uri="{FF2B5EF4-FFF2-40B4-BE49-F238E27FC236}">
+                <a16:creationId xmlns:a16="http://schemas.microsoft.com/office/drawing/2014/main" id="{D537D18F-E410-4394-9D69-2EF69F2C9266}"/>
+              </a:ext>
+            </a:extLst>
+          </p:cNvPr>
+          <p:cNvSpPr txBox="1"/>
+          <p:nvPr/>
+        </p:nvSpPr>
+        <p:spPr>
+          <a:xfrm>
+            <a:off x="3302641" y="2519250"/>
+            <a:ext cx="1189749" cy="369332"/>
+          </a:xfrm>
+          <a:prstGeom prst="rect">
+            <a:avLst/>
+          </a:prstGeom>
+          <a:noFill/>
+        </p:spPr>
+        <p:txBody>
+          <a:bodyPr wrap="none" rtlCol="0">
+            <a:spAutoFit/>
+          </a:bodyPr>
+          <a:lstStyle/>
+          <a:p>
+            <a:r>
+              <a:rPr lang="ko-KR" altLang="en-US" dirty="0"/>
+              <a:t>중앙 서버</a:t>
+            </a:r>
+          </a:p>
+        </p:txBody>
+      </p:sp>
+      <p:sp>
+        <p:nvSpPr>
+          <p:cNvPr id="9" name="TextBox 8">
+            <a:extLst>
+              <a:ext uri="{FF2B5EF4-FFF2-40B4-BE49-F238E27FC236}">
+                <a16:creationId xmlns:a16="http://schemas.microsoft.com/office/drawing/2014/main" id="{29D016CA-0F5A-4C9C-BB41-E0B0321566DE}"/>
+              </a:ext>
+            </a:extLst>
+          </p:cNvPr>
+          <p:cNvSpPr txBox="1"/>
+          <p:nvPr/>
+        </p:nvSpPr>
+        <p:spPr>
+          <a:xfrm>
+            <a:off x="6403516" y="2517672"/>
+            <a:ext cx="2113079" cy="369332"/>
+          </a:xfrm>
+          <a:prstGeom prst="rect">
+            <a:avLst/>
+          </a:prstGeom>
+          <a:noFill/>
+        </p:spPr>
+        <p:txBody>
+          <a:bodyPr wrap="none" rtlCol="0">
+            <a:spAutoFit/>
+          </a:bodyPr>
+          <a:lstStyle/>
+          <a:p>
+            <a:r>
+              <a:rPr lang="ko-KR" altLang="en-US" dirty="0" err="1"/>
+              <a:t>이더리움</a:t>
+            </a:r>
+            <a:r>
+              <a:rPr lang="ko-KR" altLang="en-US" dirty="0"/>
+              <a:t> 네트워크</a:t>
+            </a:r>
+          </a:p>
+        </p:txBody>
+      </p:sp>
+    </p:spTree>
+    <p:extLst>
+      <p:ext uri="{BB962C8B-B14F-4D97-AF65-F5344CB8AC3E}">
+        <p14:creationId xmlns:p14="http://schemas.microsoft.com/office/powerpoint/2010/main" val="191618607"/>
       </p:ext>
     </p:extLst>
   </p:cSld>

--- a/기획서.pptx
+++ b/기획서.pptx
@@ -15,7 +15,6 @@
     <p:sldId id="263" r:id="rId9"/>
     <p:sldId id="264" r:id="rId10"/>
     <p:sldId id="265" r:id="rId11"/>
-    <p:sldId id="266" r:id="rId12"/>
   </p:sldIdLst>
   <p:sldSz cx="12192000" cy="6858000"/>
   <p:notesSz cx="6858000" cy="9144000"/>
@@ -5731,7 +5730,7 @@
           <a:p>
             <a:fld id="{0580F3F0-72E3-429E-A2B0-1A9E939BF784}" type="datetimeFigureOut">
               <a:rPr lang="ko-KR" altLang="en-US" smtClean="0"/>
-              <a:t>2018-07-02</a:t>
+              <a:t>2018-07-03</a:t>
             </a:fld>
             <a:endParaRPr lang="ko-KR" altLang="en-US"/>
           </a:p>
@@ -5929,7 +5928,7 @@
           <a:p>
             <a:fld id="{0580F3F0-72E3-429E-A2B0-1A9E939BF784}" type="datetimeFigureOut">
               <a:rPr lang="ko-KR" altLang="en-US" smtClean="0"/>
-              <a:t>2018-07-02</a:t>
+              <a:t>2018-07-03</a:t>
             </a:fld>
             <a:endParaRPr lang="ko-KR" altLang="en-US"/>
           </a:p>
@@ -6137,7 +6136,7 @@
           <a:p>
             <a:fld id="{0580F3F0-72E3-429E-A2B0-1A9E939BF784}" type="datetimeFigureOut">
               <a:rPr lang="ko-KR" altLang="en-US" smtClean="0"/>
-              <a:t>2018-07-02</a:t>
+              <a:t>2018-07-03</a:t>
             </a:fld>
             <a:endParaRPr lang="ko-KR" altLang="en-US"/>
           </a:p>
@@ -6335,7 +6334,7 @@
           <a:p>
             <a:fld id="{0580F3F0-72E3-429E-A2B0-1A9E939BF784}" type="datetimeFigureOut">
               <a:rPr lang="ko-KR" altLang="en-US" smtClean="0"/>
-              <a:t>2018-07-02</a:t>
+              <a:t>2018-07-03</a:t>
             </a:fld>
             <a:endParaRPr lang="ko-KR" altLang="en-US"/>
           </a:p>
@@ -6610,7 +6609,7 @@
           <a:p>
             <a:fld id="{0580F3F0-72E3-429E-A2B0-1A9E939BF784}" type="datetimeFigureOut">
               <a:rPr lang="ko-KR" altLang="en-US" smtClean="0"/>
-              <a:t>2018-07-02</a:t>
+              <a:t>2018-07-03</a:t>
             </a:fld>
             <a:endParaRPr lang="ko-KR" altLang="en-US"/>
           </a:p>
@@ -6875,7 +6874,7 @@
           <a:p>
             <a:fld id="{0580F3F0-72E3-429E-A2B0-1A9E939BF784}" type="datetimeFigureOut">
               <a:rPr lang="ko-KR" altLang="en-US" smtClean="0"/>
-              <a:t>2018-07-02</a:t>
+              <a:t>2018-07-03</a:t>
             </a:fld>
             <a:endParaRPr lang="ko-KR" altLang="en-US"/>
           </a:p>
@@ -7287,7 +7286,7 @@
           <a:p>
             <a:fld id="{0580F3F0-72E3-429E-A2B0-1A9E939BF784}" type="datetimeFigureOut">
               <a:rPr lang="ko-KR" altLang="en-US" smtClean="0"/>
-              <a:t>2018-07-02</a:t>
+              <a:t>2018-07-03</a:t>
             </a:fld>
             <a:endParaRPr lang="ko-KR" altLang="en-US"/>
           </a:p>
@@ -7428,7 +7427,7 @@
           <a:p>
             <a:fld id="{0580F3F0-72E3-429E-A2B0-1A9E939BF784}" type="datetimeFigureOut">
               <a:rPr lang="ko-KR" altLang="en-US" smtClean="0"/>
-              <a:t>2018-07-02</a:t>
+              <a:t>2018-07-03</a:t>
             </a:fld>
             <a:endParaRPr lang="ko-KR" altLang="en-US"/>
           </a:p>
@@ -7541,7 +7540,7 @@
           <a:p>
             <a:fld id="{0580F3F0-72E3-429E-A2B0-1A9E939BF784}" type="datetimeFigureOut">
               <a:rPr lang="ko-KR" altLang="en-US" smtClean="0"/>
-              <a:t>2018-07-02</a:t>
+              <a:t>2018-07-03</a:t>
             </a:fld>
             <a:endParaRPr lang="ko-KR" altLang="en-US"/>
           </a:p>
@@ -7852,7 +7851,7 @@
           <a:p>
             <a:fld id="{0580F3F0-72E3-429E-A2B0-1A9E939BF784}" type="datetimeFigureOut">
               <a:rPr lang="ko-KR" altLang="en-US" smtClean="0"/>
-              <a:t>2018-07-02</a:t>
+              <a:t>2018-07-03</a:t>
             </a:fld>
             <a:endParaRPr lang="ko-KR" altLang="en-US"/>
           </a:p>
@@ -8140,7 +8139,7 @@
           <a:p>
             <a:fld id="{0580F3F0-72E3-429E-A2B0-1A9E939BF784}" type="datetimeFigureOut">
               <a:rPr lang="ko-KR" altLang="en-US" smtClean="0"/>
-              <a:t>2018-07-02</a:t>
+              <a:t>2018-07-03</a:t>
             </a:fld>
             <a:endParaRPr lang="ko-KR" altLang="en-US"/>
           </a:p>
@@ -8381,7 +8380,7 @@
           <a:p>
             <a:fld id="{0580F3F0-72E3-429E-A2B0-1A9E939BF784}" type="datetimeFigureOut">
               <a:rPr lang="ko-KR" altLang="en-US" smtClean="0"/>
-              <a:t>2018-07-02</a:t>
+              <a:t>2018-07-03</a:t>
             </a:fld>
             <a:endParaRPr lang="ko-KR" altLang="en-US"/>
           </a:p>
@@ -9823,36 +9822,6 @@
 </p:sld>
 </file>
 
-<file path=ppt/slides/slide11.xml><?xml version="1.0" encoding="utf-8"?>
-<p:sld xmlns:a="http://schemas.openxmlformats.org/drawingml/2006/main" xmlns:r="http://schemas.openxmlformats.org/officeDocument/2006/relationships" xmlns:p="http://schemas.openxmlformats.org/presentationml/2006/main">
-  <p:cSld>
-    <p:spTree>
-      <p:nvGrpSpPr>
-        <p:cNvPr id="1" name=""/>
-        <p:cNvGrpSpPr/>
-        <p:nvPr/>
-      </p:nvGrpSpPr>
-      <p:grpSpPr>
-        <a:xfrm>
-          <a:off x="0" y="0"/>
-          <a:ext cx="0" cy="0"/>
-          <a:chOff x="0" y="0"/>
-          <a:chExt cx="0" cy="0"/>
-        </a:xfrm>
-      </p:grpSpPr>
-    </p:spTree>
-    <p:extLst>
-      <p:ext uri="{BB962C8B-B14F-4D97-AF65-F5344CB8AC3E}">
-        <p14:creationId xmlns:p14="http://schemas.microsoft.com/office/powerpoint/2010/main" val="3729657626"/>
-      </p:ext>
-    </p:extLst>
-  </p:cSld>
-  <p:clrMapOvr>
-    <a:masterClrMapping/>
-  </p:clrMapOvr>
-</p:sld>
-</file>
-
 <file path=ppt/slides/slide2.xml><?xml version="1.0" encoding="utf-8"?>
 <p:sld xmlns:a="http://schemas.openxmlformats.org/drawingml/2006/main" xmlns:r="http://schemas.openxmlformats.org/officeDocument/2006/relationships" xmlns:p="http://schemas.openxmlformats.org/presentationml/2006/main">
   <p:cSld>

--- a/기획서.pptx
+++ b/기획서.pptx
@@ -15,6 +15,7 @@
     <p:sldId id="263" r:id="rId9"/>
     <p:sldId id="264" r:id="rId10"/>
     <p:sldId id="265" r:id="rId11"/>
+    <p:sldId id="266" r:id="rId12"/>
   </p:sldIdLst>
   <p:sldSz cx="12192000" cy="6858000"/>
   <p:notesSz cx="6858000" cy="9144000"/>
@@ -1582,6 +1583,788 @@
     <dgm:fillClrLst meth="repeat">
       <a:schemeClr val="accent1">
         <a:tint val="60000"/>
+      </a:schemeClr>
+    </dgm:fillClrLst>
+    <dgm:linClrLst meth="repeat">
+      <a:schemeClr val="lt1"/>
+    </dgm:linClrLst>
+    <dgm:effectClrLst/>
+    <dgm:txLinClrLst/>
+    <dgm:txFillClrLst meth="repeat">
+      <a:schemeClr val="dk1"/>
+    </dgm:txFillClrLst>
+    <dgm:txEffectClrLst/>
+  </dgm:styleLbl>
+  <dgm:styleLbl name="revTx">
+    <dgm:fillClrLst meth="repeat">
+      <a:schemeClr val="lt1">
+        <a:alpha val="0"/>
+      </a:schemeClr>
+    </dgm:fillClrLst>
+    <dgm:linClrLst meth="repeat">
+      <a:schemeClr val="dk1">
+        <a:alpha val="0"/>
+      </a:schemeClr>
+    </dgm:linClrLst>
+    <dgm:effectClrLst/>
+    <dgm:txLinClrLst/>
+    <dgm:txFillClrLst meth="repeat">
+      <a:schemeClr val="tx1"/>
+    </dgm:txFillClrLst>
+    <dgm:txEffectClrLst/>
+  </dgm:styleLbl>
+</dgm:colorsDef>
+</file>
+
+<file path=ppt/diagrams/colors3.xml><?xml version="1.0" encoding="utf-8"?>
+<dgm:colorsDef xmlns:dgm="http://schemas.openxmlformats.org/drawingml/2006/diagram" xmlns:a="http://schemas.openxmlformats.org/drawingml/2006/main" uniqueId="urn:microsoft.com/office/officeart/2005/8/colors/colorful5">
+  <dgm:title val=""/>
+  <dgm:desc val=""/>
+  <dgm:catLst>
+    <dgm:cat type="colorful" pri="10500"/>
+  </dgm:catLst>
+  <dgm:styleLbl name="node0">
+    <dgm:fillClrLst meth="repeat">
+      <a:schemeClr val="accent4"/>
+    </dgm:fillClrLst>
+    <dgm:linClrLst meth="repeat">
+      <a:schemeClr val="lt1"/>
+    </dgm:linClrLst>
+    <dgm:effectClrLst/>
+    <dgm:txLinClrLst/>
+    <dgm:txFillClrLst/>
+    <dgm:txEffectClrLst/>
+  </dgm:styleLbl>
+  <dgm:styleLbl name="node1">
+    <dgm:fillClrLst>
+      <a:schemeClr val="accent5"/>
+      <a:schemeClr val="accent6"/>
+    </dgm:fillClrLst>
+    <dgm:linClrLst meth="repeat">
+      <a:schemeClr val="lt1"/>
+    </dgm:linClrLst>
+    <dgm:effectClrLst/>
+    <dgm:txLinClrLst/>
+    <dgm:txFillClrLst/>
+    <dgm:txEffectClrLst/>
+  </dgm:styleLbl>
+  <dgm:styleLbl name="alignNode1">
+    <dgm:fillClrLst>
+      <a:schemeClr val="accent5"/>
+      <a:schemeClr val="accent6"/>
+    </dgm:fillClrLst>
+    <dgm:linClrLst>
+      <a:schemeClr val="accent5"/>
+      <a:schemeClr val="accent6"/>
+    </dgm:linClrLst>
+    <dgm:effectClrLst/>
+    <dgm:txLinClrLst/>
+    <dgm:txFillClrLst/>
+    <dgm:txEffectClrLst/>
+  </dgm:styleLbl>
+  <dgm:styleLbl name="lnNode1">
+    <dgm:fillClrLst>
+      <a:schemeClr val="accent5"/>
+      <a:schemeClr val="accent6"/>
+    </dgm:fillClrLst>
+    <dgm:linClrLst meth="repeat">
+      <a:schemeClr val="lt1"/>
+    </dgm:linClrLst>
+    <dgm:effectClrLst/>
+    <dgm:txLinClrLst/>
+    <dgm:txFillClrLst/>
+    <dgm:txEffectClrLst/>
+  </dgm:styleLbl>
+  <dgm:styleLbl name="vennNode1">
+    <dgm:fillClrLst>
+      <a:schemeClr val="accent5">
+        <a:alpha val="50000"/>
+      </a:schemeClr>
+      <a:schemeClr val="accent6">
+        <a:alpha val="50000"/>
+      </a:schemeClr>
+    </dgm:fillClrLst>
+    <dgm:linClrLst meth="repeat">
+      <a:schemeClr val="lt1"/>
+    </dgm:linClrLst>
+    <dgm:effectClrLst/>
+    <dgm:txLinClrLst/>
+    <dgm:txFillClrLst/>
+    <dgm:txEffectClrLst/>
+  </dgm:styleLbl>
+  <dgm:styleLbl name="node2">
+    <dgm:fillClrLst>
+      <a:schemeClr val="accent6"/>
+    </dgm:fillClrLst>
+    <dgm:linClrLst meth="repeat">
+      <a:schemeClr val="lt1"/>
+    </dgm:linClrLst>
+    <dgm:effectClrLst/>
+    <dgm:txLinClrLst/>
+    <dgm:txFillClrLst/>
+    <dgm:txEffectClrLst/>
+  </dgm:styleLbl>
+  <dgm:styleLbl name="node3">
+    <dgm:fillClrLst>
+      <a:schemeClr val="accent1"/>
+    </dgm:fillClrLst>
+    <dgm:linClrLst meth="repeat">
+      <a:schemeClr val="lt1"/>
+    </dgm:linClrLst>
+    <dgm:effectClrLst/>
+    <dgm:txLinClrLst/>
+    <dgm:txFillClrLst/>
+    <dgm:txEffectClrLst/>
+  </dgm:styleLbl>
+  <dgm:styleLbl name="node4">
+    <dgm:fillClrLst>
+      <a:schemeClr val="accent2"/>
+    </dgm:fillClrLst>
+    <dgm:linClrLst meth="repeat">
+      <a:schemeClr val="lt1"/>
+    </dgm:linClrLst>
+    <dgm:effectClrLst/>
+    <dgm:txLinClrLst/>
+    <dgm:txFillClrLst/>
+    <dgm:txEffectClrLst/>
+  </dgm:styleLbl>
+  <dgm:styleLbl name="fgImgPlace1">
+    <dgm:fillClrLst>
+      <a:schemeClr val="accent5">
+        <a:tint val="50000"/>
+      </a:schemeClr>
+      <a:schemeClr val="accent6">
+        <a:tint val="50000"/>
+      </a:schemeClr>
+    </dgm:fillClrLst>
+    <dgm:linClrLst meth="repeat">
+      <a:schemeClr val="lt1"/>
+    </dgm:linClrLst>
+    <dgm:effectClrLst/>
+    <dgm:txLinClrLst/>
+    <dgm:txFillClrLst meth="repeat">
+      <a:schemeClr val="lt1"/>
+    </dgm:txFillClrLst>
+    <dgm:txEffectClrLst/>
+  </dgm:styleLbl>
+  <dgm:styleLbl name="alignImgPlace1">
+    <dgm:fillClrLst>
+      <a:schemeClr val="accent5">
+        <a:tint val="50000"/>
+      </a:schemeClr>
+      <a:schemeClr val="accent6">
+        <a:tint val="20000"/>
+      </a:schemeClr>
+    </dgm:fillClrLst>
+    <dgm:linClrLst meth="repeat">
+      <a:schemeClr val="lt1"/>
+    </dgm:linClrLst>
+    <dgm:effectClrLst/>
+    <dgm:txLinClrLst/>
+    <dgm:txFillClrLst meth="repeat">
+      <a:schemeClr val="lt1"/>
+    </dgm:txFillClrLst>
+    <dgm:txEffectClrLst/>
+  </dgm:styleLbl>
+  <dgm:styleLbl name="bgImgPlace1">
+    <dgm:fillClrLst>
+      <a:schemeClr val="accent5">
+        <a:tint val="50000"/>
+      </a:schemeClr>
+      <a:schemeClr val="accent6">
+        <a:tint val="20000"/>
+      </a:schemeClr>
+    </dgm:fillClrLst>
+    <dgm:linClrLst meth="repeat">
+      <a:schemeClr val="lt1"/>
+    </dgm:linClrLst>
+    <dgm:effectClrLst/>
+    <dgm:txLinClrLst/>
+    <dgm:txFillClrLst meth="repeat">
+      <a:schemeClr val="lt1"/>
+    </dgm:txFillClrLst>
+    <dgm:txEffectClrLst/>
+  </dgm:styleLbl>
+  <dgm:styleLbl name="sibTrans2D1">
+    <dgm:fillClrLst>
+      <a:schemeClr val="accent5"/>
+      <a:schemeClr val="accent6"/>
+    </dgm:fillClrLst>
+    <dgm:linClrLst meth="repeat">
+      <a:schemeClr val="lt1"/>
+    </dgm:linClrLst>
+    <dgm:effectClrLst/>
+    <dgm:txLinClrLst/>
+    <dgm:txFillClrLst/>
+    <dgm:txEffectClrLst/>
+  </dgm:styleLbl>
+  <dgm:styleLbl name="fgSibTrans2D1">
+    <dgm:fillClrLst>
+      <a:schemeClr val="accent5"/>
+      <a:schemeClr val="accent6"/>
+    </dgm:fillClrLst>
+    <dgm:linClrLst meth="repeat">
+      <a:schemeClr val="lt1"/>
+    </dgm:linClrLst>
+    <dgm:effectClrLst/>
+    <dgm:txLinClrLst/>
+    <dgm:txFillClrLst meth="repeat">
+      <a:schemeClr val="lt1"/>
+    </dgm:txFillClrLst>
+    <dgm:txEffectClrLst/>
+  </dgm:styleLbl>
+  <dgm:styleLbl name="bgSibTrans2D1">
+    <dgm:fillClrLst>
+      <a:schemeClr val="accent5"/>
+      <a:schemeClr val="accent6"/>
+    </dgm:fillClrLst>
+    <dgm:linClrLst meth="repeat">
+      <a:schemeClr val="lt1"/>
+    </dgm:linClrLst>
+    <dgm:effectClrLst/>
+    <dgm:txLinClrLst/>
+    <dgm:txFillClrLst meth="repeat">
+      <a:schemeClr val="lt1"/>
+    </dgm:txFillClrLst>
+    <dgm:txEffectClrLst/>
+  </dgm:styleLbl>
+  <dgm:styleLbl name="sibTrans1D1">
+    <dgm:fillClrLst/>
+    <dgm:linClrLst>
+      <a:schemeClr val="accent5"/>
+      <a:schemeClr val="accent6"/>
+    </dgm:linClrLst>
+    <dgm:effectClrLst/>
+    <dgm:txLinClrLst/>
+    <dgm:txFillClrLst meth="repeat">
+      <a:schemeClr val="tx1"/>
+    </dgm:txFillClrLst>
+    <dgm:txEffectClrLst/>
+  </dgm:styleLbl>
+  <dgm:styleLbl name="callout">
+    <dgm:fillClrLst meth="repeat">
+      <a:schemeClr val="accent5"/>
+    </dgm:fillClrLst>
+    <dgm:linClrLst meth="repeat">
+      <a:schemeClr val="accent5">
+        <a:tint val="50000"/>
+      </a:schemeClr>
+    </dgm:linClrLst>
+    <dgm:effectClrLst/>
+    <dgm:txLinClrLst/>
+    <dgm:txFillClrLst meth="repeat">
+      <a:schemeClr val="tx1"/>
+    </dgm:txFillClrLst>
+    <dgm:txEffectClrLst/>
+  </dgm:styleLbl>
+  <dgm:styleLbl name="asst0">
+    <dgm:fillClrLst meth="repeat">
+      <a:schemeClr val="accent5"/>
+    </dgm:fillClrLst>
+    <dgm:linClrLst meth="repeat">
+      <a:schemeClr val="lt1">
+        <a:shade val="80000"/>
+      </a:schemeClr>
+    </dgm:linClrLst>
+    <dgm:effectClrLst/>
+    <dgm:txLinClrLst/>
+    <dgm:txFillClrLst/>
+    <dgm:txEffectClrLst/>
+  </dgm:styleLbl>
+  <dgm:styleLbl name="asst1">
+    <dgm:fillClrLst meth="repeat">
+      <a:schemeClr val="accent6"/>
+    </dgm:fillClrLst>
+    <dgm:linClrLst meth="repeat">
+      <a:schemeClr val="lt1">
+        <a:shade val="80000"/>
+      </a:schemeClr>
+    </dgm:linClrLst>
+    <dgm:effectClrLst/>
+    <dgm:txLinClrLst/>
+    <dgm:txFillClrLst/>
+    <dgm:txEffectClrLst/>
+  </dgm:styleLbl>
+  <dgm:styleLbl name="asst2">
+    <dgm:fillClrLst>
+      <a:schemeClr val="accent1"/>
+    </dgm:fillClrLst>
+    <dgm:linClrLst meth="repeat">
+      <a:schemeClr val="lt1"/>
+    </dgm:linClrLst>
+    <dgm:effectClrLst/>
+    <dgm:txLinClrLst/>
+    <dgm:txFillClrLst/>
+    <dgm:txEffectClrLst/>
+  </dgm:styleLbl>
+  <dgm:styleLbl name="asst3">
+    <dgm:fillClrLst>
+      <a:schemeClr val="accent2"/>
+    </dgm:fillClrLst>
+    <dgm:linClrLst meth="repeat">
+      <a:schemeClr val="lt1"/>
+    </dgm:linClrLst>
+    <dgm:effectClrLst/>
+    <dgm:txLinClrLst/>
+    <dgm:txFillClrLst/>
+    <dgm:txEffectClrLst/>
+  </dgm:styleLbl>
+  <dgm:styleLbl name="asst4">
+    <dgm:fillClrLst>
+      <a:schemeClr val="accent3"/>
+    </dgm:fillClrLst>
+    <dgm:linClrLst meth="repeat">
+      <a:schemeClr val="lt1"/>
+    </dgm:linClrLst>
+    <dgm:effectClrLst/>
+    <dgm:txLinClrLst/>
+    <dgm:txFillClrLst/>
+    <dgm:txEffectClrLst/>
+  </dgm:styleLbl>
+  <dgm:styleLbl name="parChTrans2D1">
+    <dgm:fillClrLst meth="repeat">
+      <a:schemeClr val="accent5"/>
+    </dgm:fillClrLst>
+    <dgm:linClrLst meth="repeat">
+      <a:schemeClr val="lt1"/>
+    </dgm:linClrLst>
+    <dgm:effectClrLst/>
+    <dgm:txLinClrLst/>
+    <dgm:txFillClrLst meth="repeat">
+      <a:schemeClr val="lt1"/>
+    </dgm:txFillClrLst>
+    <dgm:txEffectClrLst/>
+  </dgm:styleLbl>
+  <dgm:styleLbl name="parChTrans2D2">
+    <dgm:fillClrLst meth="repeat">
+      <a:schemeClr val="accent6"/>
+    </dgm:fillClrLst>
+    <dgm:linClrLst meth="repeat">
+      <a:schemeClr val="lt1"/>
+    </dgm:linClrLst>
+    <dgm:effectClrLst/>
+    <dgm:txLinClrLst/>
+    <dgm:txFillClrLst/>
+    <dgm:txEffectClrLst/>
+  </dgm:styleLbl>
+  <dgm:styleLbl name="parChTrans2D3">
+    <dgm:fillClrLst meth="repeat">
+      <a:schemeClr val="accent6"/>
+    </dgm:fillClrLst>
+    <dgm:linClrLst meth="repeat">
+      <a:schemeClr val="lt1"/>
+    </dgm:linClrLst>
+    <dgm:effectClrLst/>
+    <dgm:txLinClrLst/>
+    <dgm:txFillClrLst/>
+    <dgm:txEffectClrLst/>
+  </dgm:styleLbl>
+  <dgm:styleLbl name="parChTrans2D4">
+    <dgm:fillClrLst meth="repeat">
+      <a:schemeClr val="accent1"/>
+    </dgm:fillClrLst>
+    <dgm:linClrLst meth="repeat">
+      <a:schemeClr val="lt1"/>
+    </dgm:linClrLst>
+    <dgm:effectClrLst/>
+    <dgm:txLinClrLst/>
+    <dgm:txFillClrLst meth="repeat">
+      <a:schemeClr val="lt1"/>
+    </dgm:txFillClrLst>
+    <dgm:txEffectClrLst/>
+  </dgm:styleLbl>
+  <dgm:styleLbl name="parChTrans1D1">
+    <dgm:fillClrLst meth="repeat">
+      <a:schemeClr val="accent5"/>
+    </dgm:fillClrLst>
+    <dgm:linClrLst meth="repeat">
+      <a:schemeClr val="accent5"/>
+    </dgm:linClrLst>
+    <dgm:effectClrLst/>
+    <dgm:txLinClrLst/>
+    <dgm:txFillClrLst meth="repeat">
+      <a:schemeClr val="tx1"/>
+    </dgm:txFillClrLst>
+    <dgm:txEffectClrLst/>
+  </dgm:styleLbl>
+  <dgm:styleLbl name="parChTrans1D2">
+    <dgm:fillClrLst meth="repeat">
+      <a:schemeClr val="accent6">
+        <a:tint val="90000"/>
+      </a:schemeClr>
+    </dgm:fillClrLst>
+    <dgm:linClrLst meth="repeat">
+      <a:schemeClr val="accent6"/>
+    </dgm:linClrLst>
+    <dgm:effectClrLst/>
+    <dgm:txLinClrLst/>
+    <dgm:txFillClrLst meth="repeat">
+      <a:schemeClr val="tx1"/>
+    </dgm:txFillClrLst>
+    <dgm:txEffectClrLst/>
+  </dgm:styleLbl>
+  <dgm:styleLbl name="parChTrans1D3">
+    <dgm:fillClrLst meth="repeat">
+      <a:schemeClr val="accent6">
+        <a:tint val="70000"/>
+      </a:schemeClr>
+    </dgm:fillClrLst>
+    <dgm:linClrLst meth="repeat">
+      <a:schemeClr val="accent1"/>
+    </dgm:linClrLst>
+    <dgm:effectClrLst/>
+    <dgm:txLinClrLst/>
+    <dgm:txFillClrLst meth="repeat">
+      <a:schemeClr val="tx1"/>
+    </dgm:txFillClrLst>
+    <dgm:txEffectClrLst/>
+  </dgm:styleLbl>
+  <dgm:styleLbl name="parChTrans1D4">
+    <dgm:fillClrLst meth="repeat">
+      <a:schemeClr val="accent6">
+        <a:tint val="50000"/>
+      </a:schemeClr>
+    </dgm:fillClrLst>
+    <dgm:linClrLst meth="repeat">
+      <a:schemeClr val="accent2"/>
+    </dgm:linClrLst>
+    <dgm:effectClrLst/>
+    <dgm:txLinClrLst/>
+    <dgm:txFillClrLst meth="repeat">
+      <a:schemeClr val="tx1"/>
+    </dgm:txFillClrLst>
+    <dgm:txEffectClrLst/>
+  </dgm:styleLbl>
+  <dgm:styleLbl name="fgAcc1">
+    <dgm:fillClrLst meth="repeat">
+      <a:schemeClr val="lt1">
+        <a:alpha val="90000"/>
+      </a:schemeClr>
+    </dgm:fillClrLst>
+    <dgm:linClrLst>
+      <a:schemeClr val="accent5"/>
+      <a:schemeClr val="accent6"/>
+    </dgm:linClrLst>
+    <dgm:effectClrLst/>
+    <dgm:txLinClrLst/>
+    <dgm:txFillClrLst meth="repeat">
+      <a:schemeClr val="dk1"/>
+    </dgm:txFillClrLst>
+    <dgm:txEffectClrLst/>
+  </dgm:styleLbl>
+  <dgm:styleLbl name="conFgAcc1">
+    <dgm:fillClrLst meth="repeat">
+      <a:schemeClr val="lt1">
+        <a:alpha val="90000"/>
+      </a:schemeClr>
+    </dgm:fillClrLst>
+    <dgm:linClrLst>
+      <a:schemeClr val="accent5"/>
+      <a:schemeClr val="accent6"/>
+    </dgm:linClrLst>
+    <dgm:effectClrLst/>
+    <dgm:txLinClrLst/>
+    <dgm:txFillClrLst meth="repeat">
+      <a:schemeClr val="dk1"/>
+    </dgm:txFillClrLst>
+    <dgm:txEffectClrLst/>
+  </dgm:styleLbl>
+  <dgm:styleLbl name="alignAcc1">
+    <dgm:fillClrLst meth="repeat">
+      <a:schemeClr val="lt1">
+        <a:alpha val="90000"/>
+      </a:schemeClr>
+    </dgm:fillClrLst>
+    <dgm:linClrLst>
+      <a:schemeClr val="accent5"/>
+      <a:schemeClr val="accent6"/>
+    </dgm:linClrLst>
+    <dgm:effectClrLst/>
+    <dgm:txLinClrLst/>
+    <dgm:txFillClrLst meth="repeat">
+      <a:schemeClr val="dk1"/>
+    </dgm:txFillClrLst>
+    <dgm:txEffectClrLst/>
+  </dgm:styleLbl>
+  <dgm:styleLbl name="trAlignAcc1">
+    <dgm:fillClrLst meth="repeat">
+      <a:schemeClr val="lt1">
+        <a:alpha val="40000"/>
+      </a:schemeClr>
+    </dgm:fillClrLst>
+    <dgm:linClrLst meth="repeat">
+      <a:schemeClr val="accent5"/>
+    </dgm:linClrLst>
+    <dgm:effectClrLst/>
+    <dgm:txLinClrLst/>
+    <dgm:txFillClrLst meth="repeat">
+      <a:schemeClr val="dk1"/>
+    </dgm:txFillClrLst>
+    <dgm:txEffectClrLst/>
+  </dgm:styleLbl>
+  <dgm:styleLbl name="bgAcc1">
+    <dgm:fillClrLst meth="repeat">
+      <a:schemeClr val="lt1">
+        <a:alpha val="90000"/>
+      </a:schemeClr>
+    </dgm:fillClrLst>
+    <dgm:linClrLst>
+      <a:schemeClr val="accent5"/>
+      <a:schemeClr val="accent6"/>
+    </dgm:linClrLst>
+    <dgm:effectClrLst/>
+    <dgm:txLinClrLst/>
+    <dgm:txFillClrLst meth="repeat">
+      <a:schemeClr val="dk1"/>
+    </dgm:txFillClrLst>
+    <dgm:txEffectClrLst/>
+  </dgm:styleLbl>
+  <dgm:styleLbl name="solidFgAcc1">
+    <dgm:fillClrLst meth="repeat">
+      <a:schemeClr val="lt1"/>
+    </dgm:fillClrLst>
+    <dgm:linClrLst>
+      <a:schemeClr val="accent5"/>
+      <a:schemeClr val="accent6"/>
+    </dgm:linClrLst>
+    <dgm:effectClrLst/>
+    <dgm:txLinClrLst/>
+    <dgm:txFillClrLst meth="repeat">
+      <a:schemeClr val="dk1"/>
+    </dgm:txFillClrLst>
+    <dgm:txEffectClrLst/>
+  </dgm:styleLbl>
+  <dgm:styleLbl name="solidAlignAcc1">
+    <dgm:fillClrLst meth="repeat">
+      <a:schemeClr val="lt1"/>
+    </dgm:fillClrLst>
+    <dgm:linClrLst>
+      <a:schemeClr val="accent5"/>
+      <a:schemeClr val="accent6"/>
+    </dgm:linClrLst>
+    <dgm:effectClrLst/>
+    <dgm:txLinClrLst/>
+    <dgm:txFillClrLst meth="repeat">
+      <a:schemeClr val="dk1"/>
+    </dgm:txFillClrLst>
+    <dgm:txEffectClrLst/>
+  </dgm:styleLbl>
+  <dgm:styleLbl name="solidBgAcc1">
+    <dgm:fillClrLst meth="repeat">
+      <a:schemeClr val="lt1"/>
+    </dgm:fillClrLst>
+    <dgm:linClrLst>
+      <a:schemeClr val="accent5"/>
+      <a:schemeClr val="accent6"/>
+    </dgm:linClrLst>
+    <dgm:effectClrLst/>
+    <dgm:txLinClrLst/>
+    <dgm:txFillClrLst meth="repeat">
+      <a:schemeClr val="dk1"/>
+    </dgm:txFillClrLst>
+    <dgm:txEffectClrLst/>
+  </dgm:styleLbl>
+  <dgm:styleLbl name="fgAccFollowNode1">
+    <dgm:fillClrLst>
+      <a:schemeClr val="accent5">
+        <a:tint val="40000"/>
+        <a:alpha val="90000"/>
+      </a:schemeClr>
+      <a:schemeClr val="accent6">
+        <a:tint val="40000"/>
+        <a:alpha val="90000"/>
+      </a:schemeClr>
+    </dgm:fillClrLst>
+    <dgm:linClrLst>
+      <a:schemeClr val="accent5">
+        <a:tint val="40000"/>
+        <a:alpha val="90000"/>
+      </a:schemeClr>
+      <a:schemeClr val="accent5">
+        <a:tint val="40000"/>
+        <a:alpha val="90000"/>
+      </a:schemeClr>
+    </dgm:linClrLst>
+    <dgm:effectClrLst/>
+    <dgm:txLinClrLst/>
+    <dgm:txFillClrLst meth="repeat">
+      <a:schemeClr val="dk1"/>
+    </dgm:txFillClrLst>
+    <dgm:txEffectClrLst/>
+  </dgm:styleLbl>
+  <dgm:styleLbl name="alignAccFollowNode1">
+    <dgm:fillClrLst>
+      <a:schemeClr val="accent5">
+        <a:tint val="40000"/>
+        <a:alpha val="90000"/>
+      </a:schemeClr>
+      <a:schemeClr val="accent6">
+        <a:tint val="40000"/>
+        <a:alpha val="90000"/>
+      </a:schemeClr>
+    </dgm:fillClrLst>
+    <dgm:linClrLst>
+      <a:schemeClr val="accent5">
+        <a:tint val="40000"/>
+        <a:alpha val="90000"/>
+      </a:schemeClr>
+      <a:schemeClr val="accent6">
+        <a:tint val="40000"/>
+        <a:alpha val="90000"/>
+      </a:schemeClr>
+    </dgm:linClrLst>
+    <dgm:effectClrLst/>
+    <dgm:txLinClrLst/>
+    <dgm:txFillClrLst meth="repeat">
+      <a:schemeClr val="dk1"/>
+    </dgm:txFillClrLst>
+    <dgm:txEffectClrLst/>
+  </dgm:styleLbl>
+  <dgm:styleLbl name="bgAccFollowNode1">
+    <dgm:fillClrLst>
+      <a:schemeClr val="accent5">
+        <a:tint val="40000"/>
+        <a:alpha val="90000"/>
+      </a:schemeClr>
+      <a:schemeClr val="accent6">
+        <a:tint val="40000"/>
+        <a:alpha val="90000"/>
+      </a:schemeClr>
+    </dgm:fillClrLst>
+    <dgm:linClrLst>
+      <a:schemeClr val="accent5">
+        <a:tint val="40000"/>
+        <a:alpha val="90000"/>
+      </a:schemeClr>
+      <a:schemeClr val="accent6">
+        <a:tint val="40000"/>
+        <a:alpha val="90000"/>
+      </a:schemeClr>
+    </dgm:linClrLst>
+    <dgm:effectClrLst/>
+    <dgm:txLinClrLst/>
+    <dgm:txFillClrLst meth="repeat">
+      <a:schemeClr val="dk1"/>
+    </dgm:txFillClrLst>
+    <dgm:txEffectClrLst/>
+  </dgm:styleLbl>
+  <dgm:styleLbl name="fgAcc0">
+    <dgm:fillClrLst meth="repeat">
+      <a:schemeClr val="lt1">
+        <a:alpha val="90000"/>
+      </a:schemeClr>
+    </dgm:fillClrLst>
+    <dgm:linClrLst>
+      <a:schemeClr val="accent4"/>
+    </dgm:linClrLst>
+    <dgm:effectClrLst/>
+    <dgm:txLinClrLst/>
+    <dgm:txFillClrLst meth="repeat">
+      <a:schemeClr val="dk1"/>
+    </dgm:txFillClrLst>
+    <dgm:txEffectClrLst/>
+  </dgm:styleLbl>
+  <dgm:styleLbl name="fgAcc2">
+    <dgm:fillClrLst meth="repeat">
+      <a:schemeClr val="lt1">
+        <a:alpha val="90000"/>
+      </a:schemeClr>
+    </dgm:fillClrLst>
+    <dgm:linClrLst>
+      <a:schemeClr val="accent6"/>
+    </dgm:linClrLst>
+    <dgm:effectClrLst/>
+    <dgm:txLinClrLst/>
+    <dgm:txFillClrLst meth="repeat">
+      <a:schemeClr val="dk1"/>
+    </dgm:txFillClrLst>
+    <dgm:txEffectClrLst/>
+  </dgm:styleLbl>
+  <dgm:styleLbl name="fgAcc3">
+    <dgm:fillClrLst meth="repeat">
+      <a:schemeClr val="lt1">
+        <a:alpha val="90000"/>
+      </a:schemeClr>
+    </dgm:fillClrLst>
+    <dgm:linClrLst>
+      <a:schemeClr val="accent1"/>
+    </dgm:linClrLst>
+    <dgm:effectClrLst/>
+    <dgm:txLinClrLst/>
+    <dgm:txFillClrLst meth="repeat">
+      <a:schemeClr val="dk1"/>
+    </dgm:txFillClrLst>
+    <dgm:txEffectClrLst/>
+  </dgm:styleLbl>
+  <dgm:styleLbl name="fgAcc4">
+    <dgm:fillClrLst meth="repeat">
+      <a:schemeClr val="lt1">
+        <a:alpha val="90000"/>
+      </a:schemeClr>
+    </dgm:fillClrLst>
+    <dgm:linClrLst>
+      <a:schemeClr val="accent2"/>
+    </dgm:linClrLst>
+    <dgm:effectClrLst/>
+    <dgm:txLinClrLst/>
+    <dgm:txFillClrLst meth="repeat">
+      <a:schemeClr val="dk1"/>
+    </dgm:txFillClrLst>
+    <dgm:txEffectClrLst/>
+  </dgm:styleLbl>
+  <dgm:styleLbl name="bgShp">
+    <dgm:fillClrLst meth="repeat">
+      <a:schemeClr val="accent5">
+        <a:tint val="40000"/>
+      </a:schemeClr>
+    </dgm:fillClrLst>
+    <dgm:linClrLst meth="repeat">
+      <a:schemeClr val="dk1"/>
+    </dgm:linClrLst>
+    <dgm:effectClrLst/>
+    <dgm:txLinClrLst/>
+    <dgm:txFillClrLst meth="repeat">
+      <a:schemeClr val="dk1"/>
+    </dgm:txFillClrLst>
+    <dgm:txEffectClrLst/>
+  </dgm:styleLbl>
+  <dgm:styleLbl name="dkBgShp">
+    <dgm:fillClrLst meth="repeat">
+      <a:schemeClr val="accent5">
+        <a:shade val="90000"/>
+      </a:schemeClr>
+    </dgm:fillClrLst>
+    <dgm:linClrLst meth="repeat">
+      <a:schemeClr val="dk1"/>
+    </dgm:linClrLst>
+    <dgm:effectClrLst/>
+    <dgm:txLinClrLst/>
+    <dgm:txFillClrLst meth="repeat">
+      <a:schemeClr val="lt1"/>
+    </dgm:txFillClrLst>
+    <dgm:txEffectClrLst/>
+  </dgm:styleLbl>
+  <dgm:styleLbl name="trBgShp">
+    <dgm:fillClrLst meth="repeat">
+      <a:schemeClr val="accent5">
+        <a:tint val="50000"/>
+        <a:alpha val="40000"/>
+      </a:schemeClr>
+    </dgm:fillClrLst>
+    <dgm:linClrLst meth="repeat">
+      <a:schemeClr val="accent5"/>
+    </dgm:linClrLst>
+    <dgm:effectClrLst/>
+    <dgm:txLinClrLst/>
+    <dgm:txFillClrLst meth="repeat">
+      <a:schemeClr val="lt1"/>
+    </dgm:txFillClrLst>
+    <dgm:txEffectClrLst/>
+  </dgm:styleLbl>
+  <dgm:styleLbl name="fgShp">
+    <dgm:fillClrLst meth="repeat">
+      <a:schemeClr val="accent5">
+        <a:tint val="40000"/>
       </a:schemeClr>
     </dgm:fillClrLst>
     <dgm:linClrLst meth="repeat">
@@ -2313,6 +3096,153 @@
     <dgm:cxn modelId="{71905294-28B7-4A65-BC0E-D38925BC01D5}" type="presParOf" srcId="{50ED893E-9015-4DC1-A280-BDDFD19DA65B}" destId="{23CD5212-0133-4760-8698-799605E52F22}" srcOrd="2" destOrd="0" presId="urn:microsoft.com/office/officeart/2005/8/layout/hList1"/>
     <dgm:cxn modelId="{063435FF-6935-48D5-B035-7D8B52DA470C}" type="presParOf" srcId="{23CD5212-0133-4760-8698-799605E52F22}" destId="{BED6E21A-40B8-41F6-9127-8D7F2E32FF8C}" srcOrd="0" destOrd="0" presId="urn:microsoft.com/office/officeart/2005/8/layout/hList1"/>
     <dgm:cxn modelId="{0E049FE5-F73B-437B-90A9-012913F24263}" type="presParOf" srcId="{23CD5212-0133-4760-8698-799605E52F22}" destId="{990A19C7-8B0C-4AA4-B508-C052A15F513E}" srcOrd="1" destOrd="0" presId="urn:microsoft.com/office/officeart/2005/8/layout/hList1"/>
+  </dgm:cxnLst>
+  <dgm:bg/>
+  <dgm:whole/>
+  <dgm:extLst>
+    <a:ext uri="http://schemas.microsoft.com/office/drawing/2008/diagram">
+      <dsp:dataModelExt xmlns:dsp="http://schemas.microsoft.com/office/drawing/2008/diagram" relId="rId6" minVer="http://schemas.openxmlformats.org/drawingml/2006/diagram"/>
+    </a:ext>
+  </dgm:extLst>
+</dgm:dataModel>
+</file>
+
+<file path=ppt/diagrams/data3.xml><?xml version="1.0" encoding="utf-8"?>
+<dgm:dataModel xmlns:dgm="http://schemas.openxmlformats.org/drawingml/2006/diagram" xmlns:a="http://schemas.openxmlformats.org/drawingml/2006/main">
+  <dgm:ptLst>
+    <dgm:pt modelId="{44FD807A-F1B5-48AC-AA9B-28F70D4CF3D6}" type="doc">
+      <dgm:prSet loTypeId="urn:microsoft.com/office/officeart/2005/8/layout/chart3" loCatId="cycle" qsTypeId="urn:microsoft.com/office/officeart/2005/8/quickstyle/simple1" qsCatId="simple" csTypeId="urn:microsoft.com/office/officeart/2005/8/colors/colorful5" csCatId="colorful" phldr="1"/>
+      <dgm:spPr/>
+    </dgm:pt>
+    <dgm:pt modelId="{903B4C79-AB09-4C6E-922C-9B7076141F34}">
+      <dgm:prSet phldrT="[텍스트]" custT="1"/>
+      <dgm:spPr/>
+      <dgm:t>
+        <a:bodyPr/>
+        <a:lstStyle/>
+        <a:p>
+          <a:pPr latinLnBrk="1"/>
+          <a:r>
+            <a:rPr lang="ko-KR" altLang="en-US" sz="2400" b="1" dirty="0"/>
+            <a:t>디자이너</a:t>
+          </a:r>
+        </a:p>
+      </dgm:t>
+    </dgm:pt>
+    <dgm:pt modelId="{3728249D-0368-49B1-B93B-40894142B1BE}" type="parTrans" cxnId="{78A5C09F-7C5A-4496-A581-0137113A8AF4}">
+      <dgm:prSet/>
+      <dgm:spPr/>
+      <dgm:t>
+        <a:bodyPr/>
+        <a:lstStyle/>
+        <a:p>
+          <a:pPr latinLnBrk="1"/>
+          <a:endParaRPr lang="ko-KR" altLang="en-US" sz="1800" b="1"/>
+        </a:p>
+      </dgm:t>
+    </dgm:pt>
+    <dgm:pt modelId="{1358C407-89EE-4DE2-8FF9-9D730A1D0738}" type="sibTrans" cxnId="{78A5C09F-7C5A-4496-A581-0137113A8AF4}">
+      <dgm:prSet/>
+      <dgm:spPr/>
+      <dgm:t>
+        <a:bodyPr/>
+        <a:lstStyle/>
+        <a:p>
+          <a:pPr latinLnBrk="1"/>
+          <a:endParaRPr lang="ko-KR" altLang="en-US" sz="1800" b="1"/>
+        </a:p>
+      </dgm:t>
+    </dgm:pt>
+    <dgm:pt modelId="{164119E6-A1BE-4510-817A-1DFB146EBD39}">
+      <dgm:prSet phldrT="[텍스트]" custT="1"/>
+      <dgm:spPr/>
+      <dgm:t>
+        <a:bodyPr/>
+        <a:lstStyle/>
+        <a:p>
+          <a:pPr latinLnBrk="1"/>
+          <a:r>
+            <a:rPr lang="ko-KR" altLang="en-US" sz="2400" b="1" dirty="0"/>
+            <a:t>회사</a:t>
+          </a:r>
+        </a:p>
+      </dgm:t>
+    </dgm:pt>
+    <dgm:pt modelId="{E1BF03F5-6D5C-4B56-8C69-BC95AB56D4DF}" type="parTrans" cxnId="{2F757B28-EFBC-4A42-9E7C-3FA97C21D05A}">
+      <dgm:prSet/>
+      <dgm:spPr/>
+      <dgm:t>
+        <a:bodyPr/>
+        <a:lstStyle/>
+        <a:p>
+          <a:pPr latinLnBrk="1"/>
+          <a:endParaRPr lang="ko-KR" altLang="en-US" sz="1800" b="1"/>
+        </a:p>
+      </dgm:t>
+    </dgm:pt>
+    <dgm:pt modelId="{5CE0FDB7-254E-44DE-B02B-9E934369240D}" type="sibTrans" cxnId="{2F757B28-EFBC-4A42-9E7C-3FA97C21D05A}">
+      <dgm:prSet/>
+      <dgm:spPr/>
+      <dgm:t>
+        <a:bodyPr/>
+        <a:lstStyle/>
+        <a:p>
+          <a:pPr latinLnBrk="1"/>
+          <a:endParaRPr lang="ko-KR" altLang="en-US" sz="1800" b="1"/>
+        </a:p>
+      </dgm:t>
+    </dgm:pt>
+    <dgm:pt modelId="{F35B7EA5-77E3-4F77-8EA1-BC64019374AA}" type="pres">
+      <dgm:prSet presAssocID="{44FD807A-F1B5-48AC-AA9B-28F70D4CF3D6}" presName="compositeShape" presStyleCnt="0">
+        <dgm:presLayoutVars>
+          <dgm:chMax val="7"/>
+          <dgm:dir/>
+          <dgm:resizeHandles val="exact"/>
+        </dgm:presLayoutVars>
+      </dgm:prSet>
+      <dgm:spPr/>
+    </dgm:pt>
+    <dgm:pt modelId="{24880E2A-BBA1-4F7E-B7E6-B7E5B305D21B}" type="pres">
+      <dgm:prSet presAssocID="{44FD807A-F1B5-48AC-AA9B-28F70D4CF3D6}" presName="wedge1" presStyleLbl="node1" presStyleIdx="0" presStyleCnt="2"/>
+      <dgm:spPr/>
+    </dgm:pt>
+    <dgm:pt modelId="{B4E77A65-72BD-4C08-AE56-2A55F3BC1BB3}" type="pres">
+      <dgm:prSet presAssocID="{44FD807A-F1B5-48AC-AA9B-28F70D4CF3D6}" presName="wedge1Tx" presStyleLbl="node1" presStyleIdx="0" presStyleCnt="2">
+        <dgm:presLayoutVars>
+          <dgm:chMax val="0"/>
+          <dgm:chPref val="0"/>
+          <dgm:bulletEnabled val="1"/>
+        </dgm:presLayoutVars>
+      </dgm:prSet>
+      <dgm:spPr/>
+    </dgm:pt>
+    <dgm:pt modelId="{0623ADD0-5CBF-4640-B845-BC8AA97DD3C5}" type="pres">
+      <dgm:prSet presAssocID="{44FD807A-F1B5-48AC-AA9B-28F70D4CF3D6}" presName="wedge2" presStyleLbl="node1" presStyleIdx="1" presStyleCnt="2"/>
+      <dgm:spPr/>
+    </dgm:pt>
+    <dgm:pt modelId="{38E41AC6-41AB-4A00-9D31-5D4A63BB68F6}" type="pres">
+      <dgm:prSet presAssocID="{44FD807A-F1B5-48AC-AA9B-28F70D4CF3D6}" presName="wedge2Tx" presStyleLbl="node1" presStyleIdx="1" presStyleCnt="2">
+        <dgm:presLayoutVars>
+          <dgm:chMax val="0"/>
+          <dgm:chPref val="0"/>
+          <dgm:bulletEnabled val="1"/>
+        </dgm:presLayoutVars>
+      </dgm:prSet>
+      <dgm:spPr/>
+    </dgm:pt>
+  </dgm:ptLst>
+  <dgm:cxnLst>
+    <dgm:cxn modelId="{2F757B28-EFBC-4A42-9E7C-3FA97C21D05A}" srcId="{44FD807A-F1B5-48AC-AA9B-28F70D4CF3D6}" destId="{164119E6-A1BE-4510-817A-1DFB146EBD39}" srcOrd="1" destOrd="0" parTransId="{E1BF03F5-6D5C-4B56-8C69-BC95AB56D4DF}" sibTransId="{5CE0FDB7-254E-44DE-B02B-9E934369240D}"/>
+    <dgm:cxn modelId="{E0443D30-8AA6-44F7-A095-713ADBE8E2B5}" type="presOf" srcId="{44FD807A-F1B5-48AC-AA9B-28F70D4CF3D6}" destId="{F35B7EA5-77E3-4F77-8EA1-BC64019374AA}" srcOrd="0" destOrd="0" presId="urn:microsoft.com/office/officeart/2005/8/layout/chart3"/>
+    <dgm:cxn modelId="{06FA5448-881F-4242-9051-54F9EEDECD24}" type="presOf" srcId="{164119E6-A1BE-4510-817A-1DFB146EBD39}" destId="{38E41AC6-41AB-4A00-9D31-5D4A63BB68F6}" srcOrd="1" destOrd="0" presId="urn:microsoft.com/office/officeart/2005/8/layout/chart3"/>
+    <dgm:cxn modelId="{779BB068-1F8B-47E5-A6D3-A6144E1839CB}" type="presOf" srcId="{164119E6-A1BE-4510-817A-1DFB146EBD39}" destId="{0623ADD0-5CBF-4640-B845-BC8AA97DD3C5}" srcOrd="0" destOrd="0" presId="urn:microsoft.com/office/officeart/2005/8/layout/chart3"/>
+    <dgm:cxn modelId="{78A5C09F-7C5A-4496-A581-0137113A8AF4}" srcId="{44FD807A-F1B5-48AC-AA9B-28F70D4CF3D6}" destId="{903B4C79-AB09-4C6E-922C-9B7076141F34}" srcOrd="0" destOrd="0" parTransId="{3728249D-0368-49B1-B93B-40894142B1BE}" sibTransId="{1358C407-89EE-4DE2-8FF9-9D730A1D0738}"/>
+    <dgm:cxn modelId="{1D66C7A7-7676-4250-A8FF-7257F3057B72}" type="presOf" srcId="{903B4C79-AB09-4C6E-922C-9B7076141F34}" destId="{B4E77A65-72BD-4C08-AE56-2A55F3BC1BB3}" srcOrd="1" destOrd="0" presId="urn:microsoft.com/office/officeart/2005/8/layout/chart3"/>
+    <dgm:cxn modelId="{304E3AA8-D858-48EE-9E38-C373FA5A5033}" type="presOf" srcId="{903B4C79-AB09-4C6E-922C-9B7076141F34}" destId="{24880E2A-BBA1-4F7E-B7E6-B7E5B305D21B}" srcOrd="0" destOrd="0" presId="urn:microsoft.com/office/officeart/2005/8/layout/chart3"/>
+    <dgm:cxn modelId="{638EC678-1634-4CD3-9C55-9CCF73912420}" type="presParOf" srcId="{F35B7EA5-77E3-4F77-8EA1-BC64019374AA}" destId="{24880E2A-BBA1-4F7E-B7E6-B7E5B305D21B}" srcOrd="0" destOrd="0" presId="urn:microsoft.com/office/officeart/2005/8/layout/chart3"/>
+    <dgm:cxn modelId="{B0BE36B5-4E22-494C-8DC1-525B6FFFD11C}" type="presParOf" srcId="{F35B7EA5-77E3-4F77-8EA1-BC64019374AA}" destId="{B4E77A65-72BD-4C08-AE56-2A55F3BC1BB3}" srcOrd="1" destOrd="0" presId="urn:microsoft.com/office/officeart/2005/8/layout/chart3"/>
+    <dgm:cxn modelId="{BB7EAE78-5105-4882-82E9-DB7EE0054BB1}" type="presParOf" srcId="{F35B7EA5-77E3-4F77-8EA1-BC64019374AA}" destId="{0623ADD0-5CBF-4640-B845-BC8AA97DD3C5}" srcOrd="2" destOrd="0" presId="urn:microsoft.com/office/officeart/2005/8/layout/chart3"/>
+    <dgm:cxn modelId="{584D8837-97C1-419E-B1E4-69EF937B6EE0}" type="presParOf" srcId="{F35B7EA5-77E3-4F77-8EA1-BC64019374AA}" destId="{38E41AC6-41AB-4A00-9D31-5D4A63BB68F6}" srcOrd="3" destOrd="0" presId="urn:microsoft.com/office/officeart/2005/8/layout/chart3"/>
   </dgm:cxnLst>
   <dgm:bg/>
   <dgm:whole/>
@@ -3081,6 +4011,180 @@
 </dsp:drawing>
 </file>
 
+<file path=ppt/diagrams/drawing3.xml><?xml version="1.0" encoding="utf-8"?>
+<dsp:drawing xmlns:dgm="http://schemas.openxmlformats.org/drawingml/2006/diagram" xmlns:dsp="http://schemas.microsoft.com/office/drawing/2008/diagram" xmlns:a="http://schemas.openxmlformats.org/drawingml/2006/main">
+  <dsp:spTree>
+    <dsp:nvGrpSpPr>
+      <dsp:cNvPr id="0" name=""/>
+      <dsp:cNvGrpSpPr/>
+    </dsp:nvGrpSpPr>
+    <dsp:grpSpPr/>
+    <dsp:sp modelId="{24880E2A-BBA1-4F7E-B7E6-B7E5B305D21B}">
+      <dsp:nvSpPr>
+        <dsp:cNvPr id="0" name=""/>
+        <dsp:cNvSpPr/>
+      </dsp:nvSpPr>
+      <dsp:spPr>
+        <a:xfrm>
+          <a:off x="557744" y="392748"/>
+          <a:ext cx="4123855" cy="4123855"/>
+        </a:xfrm>
+        <a:prstGeom prst="pie">
+          <a:avLst>
+            <a:gd name="adj1" fmla="val 16200000"/>
+            <a:gd name="adj2" fmla="val 5400000"/>
+          </a:avLst>
+        </a:prstGeom>
+        <a:solidFill>
+          <a:schemeClr val="accent5">
+            <a:hueOff val="0"/>
+            <a:satOff val="0"/>
+            <a:lumOff val="0"/>
+            <a:alphaOff val="0"/>
+          </a:schemeClr>
+        </a:solidFill>
+        <a:ln w="12700" cap="flat" cmpd="sng" algn="ctr">
+          <a:solidFill>
+            <a:schemeClr val="lt1">
+              <a:hueOff val="0"/>
+              <a:satOff val="0"/>
+              <a:lumOff val="0"/>
+              <a:alphaOff val="0"/>
+            </a:schemeClr>
+          </a:solidFill>
+          <a:prstDash val="solid"/>
+          <a:miter lim="800000"/>
+        </a:ln>
+        <a:effectLst/>
+      </dsp:spPr>
+      <dsp:style>
+        <a:lnRef idx="2">
+          <a:scrgbClr r="0" g="0" b="0"/>
+        </a:lnRef>
+        <a:fillRef idx="1">
+          <a:scrgbClr r="0" g="0" b="0"/>
+        </a:fillRef>
+        <a:effectRef idx="0">
+          <a:scrgbClr r="0" g="0" b="0"/>
+        </a:effectRef>
+        <a:fontRef idx="minor">
+          <a:schemeClr val="lt1"/>
+        </a:fontRef>
+      </dsp:style>
+      <dsp:txBody>
+        <a:bodyPr spcFirstLastPara="0" vert="horz" wrap="square" lIns="30480" tIns="30480" rIns="30480" bIns="30480" numCol="1" spcCol="1270" anchor="ctr" anchorCtr="0">
+          <a:noAutofit/>
+        </a:bodyPr>
+        <a:lstStyle/>
+        <a:p>
+          <a:pPr marL="0" lvl="0" indent="0" algn="ctr" defTabSz="1066800" latinLnBrk="1">
+            <a:lnSpc>
+              <a:spcPct val="90000"/>
+            </a:lnSpc>
+            <a:spcBef>
+              <a:spcPct val="0"/>
+            </a:spcBef>
+            <a:spcAft>
+              <a:spcPct val="35000"/>
+            </a:spcAft>
+            <a:buNone/>
+          </a:pPr>
+          <a:r>
+            <a:rPr lang="ko-KR" altLang="en-US" sz="2400" b="1" kern="1200" dirty="0"/>
+            <a:t>디자이너</a:t>
+          </a:r>
+        </a:p>
+      </dsp:txBody>
+      <dsp:txXfrm>
+        <a:off x="2619672" y="1006417"/>
+        <a:ext cx="1448258" cy="2896517"/>
+      </dsp:txXfrm>
+    </dsp:sp>
+    <dsp:sp modelId="{0623ADD0-5CBF-4640-B845-BC8AA97DD3C5}">
+      <dsp:nvSpPr>
+        <dsp:cNvPr id="0" name=""/>
+        <dsp:cNvSpPr/>
+      </dsp:nvSpPr>
+      <dsp:spPr>
+        <a:xfrm>
+          <a:off x="459557" y="392748"/>
+          <a:ext cx="4123855" cy="4123855"/>
+        </a:xfrm>
+        <a:prstGeom prst="pie">
+          <a:avLst>
+            <a:gd name="adj1" fmla="val 5400000"/>
+            <a:gd name="adj2" fmla="val 16200000"/>
+          </a:avLst>
+        </a:prstGeom>
+        <a:solidFill>
+          <a:schemeClr val="accent5">
+            <a:hueOff val="-6758543"/>
+            <a:satOff val="-17419"/>
+            <a:lumOff val="-11765"/>
+            <a:alphaOff val="0"/>
+          </a:schemeClr>
+        </a:solidFill>
+        <a:ln w="12700" cap="flat" cmpd="sng" algn="ctr">
+          <a:solidFill>
+            <a:schemeClr val="lt1">
+              <a:hueOff val="0"/>
+              <a:satOff val="0"/>
+              <a:lumOff val="0"/>
+              <a:alphaOff val="0"/>
+            </a:schemeClr>
+          </a:solidFill>
+          <a:prstDash val="solid"/>
+          <a:miter lim="800000"/>
+        </a:ln>
+        <a:effectLst/>
+      </dsp:spPr>
+      <dsp:style>
+        <a:lnRef idx="2">
+          <a:scrgbClr r="0" g="0" b="0"/>
+        </a:lnRef>
+        <a:fillRef idx="1">
+          <a:scrgbClr r="0" g="0" b="0"/>
+        </a:fillRef>
+        <a:effectRef idx="0">
+          <a:scrgbClr r="0" g="0" b="0"/>
+        </a:effectRef>
+        <a:fontRef idx="minor">
+          <a:schemeClr val="lt1"/>
+        </a:fontRef>
+      </dsp:style>
+      <dsp:txBody>
+        <a:bodyPr spcFirstLastPara="0" vert="horz" wrap="square" lIns="30480" tIns="30480" rIns="30480" bIns="30480" numCol="1" spcCol="1270" anchor="ctr" anchorCtr="0">
+          <a:noAutofit/>
+        </a:bodyPr>
+        <a:lstStyle/>
+        <a:p>
+          <a:pPr marL="0" lvl="0" indent="0" algn="ctr" defTabSz="1066800" latinLnBrk="1">
+            <a:lnSpc>
+              <a:spcPct val="90000"/>
+            </a:lnSpc>
+            <a:spcBef>
+              <a:spcPct val="0"/>
+            </a:spcBef>
+            <a:spcAft>
+              <a:spcPct val="35000"/>
+            </a:spcAft>
+            <a:buNone/>
+          </a:pPr>
+          <a:r>
+            <a:rPr lang="ko-KR" altLang="en-US" sz="2400" b="1" kern="1200" dirty="0"/>
+            <a:t>회사</a:t>
+          </a:r>
+        </a:p>
+      </dsp:txBody>
+      <dsp:txXfrm>
+        <a:off x="1048679" y="1006417"/>
+        <a:ext cx="1448258" cy="2896517"/>
+      </dsp:txXfrm>
+    </dsp:sp>
+  </dsp:spTree>
+</dsp:drawing>
+</file>
+
 <file path=ppt/diagrams/layout1.xml><?xml version="1.0" encoding="utf-8"?>
 <dgm:layoutDef xmlns:dgm="http://schemas.openxmlformats.org/drawingml/2006/diagram" xmlns:a="http://schemas.openxmlformats.org/drawingml/2006/main" uniqueId="urn:microsoft.com/office/officeart/2005/8/layout/hList1">
   <dgm:title val=""/>
@@ -3515,6 +4619,1311 @@
 </dgm:layoutDef>
 </file>
 
+<file path=ppt/diagrams/layout3.xml><?xml version="1.0" encoding="utf-8"?>
+<dgm:layoutDef xmlns:dgm="http://schemas.openxmlformats.org/drawingml/2006/diagram" xmlns:a="http://schemas.openxmlformats.org/drawingml/2006/main" uniqueId="urn:microsoft.com/office/officeart/2005/8/layout/chart3">
+  <dgm:title val=""/>
+  <dgm:desc val=""/>
+  <dgm:catLst>
+    <dgm:cat type="relationship" pri="27000"/>
+    <dgm:cat type="cycle" pri="8000"/>
+  </dgm:catLst>
+  <dgm:sampData useDef="1">
+    <dgm:dataModel>
+      <dgm:ptLst/>
+      <dgm:bg/>
+      <dgm:whole/>
+    </dgm:dataModel>
+  </dgm:sampData>
+  <dgm:styleData useDef="1">
+    <dgm:dataModel>
+      <dgm:ptLst/>
+      <dgm:bg/>
+      <dgm:whole/>
+    </dgm:dataModel>
+  </dgm:styleData>
+  <dgm:clrData>
+    <dgm:dataModel>
+      <dgm:ptLst>
+        <dgm:pt modelId="0" type="doc"/>
+        <dgm:pt modelId="1"/>
+        <dgm:pt modelId="2"/>
+        <dgm:pt modelId="3"/>
+        <dgm:pt modelId="4"/>
+        <dgm:pt modelId="5"/>
+        <dgm:pt modelId="6"/>
+      </dgm:ptLst>
+      <dgm:cxnLst>
+        <dgm:cxn modelId="7" srcId="0" destId="1" srcOrd="0" destOrd="0"/>
+        <dgm:cxn modelId="8" srcId="0" destId="2" srcOrd="1" destOrd="0"/>
+        <dgm:cxn modelId="9" srcId="0" destId="3" srcOrd="2" destOrd="0"/>
+        <dgm:cxn modelId="10" srcId="0" destId="4" srcOrd="3" destOrd="0"/>
+        <dgm:cxn modelId="11" srcId="0" destId="5" srcOrd="4" destOrd="0"/>
+        <dgm:cxn modelId="12" srcId="0" destId="6" srcOrd="5" destOrd="0"/>
+      </dgm:cxnLst>
+      <dgm:bg/>
+      <dgm:whole/>
+    </dgm:dataModel>
+  </dgm:clrData>
+  <dgm:layoutNode name="compositeShape">
+    <dgm:varLst>
+      <dgm:chMax val="7"/>
+      <dgm:dir/>
+      <dgm:resizeHandles val="exact"/>
+    </dgm:varLst>
+    <dgm:alg type="composite">
+      <dgm:param type="horzAlign" val="ctr"/>
+      <dgm:param type="vertAlign" val="mid"/>
+      <dgm:param type="ar" val="1"/>
+    </dgm:alg>
+    <dgm:presOf/>
+    <dgm:shape xmlns:r="http://schemas.openxmlformats.org/officeDocument/2006/relationships" r:blip="">
+      <dgm:adjLst/>
+    </dgm:shape>
+    <dgm:choose name="Name0">
+      <dgm:if name="Name1" axis="ch" ptType="node" func="cnt" op="equ" val="1">
+        <dgm:constrLst>
+          <dgm:constr type="l" for="ch" forName="wedge1" refType="w" fact="0.08"/>
+          <dgm:constr type="t" for="ch" forName="wedge1" refType="w" fact="0.08"/>
+          <dgm:constr type="w" for="ch" forName="wedge1" refType="w" fact="0.84"/>
+          <dgm:constr type="h" for="ch" forName="wedge1" refType="h" fact="0.84"/>
+          <dgm:constr type="l" for="ch" forName="wedge1Tx" refType="w" fact="0.205"/>
+          <dgm:constr type="t" for="ch" forName="wedge1Tx" refType="h" fact="0.205"/>
+          <dgm:constr type="w" for="ch" forName="wedge1Tx" refType="w" fact="0.59"/>
+          <dgm:constr type="h" for="ch" forName="wedge1Tx" refType="h" fact="0.59"/>
+          <dgm:constr type="primFontSz" for="ch" ptType="node" op="equ"/>
+        </dgm:constrLst>
+      </dgm:if>
+      <dgm:if name="Name2" axis="ch" ptType="node" func="cnt" op="equ" val="2">
+        <dgm:constrLst>
+          <dgm:constr type="l" for="ch" forName="wedge1" refType="w" fact="0.1"/>
+          <dgm:constr type="t" for="ch" forName="wedge1" refType="w" fact="0.08"/>
+          <dgm:constr type="w" for="ch" forName="wedge1" refType="w" fact="0.84"/>
+          <dgm:constr type="h" for="ch" forName="wedge1" refType="h" fact="0.84"/>
+          <dgm:constr type="l" for="ch" forName="wedge1Tx" refType="w" fact="0.52"/>
+          <dgm:constr type="t" for="ch" forName="wedge1Tx" refType="h" fact="0.205"/>
+          <dgm:constr type="w" for="ch" forName="wedge1Tx" refType="w" fact="0.295"/>
+          <dgm:constr type="h" for="ch" forName="wedge1Tx" refType="h" fact="0.59"/>
+          <dgm:constr type="l" for="ch" forName="wedge2" refType="w" fact="0.08"/>
+          <dgm:constr type="t" for="ch" forName="wedge2" refType="w" fact="0.08"/>
+          <dgm:constr type="w" for="ch" forName="wedge2" refType="w" fact="0.84"/>
+          <dgm:constr type="h" for="ch" forName="wedge2" refType="h" fact="0.84"/>
+          <dgm:constr type="l" for="ch" forName="wedge2Tx" refType="w" fact="0.2"/>
+          <dgm:constr type="t" for="ch" forName="wedge2Tx" refType="h" fact="0.205"/>
+          <dgm:constr type="w" for="ch" forName="wedge2Tx" refType="w" fact="0.295"/>
+          <dgm:constr type="h" for="ch" forName="wedge2Tx" refType="h" fact="0.59"/>
+          <dgm:constr type="primFontSz" for="ch" ptType="node" op="equ"/>
+        </dgm:constrLst>
+      </dgm:if>
+      <dgm:if name="Name3" axis="ch" ptType="node" func="cnt" op="equ" val="3">
+        <dgm:choose name="Name4">
+          <dgm:if name="Name5" func="var" arg="dir" op="equ" val="norm">
+            <dgm:constrLst>
+              <dgm:constr type="l" for="ch" forName="wedge1" refType="w" fact="0.1233"/>
+              <dgm:constr type="t" for="ch" forName="wedge1" refType="w" fact="0.055"/>
+              <dgm:constr type="w" for="ch" forName="wedge1" refType="w" fact="0.84"/>
+              <dgm:constr type="h" for="ch" forName="wedge1" refType="h" fact="0.84"/>
+              <dgm:constr type="l" for="ch" forName="wedge1Tx" refType="w" fact="0.58"/>
+              <dgm:constr type="t" for="ch" forName="wedge1Tx" refType="h" fact="0.21"/>
+              <dgm:constr type="w" for="ch" forName="wedge1Tx" refType="w" fact="0.285"/>
+              <dgm:constr type="h" for="ch" forName="wedge1Tx" refType="h" fact="0.28"/>
+              <dgm:constr type="l" for="ch" forName="wedge2" refType="w" fact="0.08"/>
+              <dgm:constr type="t" for="ch" forName="wedge2" refType="w" fact="0.08"/>
+              <dgm:constr type="w" for="ch" forName="wedge2" refType="w" fact="0.84"/>
+              <dgm:constr type="h" for="ch" forName="wedge2" refType="h" fact="0.84"/>
+              <dgm:constr type="l" for="ch" forName="wedge2Tx" refType="w" fact="0.31"/>
+              <dgm:constr type="t" for="ch" forName="wedge2Tx" refType="h" fact="0.61"/>
+              <dgm:constr type="w" for="ch" forName="wedge2Tx" refType="w" fact="0.38"/>
+              <dgm:constr type="h" for="ch" forName="wedge2Tx" refType="h" fact="0.26"/>
+              <dgm:constr type="l" for="ch" forName="wedge3" refType="w" fact="0.08"/>
+              <dgm:constr type="t" for="ch" forName="wedge3" refType="w" fact="0.08"/>
+              <dgm:constr type="w" for="ch" forName="wedge3" refType="w" fact="0.84"/>
+              <dgm:constr type="h" for="ch" forName="wedge3" refType="h" fact="0.84"/>
+              <dgm:constr type="l" for="ch" forName="wedge3Tx" refType="w" fact="0.17"/>
+              <dgm:constr type="t" for="ch" forName="wedge3Tx" refType="h" fact="0.245"/>
+              <dgm:constr type="w" for="ch" forName="wedge3Tx" refType="w" fact="0.285"/>
+              <dgm:constr type="h" for="ch" forName="wedge3Tx" refType="h" fact="0.28"/>
+              <dgm:constr type="primFontSz" for="ch" ptType="node" op="equ"/>
+            </dgm:constrLst>
+          </dgm:if>
+          <dgm:else name="Name6">
+            <dgm:constrLst>
+              <dgm:constr type="l" for="ch" forName="wedge1" refType="w" fact="0.08"/>
+              <dgm:constr type="t" for="ch" forName="wedge1" refType="w" fact="0.08"/>
+              <dgm:constr type="w" for="ch" forName="wedge1" refType="w" fact="0.84"/>
+              <dgm:constr type="h" for="ch" forName="wedge1" refType="h" fact="0.84"/>
+              <dgm:constr type="l" for="ch" forName="wedge1Tx" refType="w" fact="0.545"/>
+              <dgm:constr type="t" for="ch" forName="wedge1Tx" refType="h" fact="0.245"/>
+              <dgm:constr type="w" for="ch" forName="wedge1Tx" refType="w" fact="0.285"/>
+              <dgm:constr type="h" for="ch" forName="wedge1Tx" refType="h" fact="0.28"/>
+              <dgm:constr type="l" for="ch" forName="wedge2" refType="w" fact="0.08"/>
+              <dgm:constr type="t" for="ch" forName="wedge2" refType="w" fact="0.08"/>
+              <dgm:constr type="w" for="ch" forName="wedge2" refType="w" fact="0.84"/>
+              <dgm:constr type="h" for="ch" forName="wedge2" refType="h" fact="0.84"/>
+              <dgm:constr type="l" for="ch" forName="wedge2Tx" refType="w" fact="0.31"/>
+              <dgm:constr type="t" for="ch" forName="wedge2Tx" refType="h" fact="0.61"/>
+              <dgm:constr type="w" for="ch" forName="wedge2Tx" refType="w" fact="0.38"/>
+              <dgm:constr type="h" for="ch" forName="wedge2Tx" refType="h" fact="0.26"/>
+              <dgm:constr type="l" for="ch" forName="wedge3" refType="w" fact="0.0367"/>
+              <dgm:constr type="t" for="ch" forName="wedge3" refType="w" fact="0.055"/>
+              <dgm:constr type="w" for="ch" forName="wedge3" refType="w" fact="0.84"/>
+              <dgm:constr type="h" for="ch" forName="wedge3" refType="h" fact="0.84"/>
+              <dgm:constr type="l" for="ch" forName="wedge3Tx" refType="w" fact="0.14"/>
+              <dgm:constr type="t" for="ch" forName="wedge3Tx" refType="h" fact="0.21"/>
+              <dgm:constr type="w" for="ch" forName="wedge3Tx" refType="w" fact="0.285"/>
+              <dgm:constr type="h" for="ch" forName="wedge3Tx" refType="h" fact="0.28"/>
+              <dgm:constr type="primFontSz" for="ch" ptType="node" op="equ"/>
+            </dgm:constrLst>
+          </dgm:else>
+        </dgm:choose>
+      </dgm:if>
+      <dgm:if name="Name7" axis="ch" ptType="node" func="cnt" op="equ" val="4">
+        <dgm:choose name="Name8">
+          <dgm:if name="Name9" func="var" arg="dir" op="equ" val="norm">
+            <dgm:constrLst>
+              <dgm:constr type="l" for="ch" forName="wedge1" refType="w" fact="0.1154"/>
+              <dgm:constr type="t" for="ch" forName="wedge1" refType="w" fact="0.0446"/>
+              <dgm:constr type="w" for="ch" forName="wedge1" refType="w" fact="0.84"/>
+              <dgm:constr type="h" for="ch" forName="wedge1" refType="h" fact="0.84"/>
+              <dgm:constr type="l" for="ch" forName="wedge1Tx" refType="w" fact="0.545"/>
+              <dgm:constr type="t" for="ch" forName="wedge1Tx" refType="h" fact="0.2"/>
+              <dgm:constr type="w" for="ch" forName="wedge1Tx" refType="w" fact="0.31"/>
+              <dgm:constr type="h" for="ch" forName="wedge1Tx" refType="h" fact="0.25"/>
+              <dgm:constr type="l" for="ch" forName="wedge2" refType="w" fact="0.08"/>
+              <dgm:constr type="t" for="ch" forName="wedge2" refType="w" fact="0.08"/>
+              <dgm:constr type="w" for="ch" forName="wedge2" refType="w" fact="0.84"/>
+              <dgm:constr type="h" for="ch" forName="wedge2" refType="h" fact="0.84"/>
+              <dgm:constr type="l" for="ch" forName="wedge2Tx" refType="w" fact="0.515"/>
+              <dgm:constr type="t" for="ch" forName="wedge2Tx" refType="h" fact="0.515"/>
+              <dgm:constr type="w" for="ch" forName="wedge2Tx" refType="w" fact="0.31"/>
+              <dgm:constr type="h" for="ch" forName="wedge2Tx" refType="h" fact="0.25"/>
+              <dgm:constr type="l" for="ch" forName="wedge3" refType="w" fact="0.08"/>
+              <dgm:constr type="t" for="ch" forName="wedge3" refType="w" fact="0.08"/>
+              <dgm:constr type="w" for="ch" forName="wedge3" refType="w" fact="0.84"/>
+              <dgm:constr type="h" for="ch" forName="wedge3" refType="h" fact="0.84"/>
+              <dgm:constr type="l" for="ch" forName="wedge3Tx" refType="w" fact="0.175"/>
+              <dgm:constr type="t" for="ch" forName="wedge3Tx" refType="h" fact="0.515"/>
+              <dgm:constr type="w" for="ch" forName="wedge3Tx" refType="w" fact="0.31"/>
+              <dgm:constr type="h" for="ch" forName="wedge3Tx" refType="h" fact="0.25"/>
+              <dgm:constr type="l" for="ch" forName="wedge4" refType="w" fact="0.08"/>
+              <dgm:constr type="t" for="ch" forName="wedge4" refType="h" fact="0.08"/>
+              <dgm:constr type="w" for="ch" forName="wedge4" refType="w" fact="0.84"/>
+              <dgm:constr type="h" for="ch" forName="wedge4" refType="h" fact="0.84"/>
+              <dgm:constr type="l" for="ch" forName="wedge4Tx" refType="w" fact="0.175"/>
+              <dgm:constr type="t" for="ch" forName="wedge4Tx" refType="h" fact="0.235"/>
+              <dgm:constr type="w" for="ch" forName="wedge4Tx" refType="w" fact="0.31"/>
+              <dgm:constr type="h" for="ch" forName="wedge4Tx" refType="h" fact="0.25"/>
+              <dgm:constr type="primFontSz" for="ch" ptType="node" op="equ"/>
+            </dgm:constrLst>
+          </dgm:if>
+          <dgm:else name="Name10">
+            <dgm:constrLst>
+              <dgm:constr type="l" for="ch" forName="wedge1" refType="w" fact="0.08"/>
+              <dgm:constr type="t" for="ch" forName="wedge1" refType="w" fact="0.08"/>
+              <dgm:constr type="w" for="ch" forName="wedge1" refType="w" fact="0.84"/>
+              <dgm:constr type="h" for="ch" forName="wedge1" refType="h" fact="0.84"/>
+              <dgm:constr type="l" for="ch" forName="wedge1Tx" refType="w" fact="0.515"/>
+              <dgm:constr type="t" for="ch" forName="wedge1Tx" refType="h" fact="0.235"/>
+              <dgm:constr type="w" for="ch" forName="wedge1Tx" refType="w" fact="0.31"/>
+              <dgm:constr type="h" for="ch" forName="wedge1Tx" refType="h" fact="0.25"/>
+              <dgm:constr type="l" for="ch" forName="wedge2" refType="w" fact="0.08"/>
+              <dgm:constr type="t" for="ch" forName="wedge2" refType="w" fact="0.08"/>
+              <dgm:constr type="w" for="ch" forName="wedge2" refType="w" fact="0.84"/>
+              <dgm:constr type="h" for="ch" forName="wedge2" refType="h" fact="0.84"/>
+              <dgm:constr type="l" for="ch" forName="wedge2Tx" refType="w" fact="0.515"/>
+              <dgm:constr type="t" for="ch" forName="wedge2Tx" refType="h" fact="0.515"/>
+              <dgm:constr type="w" for="ch" forName="wedge2Tx" refType="w" fact="0.31"/>
+              <dgm:constr type="h" for="ch" forName="wedge2Tx" refType="h" fact="0.25"/>
+              <dgm:constr type="l" for="ch" forName="wedge3" refType="w" fact="0.08"/>
+              <dgm:constr type="t" for="ch" forName="wedge3" refType="w" fact="0.08"/>
+              <dgm:constr type="w" for="ch" forName="wedge3" refType="w" fact="0.84"/>
+              <dgm:constr type="h" for="ch" forName="wedge3" refType="h" fact="0.84"/>
+              <dgm:constr type="l" for="ch" forName="wedge3Tx" refType="w" fact="0.175"/>
+              <dgm:constr type="t" for="ch" forName="wedge3Tx" refType="h" fact="0.515"/>
+              <dgm:constr type="w" for="ch" forName="wedge3Tx" refType="w" fact="0.31"/>
+              <dgm:constr type="h" for="ch" forName="wedge3Tx" refType="h" fact="0.25"/>
+              <dgm:constr type="l" for="ch" forName="wedge4" refType="w" fact="0.0446"/>
+              <dgm:constr type="t" for="ch" forName="wedge4" refType="h" fact="0.0446"/>
+              <dgm:constr type="w" for="ch" forName="wedge4" refType="w" fact="0.84"/>
+              <dgm:constr type="h" for="ch" forName="wedge4" refType="h" fact="0.84"/>
+              <dgm:constr type="l" for="ch" forName="wedge4Tx" refType="w" fact="0.145"/>
+              <dgm:constr type="t" for="ch" forName="wedge4Tx" refType="h" fact="0.2"/>
+              <dgm:constr type="w" for="ch" forName="wedge4Tx" refType="w" fact="0.31"/>
+              <dgm:constr type="h" for="ch" forName="wedge4Tx" refType="h" fact="0.25"/>
+              <dgm:constr type="primFontSz" for="ch" ptType="node" op="equ"/>
+            </dgm:constrLst>
+          </dgm:else>
+        </dgm:choose>
+      </dgm:if>
+      <dgm:if name="Name11" axis="ch" ptType="node" func="cnt" op="equ" val="5">
+        <dgm:choose name="Name12">
+          <dgm:if name="Name13" func="var" arg="dir" op="equ" val="norm">
+            <dgm:constrLst>
+              <dgm:constr type="l" for="ch" forName="wedge1" refType="w" fact="0.1094"/>
+              <dgm:constr type="t" for="ch" forName="wedge1" refType="w" fact="0.0395"/>
+              <dgm:constr type="w" for="ch" forName="wedge1" refType="w" fact="0.84"/>
+              <dgm:constr type="h" for="ch" forName="wedge1" refType="h" fact="0.84"/>
+              <dgm:constr type="l" for="ch" forName="wedge1Tx" refType="w" fact="0.54"/>
+              <dgm:constr type="t" for="ch" forName="wedge1Tx" refType="h" fact="0.165"/>
+              <dgm:constr type="w" for="ch" forName="wedge1Tx" refType="w" fact="0.285"/>
+              <dgm:constr type="h" for="ch" forName="wedge1Tx" refType="h" fact="0.195"/>
+              <dgm:constr type="l" for="ch" forName="wedge2" refType="w" fact="0.08"/>
+              <dgm:constr type="t" for="ch" forName="wedge2" refType="w" fact="0.08"/>
+              <dgm:constr type="w" for="ch" forName="wedge2" refType="w" fact="0.84"/>
+              <dgm:constr type="h" for="ch" forName="wedge2" refType="h" fact="0.84"/>
+              <dgm:constr type="l" for="ch" forName="wedge2Tx" refType="w" fact="0.629"/>
+              <dgm:constr type="t" for="ch" forName="wedge2Tx" refType="h" fact="0.46"/>
+              <dgm:constr type="w" for="ch" forName="wedge2Tx" refType="w" fact="0.25"/>
+              <dgm:constr type="h" for="ch" forName="wedge2Tx" refType="h" fact="0.211"/>
+              <dgm:constr type="l" for="ch" forName="wedge3" refType="w" fact="0.08"/>
+              <dgm:constr type="t" for="ch" forName="wedge3" refType="w" fact="0.08"/>
+              <dgm:constr type="w" for="ch" forName="wedge3" refType="w" fact="0.84"/>
+              <dgm:constr type="h" for="ch" forName="wedge3" refType="h" fact="0.84"/>
+              <dgm:constr type="l" for="ch" forName="wedge3Tx" refType="w" fact="0.35"/>
+              <dgm:constr type="t" for="ch" forName="wedge3Tx" refType="h" fact="0.71"/>
+              <dgm:constr type="w" for="ch" forName="wedge3Tx" refType="w" fact="0.3"/>
+              <dgm:constr type="h" for="ch" forName="wedge3Tx" refType="h" fact="0.18"/>
+              <dgm:constr type="l" for="ch" forName="wedge4" refType="w" fact="0.08"/>
+              <dgm:constr type="t" for="ch" forName="wedge4" refType="h" fact="0.08"/>
+              <dgm:constr type="w" for="ch" forName="wedge4" refType="w" fact="0.84"/>
+              <dgm:constr type="h" for="ch" forName="wedge4" refType="h" fact="0.84"/>
+              <dgm:constr type="l" for="ch" forName="wedge4Tx" refType="w" fact="0.12"/>
+              <dgm:constr type="t" for="ch" forName="wedge4Tx" refType="h" fact="0.46"/>
+              <dgm:constr type="w" for="ch" forName="wedge4Tx" refType="w" fact="0.25"/>
+              <dgm:constr type="h" for="ch" forName="wedge4Tx" refType="h" fact="0.211"/>
+              <dgm:constr type="l" for="ch" forName="wedge5" refType="w" fact="0.08"/>
+              <dgm:constr type="t" for="ch" forName="wedge5" refType="h" fact="0.08"/>
+              <dgm:constr type="w" for="ch" forName="wedge5" refType="w" fact="0.84"/>
+              <dgm:constr type="h" for="ch" forName="wedge5" refType="h" fact="0.84"/>
+              <dgm:constr type="l" for="ch" forName="wedge5Tx" refType="w" fact="0.2025"/>
+              <dgm:constr type="t" for="ch" forName="wedge5Tx" refType="h" fact="0.208"/>
+              <dgm:constr type="w" for="ch" forName="wedge5Tx" refType="w" fact="0.285"/>
+              <dgm:constr type="h" for="ch" forName="wedge5Tx" refType="h" fact="0.195"/>
+              <dgm:constr type="primFontSz" for="ch" ptType="node" op="equ"/>
+            </dgm:constrLst>
+          </dgm:if>
+          <dgm:else name="Name14">
+            <dgm:constrLst>
+              <dgm:constr type="l" for="ch" forName="wedge1" refType="w" fact="0.08"/>
+              <dgm:constr type="t" for="ch" forName="wedge1" refType="w" fact="0.08"/>
+              <dgm:constr type="w" for="ch" forName="wedge1" refType="w" fact="0.84"/>
+              <dgm:constr type="h" for="ch" forName="wedge1" refType="h" fact="0.84"/>
+              <dgm:constr type="l" for="ch" forName="wedge1Tx" refType="w" fact="0.51"/>
+              <dgm:constr type="t" for="ch" forName="wedge1Tx" refType="h" fact="0.208"/>
+              <dgm:constr type="w" for="ch" forName="wedge1Tx" refType="w" fact="0.285"/>
+              <dgm:constr type="h" for="ch" forName="wedge1Tx" refType="h" fact="0.195"/>
+              <dgm:constr type="l" for="ch" forName="wedge2" refType="w" fact="0.08"/>
+              <dgm:constr type="t" for="ch" forName="wedge2" refType="w" fact="0.08"/>
+              <dgm:constr type="w" for="ch" forName="wedge2" refType="w" fact="0.84"/>
+              <dgm:constr type="h" for="ch" forName="wedge2" refType="h" fact="0.84"/>
+              <dgm:constr type="l" for="ch" forName="wedge2Tx" refType="w" fact="0.629"/>
+              <dgm:constr type="t" for="ch" forName="wedge2Tx" refType="h" fact="0.46"/>
+              <dgm:constr type="w" for="ch" forName="wedge2Tx" refType="w" fact="0.25"/>
+              <dgm:constr type="h" for="ch" forName="wedge2Tx" refType="h" fact="0.211"/>
+              <dgm:constr type="l" for="ch" forName="wedge3" refType="w" fact="0.08"/>
+              <dgm:constr type="t" for="ch" forName="wedge3" refType="w" fact="0.08"/>
+              <dgm:constr type="w" for="ch" forName="wedge3" refType="w" fact="0.84"/>
+              <dgm:constr type="h" for="ch" forName="wedge3" refType="h" fact="0.84"/>
+              <dgm:constr type="l" for="ch" forName="wedge3Tx" refType="w" fact="0.35"/>
+              <dgm:constr type="t" for="ch" forName="wedge3Tx" refType="h" fact="0.71"/>
+              <dgm:constr type="w" for="ch" forName="wedge3Tx" refType="w" fact="0.3"/>
+              <dgm:constr type="h" for="ch" forName="wedge3Tx" refType="h" fact="0.18"/>
+              <dgm:constr type="l" for="ch" forName="wedge4" refType="w" fact="0.08"/>
+              <dgm:constr type="t" for="ch" forName="wedge4" refType="h" fact="0.08"/>
+              <dgm:constr type="w" for="ch" forName="wedge4" refType="w" fact="0.84"/>
+              <dgm:constr type="h" for="ch" forName="wedge4" refType="h" fact="0.84"/>
+              <dgm:constr type="l" for="ch" forName="wedge4Tx" refType="w" fact="0.12"/>
+              <dgm:constr type="t" for="ch" forName="wedge4Tx" refType="h" fact="0.46"/>
+              <dgm:constr type="w" for="ch" forName="wedge4Tx" refType="w" fact="0.25"/>
+              <dgm:constr type="h" for="ch" forName="wedge4Tx" refType="h" fact="0.211"/>
+              <dgm:constr type="l" for="ch" forName="wedge5" refType="w" fact="0.0506"/>
+              <dgm:constr type="t" for="ch" forName="wedge5" refType="h" fact="0.0395"/>
+              <dgm:constr type="w" for="ch" forName="wedge5" refType="w" fact="0.84"/>
+              <dgm:constr type="h" for="ch" forName="wedge5" refType="h" fact="0.84"/>
+              <dgm:constr type="l" for="ch" forName="wedge5Tx" refType="w" fact="0.18"/>
+              <dgm:constr type="t" for="ch" forName="wedge5Tx" refType="h" fact="0.165"/>
+              <dgm:constr type="w" for="ch" forName="wedge5Tx" refType="w" fact="0.285"/>
+              <dgm:constr type="h" for="ch" forName="wedge5Tx" refType="h" fact="0.195"/>
+              <dgm:constr type="primFontSz" for="ch" ptType="node" op="equ"/>
+            </dgm:constrLst>
+          </dgm:else>
+        </dgm:choose>
+      </dgm:if>
+      <dgm:if name="Name15" axis="ch" ptType="node" func="cnt" op="equ" val="6">
+        <dgm:choose name="Name16">
+          <dgm:if name="Name17" func="var" arg="dir" op="equ" val="norm">
+            <dgm:constrLst>
+              <dgm:constr type="l" for="ch" forName="wedge1" refType="w" fact="0.105"/>
+              <dgm:constr type="t" for="ch" forName="wedge1" refType="w" fact="0.0367"/>
+              <dgm:constr type="w" for="ch" forName="wedge1" refType="w" fact="0.84"/>
+              <dgm:constr type="h" for="ch" forName="wedge1" refType="h" fact="0.84"/>
+              <dgm:constr type="l" for="ch" forName="wedge1Tx" refType="w" fact="0.534"/>
+              <dgm:constr type="t" for="ch" forName="wedge1Tx" refType="h" fact="0.1267"/>
+              <dgm:constr type="w" for="ch" forName="wedge1Tx" refType="w" fact="0.245"/>
+              <dgm:constr type="h" for="ch" forName="wedge1Tx" refType="h" fact="0.18"/>
+              <dgm:constr type="l" for="ch" forName="wedge2" refType="w" fact="0.08"/>
+              <dgm:constr type="t" for="ch" forName="wedge2" refType="w" fact="0.08"/>
+              <dgm:constr type="w" for="ch" forName="wedge2" refType="w" fact="0.84"/>
+              <dgm:constr type="h" for="ch" forName="wedge2" refType="h" fact="0.84"/>
+              <dgm:constr type="l" for="ch" forName="wedge2Tx" refType="w" fact="0.655"/>
+              <dgm:constr type="t" for="ch" forName="wedge2Tx" refType="h" fact="0.415"/>
+              <dgm:constr type="w" for="ch" forName="wedge2Tx" refType="w" fact="0.254"/>
+              <dgm:constr type="h" for="ch" forName="wedge2Tx" refType="h" fact="0.17"/>
+              <dgm:constr type="l" for="ch" forName="wedge3" refType="w" fact="0.08"/>
+              <dgm:constr type="t" for="ch" forName="wedge3" refType="w" fact="0.08"/>
+              <dgm:constr type="w" for="ch" forName="wedge3" refType="w" fact="0.84"/>
+              <dgm:constr type="h" for="ch" forName="wedge3" refType="h" fact="0.84"/>
+              <dgm:constr type="l" for="ch" forName="wedge3Tx" refType="w" fact="0.509"/>
+              <dgm:constr type="t" for="ch" forName="wedge3Tx" refType="h" fact="0.65"/>
+              <dgm:constr type="w" for="ch" forName="wedge3Tx" refType="w" fact="0.245"/>
+              <dgm:constr type="h" for="ch" forName="wedge3Tx" refType="h" fact="0.18"/>
+              <dgm:constr type="l" for="ch" forName="wedge4" refType="w" fact="0.08"/>
+              <dgm:constr type="t" for="ch" forName="wedge4" refType="h" fact="0.08"/>
+              <dgm:constr type="w" for="ch" forName="wedge4" refType="w" fact="0.84"/>
+              <dgm:constr type="h" for="ch" forName="wedge4" refType="h" fact="0.84"/>
+              <dgm:constr type="l" for="ch" forName="wedge4Tx" refType="w" fact="0.246"/>
+              <dgm:constr type="t" for="ch" forName="wedge4Tx" refType="h" fact="0.65"/>
+              <dgm:constr type="w" for="ch" forName="wedge4Tx" refType="w" fact="0.245"/>
+              <dgm:constr type="h" for="ch" forName="wedge4Tx" refType="h" fact="0.18"/>
+              <dgm:constr type="l" for="ch" forName="wedge5" refType="w" fact="0.08"/>
+              <dgm:constr type="t" for="ch" forName="wedge5" refType="h" fact="0.08"/>
+              <dgm:constr type="w" for="ch" forName="wedge5" refType="w" fact="0.84"/>
+              <dgm:constr type="h" for="ch" forName="wedge5" refType="h" fact="0.84"/>
+              <dgm:constr type="l" for="ch" forName="wedge5Tx" refType="w" fact="0.093"/>
+              <dgm:constr type="t" for="ch" forName="wedge5Tx" refType="h" fact="0.415"/>
+              <dgm:constr type="w" for="ch" forName="wedge5Tx" refType="w" fact="0.254"/>
+              <dgm:constr type="h" for="ch" forName="wedge5Tx" refType="h" fact="0.17"/>
+              <dgm:constr type="l" for="ch" forName="wedge6" refType="w" fact="0.08"/>
+              <dgm:constr type="t" for="ch" forName="wedge6" refType="h" fact="0.08"/>
+              <dgm:constr type="w" for="ch" forName="wedge6" refType="w" fact="0.84"/>
+              <dgm:constr type="h" for="ch" forName="wedge6" refType="h" fact="0.84"/>
+              <dgm:constr type="l" for="ch" forName="wedge6Tx" refType="w" fact="0.246"/>
+              <dgm:constr type="t" for="ch" forName="wedge6Tx" refType="h" fact="0.17"/>
+              <dgm:constr type="w" for="ch" forName="wedge6Tx" refType="w" fact="0.245"/>
+              <dgm:constr type="h" for="ch" forName="wedge6Tx" refType="h" fact="0.18"/>
+              <dgm:constr type="primFontSz" for="ch" ptType="node" op="equ"/>
+            </dgm:constrLst>
+          </dgm:if>
+          <dgm:else name="Name18">
+            <dgm:constrLst>
+              <dgm:constr type="l" for="ch" forName="wedge1" refType="w" fact="0.08"/>
+              <dgm:constr type="t" for="ch" forName="wedge1" refType="w" fact="0.08"/>
+              <dgm:constr type="w" for="ch" forName="wedge1" refType="w" fact="0.84"/>
+              <dgm:constr type="h" for="ch" forName="wedge1" refType="h" fact="0.84"/>
+              <dgm:constr type="l" for="ch" forName="wedge1Tx" refType="w" fact="0.509"/>
+              <dgm:constr type="t" for="ch" forName="wedge1Tx" refType="h" fact="0.17"/>
+              <dgm:constr type="w" for="ch" forName="wedge1Tx" refType="w" fact="0.245"/>
+              <dgm:constr type="h" for="ch" forName="wedge1Tx" refType="h" fact="0.18"/>
+              <dgm:constr type="l" for="ch" forName="wedge2" refType="w" fact="0.08"/>
+              <dgm:constr type="t" for="ch" forName="wedge2" refType="w" fact="0.08"/>
+              <dgm:constr type="w" for="ch" forName="wedge2" refType="w" fact="0.84"/>
+              <dgm:constr type="h" for="ch" forName="wedge2" refType="h" fact="0.84"/>
+              <dgm:constr type="l" for="ch" forName="wedge2Tx" refType="w" fact="0.655"/>
+              <dgm:constr type="t" for="ch" forName="wedge2Tx" refType="h" fact="0.415"/>
+              <dgm:constr type="w" for="ch" forName="wedge2Tx" refType="w" fact="0.254"/>
+              <dgm:constr type="h" for="ch" forName="wedge2Tx" refType="h" fact="0.17"/>
+              <dgm:constr type="l" for="ch" forName="wedge3" refType="w" fact="0.08"/>
+              <dgm:constr type="t" for="ch" forName="wedge3" refType="w" fact="0.08"/>
+              <dgm:constr type="w" for="ch" forName="wedge3" refType="w" fact="0.84"/>
+              <dgm:constr type="h" for="ch" forName="wedge3" refType="h" fact="0.84"/>
+              <dgm:constr type="l" for="ch" forName="wedge3Tx" refType="w" fact="0.509"/>
+              <dgm:constr type="t" for="ch" forName="wedge3Tx" refType="h" fact="0.65"/>
+              <dgm:constr type="w" for="ch" forName="wedge3Tx" refType="w" fact="0.245"/>
+              <dgm:constr type="h" for="ch" forName="wedge3Tx" refType="h" fact="0.18"/>
+              <dgm:constr type="l" for="ch" forName="wedge4" refType="w" fact="0.08"/>
+              <dgm:constr type="t" for="ch" forName="wedge4" refType="h" fact="0.08"/>
+              <dgm:constr type="w" for="ch" forName="wedge4" refType="w" fact="0.84"/>
+              <dgm:constr type="h" for="ch" forName="wedge4" refType="h" fact="0.84"/>
+              <dgm:constr type="l" for="ch" forName="wedge4Tx" refType="w" fact="0.246"/>
+              <dgm:constr type="t" for="ch" forName="wedge4Tx" refType="h" fact="0.65"/>
+              <dgm:constr type="w" for="ch" forName="wedge4Tx" refType="w" fact="0.245"/>
+              <dgm:constr type="h" for="ch" forName="wedge4Tx" refType="h" fact="0.18"/>
+              <dgm:constr type="l" for="ch" forName="wedge5" refType="w" fact="0.08"/>
+              <dgm:constr type="t" for="ch" forName="wedge5" refType="h" fact="0.08"/>
+              <dgm:constr type="w" for="ch" forName="wedge5" refType="w" fact="0.84"/>
+              <dgm:constr type="h" for="ch" forName="wedge5" refType="h" fact="0.84"/>
+              <dgm:constr type="l" for="ch" forName="wedge5Tx" refType="w" fact="0.093"/>
+              <dgm:constr type="t" for="ch" forName="wedge5Tx" refType="h" fact="0.415"/>
+              <dgm:constr type="w" for="ch" forName="wedge5Tx" refType="w" fact="0.254"/>
+              <dgm:constr type="h" for="ch" forName="wedge5Tx" refType="h" fact="0.17"/>
+              <dgm:constr type="l" for="ch" forName="wedge6" refType="w" fact="0.055"/>
+              <dgm:constr type="t" for="ch" forName="wedge6" refType="h" fact="0.0367"/>
+              <dgm:constr type="w" for="ch" forName="wedge6" refType="w" fact="0.84"/>
+              <dgm:constr type="h" for="ch" forName="wedge6" refType="h" fact="0.84"/>
+              <dgm:constr type="l" for="ch" forName="wedge6Tx" refType="w" fact="0.221"/>
+              <dgm:constr type="t" for="ch" forName="wedge6Tx" refType="h" fact="0.1267"/>
+              <dgm:constr type="w" for="ch" forName="wedge6Tx" refType="w" fact="0.245"/>
+              <dgm:constr type="h" for="ch" forName="wedge6Tx" refType="h" fact="0.18"/>
+              <dgm:constr type="primFontSz" for="ch" ptType="node" op="equ"/>
+            </dgm:constrLst>
+          </dgm:else>
+        </dgm:choose>
+      </dgm:if>
+      <dgm:else name="Name19">
+        <dgm:choose name="Name20">
+          <dgm:if name="Name21" func="var" arg="dir" op="equ" val="norm">
+            <dgm:constrLst>
+              <dgm:constr type="l" for="ch" forName="wedge1" refType="w" fact="0.1017"/>
+              <dgm:constr type="t" for="ch" forName="wedge1" refType="w" fact="0.035"/>
+              <dgm:constr type="w" for="ch" forName="wedge1" refType="w" fact="0.84"/>
+              <dgm:constr type="h" for="ch" forName="wedge1" refType="h" fact="0.84"/>
+              <dgm:constr type="l" for="ch" forName="wedge1Tx" refType="w" fact="0.53"/>
+              <dgm:constr type="t" for="ch" forName="wedge1Tx" refType="h" fact="0.115"/>
+              <dgm:constr type="w" for="ch" forName="wedge1Tx" refType="w" fact="0.23"/>
+              <dgm:constr type="h" for="ch" forName="wedge1Tx" refType="h" fact="0.145"/>
+              <dgm:constr type="l" for="ch" forName="wedge2" refType="w" fact="0.08"/>
+              <dgm:constr type="t" for="ch" forName="wedge2" refType="w" fact="0.08"/>
+              <dgm:constr type="w" for="ch" forName="wedge2" refType="w" fact="0.84"/>
+              <dgm:constr type="h" for="ch" forName="wedge2" refType="h" fact="0.84"/>
+              <dgm:constr type="l" for="ch" forName="wedge2Tx" refType="w" fact="0.655"/>
+              <dgm:constr type="t" for="ch" forName="wedge2Tx" refType="h" fact="0.38"/>
+              <dgm:constr type="w" for="ch" forName="wedge2Tx" refType="w" fact="0.244"/>
+              <dgm:constr type="h" for="ch" forName="wedge2Tx" refType="h" fact="0.155"/>
+              <dgm:constr type="l" for="ch" forName="wedge3" refType="w" fact="0.08"/>
+              <dgm:constr type="t" for="ch" forName="wedge3" refType="w" fact="0.08"/>
+              <dgm:constr type="w" for="ch" forName="wedge3" refType="w" fact="0.84"/>
+              <dgm:constr type="h" for="ch" forName="wedge3" refType="h" fact="0.84"/>
+              <dgm:constr type="l" for="ch" forName="wedge3Tx" refType="w" fact="0.62"/>
+              <dgm:constr type="t" for="ch" forName="wedge3Tx" refType="h" fact="0.58"/>
+              <dgm:constr type="w" for="ch" forName="wedge3Tx" refType="w" fact="0.22"/>
+              <dgm:constr type="h" for="ch" forName="wedge3Tx" refType="h" fact="0.16"/>
+              <dgm:constr type="l" for="ch" forName="wedge4" refType="w" fact="0.08"/>
+              <dgm:constr type="t" for="ch" forName="wedge4" refType="h" fact="0.08"/>
+              <dgm:constr type="w" for="ch" forName="wedge4" refType="w" fact="0.84"/>
+              <dgm:constr type="h" for="ch" forName="wedge4" refType="h" fact="0.84"/>
+              <dgm:constr type="l" for="ch" forName="wedge4Tx" refType="w" fact="0.3875"/>
+              <dgm:constr type="t" for="ch" forName="wedge4Tx" refType="h" fact="0.74"/>
+              <dgm:constr type="w" for="ch" forName="wedge4Tx" refType="w" fact="0.225"/>
+              <dgm:constr type="h" for="ch" forName="wedge4Tx" refType="h" fact="0.16"/>
+              <dgm:constr type="l" for="ch" forName="wedge5" refType="w" fact="0.08"/>
+              <dgm:constr type="t" for="ch" forName="wedge5" refType="h" fact="0.08"/>
+              <dgm:constr type="w" for="ch" forName="wedge5" refType="w" fact="0.84"/>
+              <dgm:constr type="h" for="ch" forName="wedge5" refType="h" fact="0.84"/>
+              <dgm:constr type="l" for="ch" forName="wedge5Tx" refType="w" fact="0.16"/>
+              <dgm:constr type="t" for="ch" forName="wedge5Tx" refType="h" fact="0.58"/>
+              <dgm:constr type="w" for="ch" forName="wedge5Tx" refType="w" fact="0.22"/>
+              <dgm:constr type="h" for="ch" forName="wedge5Tx" refType="h" fact="0.16"/>
+              <dgm:constr type="l" for="ch" forName="wedge6" refType="w" fact="0.08"/>
+              <dgm:constr type="t" for="ch" forName="wedge6" refType="h" fact="0.08"/>
+              <dgm:constr type="w" for="ch" forName="wedge6" refType="w" fact="0.84"/>
+              <dgm:constr type="h" for="ch" forName="wedge6" refType="h" fact="0.84"/>
+              <dgm:constr type="l" for="ch" forName="wedge6Tx" refType="w" fact="0.101"/>
+              <dgm:constr type="t" for="ch" forName="wedge6Tx" refType="h" fact="0.38"/>
+              <dgm:constr type="w" for="ch" forName="wedge6Tx" refType="w" fact="0.244"/>
+              <dgm:constr type="h" for="ch" forName="wedge6Tx" refType="h" fact="0.155"/>
+              <dgm:constr type="l" for="ch" forName="wedge7" refType="w" fact="0.08"/>
+              <dgm:constr type="t" for="ch" forName="wedge7" refType="h" fact="0.08"/>
+              <dgm:constr type="w" for="ch" forName="wedge7" refType="w" fact="0.84"/>
+              <dgm:constr type="h" for="ch" forName="wedge7" refType="h" fact="0.84"/>
+              <dgm:constr type="l" for="ch" forName="wedge7Tx" refType="w" fact="0.262"/>
+              <dgm:constr type="t" for="ch" forName="wedge7Tx" refType="h" fact="0.16"/>
+              <dgm:constr type="w" for="ch" forName="wedge7Tx" refType="w" fact="0.23"/>
+              <dgm:constr type="h" for="ch" forName="wedge7Tx" refType="h" fact="0.145"/>
+              <dgm:constr type="primFontSz" for="ch" ptType="node" op="equ"/>
+            </dgm:constrLst>
+          </dgm:if>
+          <dgm:else name="Name22">
+            <dgm:constrLst>
+              <dgm:constr type="l" for="ch" forName="wedge1" refType="w" fact="0.08"/>
+              <dgm:constr type="t" for="ch" forName="wedge1" refType="w" fact="0.08"/>
+              <dgm:constr type="w" for="ch" forName="wedge1" refType="w" fact="0.84"/>
+              <dgm:constr type="h" for="ch" forName="wedge1" refType="h" fact="0.84"/>
+              <dgm:constr type="l" for="ch" forName="wedge1Tx" refType="w" fact="0.508"/>
+              <dgm:constr type="t" for="ch" forName="wedge1Tx" refType="h" fact="0.16"/>
+              <dgm:constr type="w" for="ch" forName="wedge1Tx" refType="w" fact="0.23"/>
+              <dgm:constr type="h" for="ch" forName="wedge1Tx" refType="h" fact="0.145"/>
+              <dgm:constr type="l" for="ch" forName="wedge2" refType="w" fact="0.08"/>
+              <dgm:constr type="t" for="ch" forName="wedge2" refType="w" fact="0.08"/>
+              <dgm:constr type="w" for="ch" forName="wedge2" refType="w" fact="0.84"/>
+              <dgm:constr type="h" for="ch" forName="wedge2" refType="h" fact="0.84"/>
+              <dgm:constr type="l" for="ch" forName="wedge2Tx" refType="w" fact="0.655"/>
+              <dgm:constr type="t" for="ch" forName="wedge2Tx" refType="h" fact="0.38"/>
+              <dgm:constr type="w" for="ch" forName="wedge2Tx" refType="w" fact="0.244"/>
+              <dgm:constr type="h" for="ch" forName="wedge2Tx" refType="h" fact="0.155"/>
+              <dgm:constr type="l" for="ch" forName="wedge3" refType="w" fact="0.08"/>
+              <dgm:constr type="t" for="ch" forName="wedge3" refType="w" fact="0.08"/>
+              <dgm:constr type="w" for="ch" forName="wedge3" refType="w" fact="0.84"/>
+              <dgm:constr type="h" for="ch" forName="wedge3" refType="h" fact="0.84"/>
+              <dgm:constr type="l" for="ch" forName="wedge3Tx" refType="w" fact="0.62"/>
+              <dgm:constr type="t" for="ch" forName="wedge3Tx" refType="h" fact="0.58"/>
+              <dgm:constr type="w" for="ch" forName="wedge3Tx" refType="w" fact="0.22"/>
+              <dgm:constr type="h" for="ch" forName="wedge3Tx" refType="h" fact="0.16"/>
+              <dgm:constr type="l" for="ch" forName="wedge4" refType="w" fact="0.08"/>
+              <dgm:constr type="t" for="ch" forName="wedge4" refType="h" fact="0.08"/>
+              <dgm:constr type="w" for="ch" forName="wedge4" refType="w" fact="0.84"/>
+              <dgm:constr type="h" for="ch" forName="wedge4" refType="h" fact="0.84"/>
+              <dgm:constr type="l" for="ch" forName="wedge4Tx" refType="w" fact="0.3875"/>
+              <dgm:constr type="t" for="ch" forName="wedge4Tx" refType="h" fact="0.74"/>
+              <dgm:constr type="w" for="ch" forName="wedge4Tx" refType="w" fact="0.225"/>
+              <dgm:constr type="h" for="ch" forName="wedge4Tx" refType="h" fact="0.16"/>
+              <dgm:constr type="l" for="ch" forName="wedge5" refType="w" fact="0.08"/>
+              <dgm:constr type="t" for="ch" forName="wedge5" refType="h" fact="0.08"/>
+              <dgm:constr type="w" for="ch" forName="wedge5" refType="w" fact="0.84"/>
+              <dgm:constr type="h" for="ch" forName="wedge5" refType="h" fact="0.84"/>
+              <dgm:constr type="l" for="ch" forName="wedge5Tx" refType="w" fact="0.16"/>
+              <dgm:constr type="t" for="ch" forName="wedge5Tx" refType="h" fact="0.58"/>
+              <dgm:constr type="w" for="ch" forName="wedge5Tx" refType="w" fact="0.22"/>
+              <dgm:constr type="h" for="ch" forName="wedge5Tx" refType="h" fact="0.16"/>
+              <dgm:constr type="l" for="ch" forName="wedge6" refType="w" fact="0.08"/>
+              <dgm:constr type="t" for="ch" forName="wedge6" refType="h" fact="0.08"/>
+              <dgm:constr type="w" for="ch" forName="wedge6" refType="w" fact="0.84"/>
+              <dgm:constr type="h" for="ch" forName="wedge6" refType="h" fact="0.84"/>
+              <dgm:constr type="l" for="ch" forName="wedge6Tx" refType="w" fact="0.101"/>
+              <dgm:constr type="t" for="ch" forName="wedge6Tx" refType="h" fact="0.38"/>
+              <dgm:constr type="w" for="ch" forName="wedge6Tx" refType="w" fact="0.244"/>
+              <dgm:constr type="h" for="ch" forName="wedge6Tx" refType="h" fact="0.155"/>
+              <dgm:constr type="l" for="ch" forName="wedge7" refType="w" fact="0.0583"/>
+              <dgm:constr type="t" for="ch" forName="wedge7" refType="h" fact="0.035"/>
+              <dgm:constr type="w" for="ch" forName="wedge7" refType="w" fact="0.84"/>
+              <dgm:constr type="h" for="ch" forName="wedge7" refType="h" fact="0.84"/>
+              <dgm:constr type="l" for="ch" forName="wedge7Tx" refType="w" fact="0.2403"/>
+              <dgm:constr type="t" for="ch" forName="wedge7Tx" refType="h" fact="0.115"/>
+              <dgm:constr type="w" for="ch" forName="wedge7Tx" refType="w" fact="0.23"/>
+              <dgm:constr type="h" for="ch" forName="wedge7Tx" refType="h" fact="0.145"/>
+              <dgm:constr type="primFontSz" for="ch" ptType="node" op="equ"/>
+            </dgm:constrLst>
+          </dgm:else>
+        </dgm:choose>
+      </dgm:else>
+    </dgm:choose>
+    <dgm:ruleLst/>
+    <dgm:choose name="Name23">
+      <dgm:if name="Name24" axis="ch" ptType="node" func="cnt" op="gte" val="1">
+        <dgm:layoutNode name="wedge1">
+          <dgm:alg type="sp"/>
+          <dgm:choose name="Name25">
+            <dgm:if name="Name26" axis="ch" ptType="node" func="cnt" op="equ" val="1">
+              <dgm:shape xmlns:r="http://schemas.openxmlformats.org/officeDocument/2006/relationships" type="ellipse" r:blip="">
+                <dgm:adjLst/>
+              </dgm:shape>
+            </dgm:if>
+            <dgm:if name="Name27" axis="ch" ptType="node" func="cnt" op="equ" val="2">
+              <dgm:shape xmlns:r="http://schemas.openxmlformats.org/officeDocument/2006/relationships" type="pie" r:blip="">
+                <dgm:adjLst>
+                  <dgm:adj idx="1" val="270"/>
+                  <dgm:adj idx="2" val="90"/>
+                </dgm:adjLst>
+              </dgm:shape>
+            </dgm:if>
+            <dgm:if name="Name28" axis="ch" ptType="node" func="cnt" op="equ" val="3">
+              <dgm:shape xmlns:r="http://schemas.openxmlformats.org/officeDocument/2006/relationships" type="pie" r:blip="">
+                <dgm:adjLst>
+                  <dgm:adj idx="1" val="270"/>
+                  <dgm:adj idx="2" val="30"/>
+                </dgm:adjLst>
+              </dgm:shape>
+            </dgm:if>
+            <dgm:if name="Name29" axis="ch" ptType="node" func="cnt" op="equ" val="4">
+              <dgm:shape xmlns:r="http://schemas.openxmlformats.org/officeDocument/2006/relationships" type="pie" r:blip="">
+                <dgm:adjLst>
+                  <dgm:adj idx="1" val="270"/>
+                  <dgm:adj idx="2" val="0"/>
+                </dgm:adjLst>
+              </dgm:shape>
+            </dgm:if>
+            <dgm:if name="Name30" axis="ch" ptType="node" func="cnt" op="equ" val="5">
+              <dgm:shape xmlns:r="http://schemas.openxmlformats.org/officeDocument/2006/relationships" type="pie" r:blip="">
+                <dgm:adjLst>
+                  <dgm:adj idx="1" val="270"/>
+                  <dgm:adj idx="2" val="342"/>
+                </dgm:adjLst>
+              </dgm:shape>
+            </dgm:if>
+            <dgm:if name="Name31" axis="ch" ptType="node" func="cnt" op="equ" val="6">
+              <dgm:shape xmlns:r="http://schemas.openxmlformats.org/officeDocument/2006/relationships" type="pie" r:blip="">
+                <dgm:adjLst>
+                  <dgm:adj idx="1" val="270"/>
+                  <dgm:adj idx="2" val="330"/>
+                </dgm:adjLst>
+              </dgm:shape>
+            </dgm:if>
+            <dgm:else name="Name32">
+              <dgm:shape xmlns:r="http://schemas.openxmlformats.org/officeDocument/2006/relationships" type="pie" r:blip="">
+                <dgm:adjLst>
+                  <dgm:adj idx="1" val="270"/>
+                  <dgm:adj idx="2" val="321.4286"/>
+                </dgm:adjLst>
+              </dgm:shape>
+            </dgm:else>
+          </dgm:choose>
+          <dgm:choose name="Name33">
+            <dgm:if name="Name34" func="var" arg="dir" op="equ" val="norm">
+              <dgm:presOf axis="ch desOrSelf" ptType="node node" st="1 1" cnt="1 0"/>
+            </dgm:if>
+            <dgm:else name="Name35">
+              <dgm:choose name="Name36">
+                <dgm:if name="Name37" axis="ch" ptType="node" func="cnt" op="equ" val="1">
+                  <dgm:presOf axis="ch desOrSelf" ptType="node node" st="1 1" cnt="1 0"/>
+                </dgm:if>
+                <dgm:if name="Name38" axis="ch" ptType="node" func="cnt" op="equ" val="2">
+                  <dgm:presOf axis="ch desOrSelf" ptType="node node" st="2 1" cnt="1 0"/>
+                </dgm:if>
+                <dgm:if name="Name39" axis="ch" ptType="node" func="cnt" op="equ" val="3">
+                  <dgm:presOf axis="ch desOrSelf" ptType="node node" st="3 1" cnt="1 0"/>
+                </dgm:if>
+                <dgm:if name="Name40" axis="ch" ptType="node" func="cnt" op="equ" val="4">
+                  <dgm:presOf axis="ch desOrSelf" ptType="node node" st="4 1" cnt="1 0"/>
+                </dgm:if>
+                <dgm:if name="Name41" axis="ch" ptType="node" func="cnt" op="equ" val="5">
+                  <dgm:presOf axis="ch desOrSelf" ptType="node node" st="5 1" cnt="1 0"/>
+                </dgm:if>
+                <dgm:if name="Name42" axis="ch" ptType="node" func="cnt" op="equ" val="6">
+                  <dgm:presOf axis="ch desOrSelf" ptType="node node" st="6 1" cnt="1 0"/>
+                </dgm:if>
+                <dgm:else name="Name43">
+                  <dgm:presOf axis="ch desOrSelf" ptType="node node" st="7 1" cnt="1 0"/>
+                </dgm:else>
+              </dgm:choose>
+            </dgm:else>
+          </dgm:choose>
+          <dgm:constrLst/>
+          <dgm:ruleLst/>
+        </dgm:layoutNode>
+        <dgm:layoutNode name="wedge1Tx" moveWith="wedge1">
+          <dgm:varLst>
+            <dgm:chMax val="0"/>
+            <dgm:chPref val="0"/>
+            <dgm:bulletEnabled val="1"/>
+          </dgm:varLst>
+          <dgm:alg type="tx"/>
+          <dgm:shape xmlns:r="http://schemas.openxmlformats.org/officeDocument/2006/relationships" type="rect" r:blip="" hideGeom="1">
+            <dgm:adjLst/>
+          </dgm:shape>
+          <dgm:choose name="Name44">
+            <dgm:if name="Name45" func="var" arg="dir" op="equ" val="norm">
+              <dgm:presOf axis="ch desOrSelf" ptType="node node" st="1 1" cnt="1 0"/>
+            </dgm:if>
+            <dgm:else name="Name46">
+              <dgm:choose name="Name47">
+                <dgm:if name="Name48" axis="ch" ptType="node" func="cnt" op="equ" val="1">
+                  <dgm:presOf axis="ch desOrSelf" ptType="node node" st="1 1" cnt="1 0"/>
+                </dgm:if>
+                <dgm:if name="Name49" axis="ch" ptType="node" func="cnt" op="equ" val="2">
+                  <dgm:presOf axis="ch desOrSelf" ptType="node node" st="2 1" cnt="1 0"/>
+                </dgm:if>
+                <dgm:if name="Name50" axis="ch" ptType="node" func="cnt" op="equ" val="3">
+                  <dgm:presOf axis="ch desOrSelf" ptType="node node" st="3 1" cnt="1 0"/>
+                </dgm:if>
+                <dgm:if name="Name51" axis="ch" ptType="node" func="cnt" op="equ" val="4">
+                  <dgm:presOf axis="ch desOrSelf" ptType="node node" st="4 1" cnt="1 0"/>
+                </dgm:if>
+                <dgm:if name="Name52" axis="ch" ptType="node" func="cnt" op="equ" val="5">
+                  <dgm:presOf axis="ch desOrSelf" ptType="node node" st="5 1" cnt="1 0"/>
+                </dgm:if>
+                <dgm:if name="Name53" axis="ch" ptType="node" func="cnt" op="equ" val="6">
+                  <dgm:presOf axis="ch desOrSelf" ptType="node node" st="6 1" cnt="1 0"/>
+                </dgm:if>
+                <dgm:else name="Name54">
+                  <dgm:presOf axis="ch desOrSelf" ptType="node node" st="7 1" cnt="1 0"/>
+                </dgm:else>
+              </dgm:choose>
+            </dgm:else>
+          </dgm:choose>
+          <dgm:constrLst>
+            <dgm:constr type="tMarg" refType="primFontSz" fact="0.1"/>
+            <dgm:constr type="bMarg" refType="primFontSz" fact="0.1"/>
+            <dgm:constr type="lMarg" refType="primFontSz" fact="0.1"/>
+            <dgm:constr type="rMarg" refType="primFontSz" fact="0.1"/>
+            <dgm:constr type="primFontSz" val="65"/>
+          </dgm:constrLst>
+          <dgm:ruleLst>
+            <dgm:rule type="primFontSz" val="5" fact="NaN" max="NaN"/>
+          </dgm:ruleLst>
+        </dgm:layoutNode>
+      </dgm:if>
+      <dgm:else name="Name55"/>
+    </dgm:choose>
+    <dgm:choose name="Name56">
+      <dgm:if name="Name57" axis="ch" ptType="node" func="cnt" op="gte" val="2">
+        <dgm:layoutNode name="wedge2">
+          <dgm:alg type="sp"/>
+          <dgm:choose name="Name58">
+            <dgm:if name="Name59" axis="ch" ptType="node" func="cnt" op="equ" val="2">
+              <dgm:shape xmlns:r="http://schemas.openxmlformats.org/officeDocument/2006/relationships" type="pie" r:blip="">
+                <dgm:adjLst>
+                  <dgm:adj idx="1" val="90"/>
+                  <dgm:adj idx="2" val="270"/>
+                </dgm:adjLst>
+              </dgm:shape>
+            </dgm:if>
+            <dgm:if name="Name60" axis="ch" ptType="node" func="cnt" op="equ" val="3">
+              <dgm:shape xmlns:r="http://schemas.openxmlformats.org/officeDocument/2006/relationships" type="pie" r:blip="">
+                <dgm:adjLst>
+                  <dgm:adj idx="1" val="30"/>
+                  <dgm:adj idx="2" val="150"/>
+                </dgm:adjLst>
+              </dgm:shape>
+            </dgm:if>
+            <dgm:if name="Name61" axis="ch" ptType="node" func="cnt" op="equ" val="4">
+              <dgm:shape xmlns:r="http://schemas.openxmlformats.org/officeDocument/2006/relationships" type="pie" r:blip="">
+                <dgm:adjLst>
+                  <dgm:adj idx="1" val="0"/>
+                  <dgm:adj idx="2" val="90"/>
+                </dgm:adjLst>
+              </dgm:shape>
+            </dgm:if>
+            <dgm:if name="Name62" axis="ch" ptType="node" func="cnt" op="equ" val="5">
+              <dgm:shape xmlns:r="http://schemas.openxmlformats.org/officeDocument/2006/relationships" type="pie" r:blip="">
+                <dgm:adjLst>
+                  <dgm:adj idx="1" val="342"/>
+                  <dgm:adj idx="2" val="54"/>
+                </dgm:adjLst>
+              </dgm:shape>
+            </dgm:if>
+            <dgm:if name="Name63" axis="ch" ptType="node" func="cnt" op="equ" val="6">
+              <dgm:shape xmlns:r="http://schemas.openxmlformats.org/officeDocument/2006/relationships" type="pie" r:blip="">
+                <dgm:adjLst>
+                  <dgm:adj idx="1" val="330"/>
+                  <dgm:adj idx="2" val="30"/>
+                </dgm:adjLst>
+              </dgm:shape>
+            </dgm:if>
+            <dgm:else name="Name64">
+              <dgm:shape xmlns:r="http://schemas.openxmlformats.org/officeDocument/2006/relationships" type="pie" r:blip="">
+                <dgm:adjLst>
+                  <dgm:adj idx="1" val="321.4286"/>
+                  <dgm:adj idx="2" val="12.85714"/>
+                </dgm:adjLst>
+              </dgm:shape>
+            </dgm:else>
+          </dgm:choose>
+          <dgm:choose name="Name65">
+            <dgm:if name="Name66" func="var" arg="dir" op="equ" val="norm">
+              <dgm:presOf axis="ch desOrSelf" ptType="node node" st="2 1" cnt="1 0"/>
+            </dgm:if>
+            <dgm:else name="Name67">
+              <dgm:choose name="Name68">
+                <dgm:if name="Name69" axis="ch" ptType="node" func="cnt" op="equ" val="2">
+                  <dgm:presOf axis="ch desOrSelf" ptType="node node" st="1 1" cnt="1 0"/>
+                </dgm:if>
+                <dgm:if name="Name70" axis="ch" ptType="node" func="cnt" op="equ" val="3">
+                  <dgm:presOf axis="ch desOrSelf" ptType="node node" st="2 1" cnt="1 0"/>
+                </dgm:if>
+                <dgm:if name="Name71" axis="ch" ptType="node" func="cnt" op="equ" val="4">
+                  <dgm:presOf axis="ch desOrSelf" ptType="node node" st="3 1" cnt="1 0"/>
+                </dgm:if>
+                <dgm:if name="Name72" axis="ch" ptType="node" func="cnt" op="equ" val="5">
+                  <dgm:presOf axis="ch desOrSelf" ptType="node node" st="4 1" cnt="1 0"/>
+                </dgm:if>
+                <dgm:if name="Name73" axis="ch" ptType="node" func="cnt" op="equ" val="6">
+                  <dgm:presOf axis="ch desOrSelf" ptType="node node" st="5 1" cnt="1 0"/>
+                </dgm:if>
+                <dgm:else name="Name74">
+                  <dgm:presOf axis="ch desOrSelf" ptType="node node" st="6 1" cnt="1 0"/>
+                </dgm:else>
+              </dgm:choose>
+            </dgm:else>
+          </dgm:choose>
+          <dgm:constrLst/>
+          <dgm:ruleLst/>
+        </dgm:layoutNode>
+        <dgm:layoutNode name="wedge2Tx" moveWith="wedge2">
+          <dgm:varLst>
+            <dgm:chMax val="0"/>
+            <dgm:chPref val="0"/>
+            <dgm:bulletEnabled val="1"/>
+          </dgm:varLst>
+          <dgm:alg type="tx"/>
+          <dgm:shape xmlns:r="http://schemas.openxmlformats.org/officeDocument/2006/relationships" type="rect" r:blip="" hideGeom="1">
+            <dgm:adjLst/>
+          </dgm:shape>
+          <dgm:choose name="Name75">
+            <dgm:if name="Name76" func="var" arg="dir" op="equ" val="norm">
+              <dgm:presOf axis="ch desOrSelf" ptType="node node" st="2 1" cnt="1 0"/>
+            </dgm:if>
+            <dgm:else name="Name77">
+              <dgm:choose name="Name78">
+                <dgm:if name="Name79" axis="ch" ptType="node" func="cnt" op="equ" val="2">
+                  <dgm:presOf axis="ch desOrSelf" ptType="node node" st="1 1" cnt="1 0"/>
+                </dgm:if>
+                <dgm:if name="Name80" axis="ch" ptType="node" func="cnt" op="equ" val="3">
+                  <dgm:presOf axis="ch desOrSelf" ptType="node node" st="2 1" cnt="1 0"/>
+                </dgm:if>
+                <dgm:if name="Name81" axis="ch" ptType="node" func="cnt" op="equ" val="4">
+                  <dgm:presOf axis="ch desOrSelf" ptType="node node" st="3 1" cnt="1 0"/>
+                </dgm:if>
+                <dgm:if name="Name82" axis="ch" ptType="node" func="cnt" op="equ" val="5">
+                  <dgm:presOf axis="ch desOrSelf" ptType="node node" st="4 1" cnt="1 0"/>
+                </dgm:if>
+                <dgm:if name="Name83" axis="ch" ptType="node" func="cnt" op="equ" val="6">
+                  <dgm:presOf axis="ch desOrSelf" ptType="node node" st="5 1" cnt="1 0"/>
+                </dgm:if>
+                <dgm:else name="Name84">
+                  <dgm:presOf axis="ch desOrSelf" ptType="node node" st="6 1" cnt="1 0"/>
+                </dgm:else>
+              </dgm:choose>
+            </dgm:else>
+          </dgm:choose>
+          <dgm:constrLst>
+            <dgm:constr type="tMarg" refType="primFontSz" fact="0.1"/>
+            <dgm:constr type="bMarg" refType="primFontSz" fact="0.1"/>
+            <dgm:constr type="lMarg" refType="primFontSz" fact="0.1"/>
+            <dgm:constr type="rMarg" refType="primFontSz" fact="0.1"/>
+            <dgm:constr type="primFontSz" val="65"/>
+          </dgm:constrLst>
+          <dgm:ruleLst>
+            <dgm:rule type="primFontSz" val="5" fact="NaN" max="NaN"/>
+          </dgm:ruleLst>
+        </dgm:layoutNode>
+      </dgm:if>
+      <dgm:else name="Name85"/>
+    </dgm:choose>
+    <dgm:choose name="Name86">
+      <dgm:if name="Name87" axis="ch" ptType="node" func="cnt" op="gte" val="3">
+        <dgm:layoutNode name="wedge3">
+          <dgm:alg type="sp"/>
+          <dgm:choose name="Name88">
+            <dgm:if name="Name89" axis="ch" ptType="node" func="cnt" op="equ" val="3">
+              <dgm:shape xmlns:r="http://schemas.openxmlformats.org/officeDocument/2006/relationships" type="pie" r:blip="">
+                <dgm:adjLst>
+                  <dgm:adj idx="1" val="150"/>
+                  <dgm:adj idx="2" val="270"/>
+                </dgm:adjLst>
+              </dgm:shape>
+            </dgm:if>
+            <dgm:if name="Name90" axis="ch" ptType="node" func="cnt" op="equ" val="4">
+              <dgm:shape xmlns:r="http://schemas.openxmlformats.org/officeDocument/2006/relationships" type="pie" r:blip="">
+                <dgm:adjLst>
+                  <dgm:adj idx="1" val="90"/>
+                  <dgm:adj idx="2" val="180"/>
+                </dgm:adjLst>
+              </dgm:shape>
+            </dgm:if>
+            <dgm:if name="Name91" axis="ch" ptType="node" func="cnt" op="equ" val="5">
+              <dgm:shape xmlns:r="http://schemas.openxmlformats.org/officeDocument/2006/relationships" type="pie" r:blip="">
+                <dgm:adjLst>
+                  <dgm:adj idx="1" val="54"/>
+                  <dgm:adj idx="2" val="126"/>
+                </dgm:adjLst>
+              </dgm:shape>
+            </dgm:if>
+            <dgm:if name="Name92" axis="ch" ptType="node" func="cnt" op="equ" val="6">
+              <dgm:shape xmlns:r="http://schemas.openxmlformats.org/officeDocument/2006/relationships" type="pie" r:blip="">
+                <dgm:adjLst>
+                  <dgm:adj idx="1" val="30"/>
+                  <dgm:adj idx="2" val="90"/>
+                </dgm:adjLst>
+              </dgm:shape>
+            </dgm:if>
+            <dgm:else name="Name93">
+              <dgm:shape xmlns:r="http://schemas.openxmlformats.org/officeDocument/2006/relationships" type="pie" r:blip="">
+                <dgm:adjLst>
+                  <dgm:adj idx="1" val="12.85714"/>
+                  <dgm:adj idx="2" val="64.28571"/>
+                </dgm:adjLst>
+              </dgm:shape>
+            </dgm:else>
+          </dgm:choose>
+          <dgm:choose name="Name94">
+            <dgm:if name="Name95" func="var" arg="dir" op="equ" val="norm">
+              <dgm:presOf axis="ch desOrSelf" ptType="node node" st="3 1" cnt="1 0"/>
+            </dgm:if>
+            <dgm:else name="Name96">
+              <dgm:choose name="Name97">
+                <dgm:if name="Name98" axis="ch" ptType="node" func="cnt" op="equ" val="3">
+                  <dgm:presOf axis="ch desOrSelf" ptType="node node" st="1 1" cnt="1 0"/>
+                </dgm:if>
+                <dgm:if name="Name99" axis="ch" ptType="node" func="cnt" op="equ" val="4">
+                  <dgm:presOf axis="ch desOrSelf" ptType="node node" st="2 1" cnt="1 0"/>
+                </dgm:if>
+                <dgm:if name="Name100" axis="ch" ptType="node" func="cnt" op="equ" val="5">
+                  <dgm:presOf axis="ch desOrSelf" ptType="node node" st="3 1" cnt="1 0"/>
+                </dgm:if>
+                <dgm:if name="Name101" axis="ch" ptType="node" func="cnt" op="equ" val="6">
+                  <dgm:presOf axis="ch desOrSelf" ptType="node node" st="4 1" cnt="1 0"/>
+                </dgm:if>
+                <dgm:else name="Name102">
+                  <dgm:presOf axis="ch desOrSelf" ptType="node node" st="5 1" cnt="1 0"/>
+                </dgm:else>
+              </dgm:choose>
+            </dgm:else>
+          </dgm:choose>
+          <dgm:constrLst/>
+          <dgm:ruleLst/>
+        </dgm:layoutNode>
+        <dgm:layoutNode name="wedge3Tx" moveWith="wedge3">
+          <dgm:varLst>
+            <dgm:chMax val="0"/>
+            <dgm:chPref val="0"/>
+            <dgm:bulletEnabled val="1"/>
+          </dgm:varLst>
+          <dgm:alg type="tx"/>
+          <dgm:shape xmlns:r="http://schemas.openxmlformats.org/officeDocument/2006/relationships" type="rect" r:blip="" hideGeom="1">
+            <dgm:adjLst/>
+          </dgm:shape>
+          <dgm:choose name="Name103">
+            <dgm:if name="Name104" func="var" arg="dir" op="equ" val="norm">
+              <dgm:presOf axis="ch desOrSelf" ptType="node node" st="3 1" cnt="1 0"/>
+            </dgm:if>
+            <dgm:else name="Name105">
+              <dgm:choose name="Name106">
+                <dgm:if name="Name107" axis="ch" ptType="node" func="cnt" op="equ" val="3">
+                  <dgm:presOf axis="ch desOrSelf" ptType="node node" st="1 1" cnt="1 0"/>
+                </dgm:if>
+                <dgm:if name="Name108" axis="ch" ptType="node" func="cnt" op="equ" val="4">
+                  <dgm:presOf axis="ch desOrSelf" ptType="node node" st="2 1" cnt="1 0"/>
+                </dgm:if>
+                <dgm:if name="Name109" axis="ch" ptType="node" func="cnt" op="equ" val="5">
+                  <dgm:presOf axis="ch desOrSelf" ptType="node node" st="3 1" cnt="1 0"/>
+                </dgm:if>
+                <dgm:if name="Name110" axis="ch" ptType="node" func="cnt" op="equ" val="6">
+                  <dgm:presOf axis="ch desOrSelf" ptType="node node" st="4 1" cnt="1 0"/>
+                </dgm:if>
+                <dgm:else name="Name111">
+                  <dgm:presOf axis="ch desOrSelf" ptType="node node" st="5 1" cnt="1 0"/>
+                </dgm:else>
+              </dgm:choose>
+            </dgm:else>
+          </dgm:choose>
+          <dgm:constrLst>
+            <dgm:constr type="tMarg" refType="primFontSz" fact="0.1"/>
+            <dgm:constr type="bMarg" refType="primFontSz" fact="0.1"/>
+            <dgm:constr type="lMarg" refType="primFontSz" fact="0.1"/>
+            <dgm:constr type="rMarg" refType="primFontSz" fact="0.1"/>
+            <dgm:constr type="primFontSz" val="65"/>
+          </dgm:constrLst>
+          <dgm:ruleLst>
+            <dgm:rule type="primFontSz" val="5" fact="NaN" max="NaN"/>
+          </dgm:ruleLst>
+        </dgm:layoutNode>
+      </dgm:if>
+      <dgm:else name="Name112"/>
+    </dgm:choose>
+    <dgm:choose name="Name113">
+      <dgm:if name="Name114" axis="ch" ptType="node" func="cnt" op="gte" val="4">
+        <dgm:layoutNode name="wedge4">
+          <dgm:alg type="sp"/>
+          <dgm:choose name="Name115">
+            <dgm:if name="Name116" axis="ch" ptType="node" func="cnt" op="equ" val="4">
+              <dgm:shape xmlns:r="http://schemas.openxmlformats.org/officeDocument/2006/relationships" type="pie" r:blip="">
+                <dgm:adjLst>
+                  <dgm:adj idx="1" val="180"/>
+                  <dgm:adj idx="2" val="270"/>
+                </dgm:adjLst>
+              </dgm:shape>
+            </dgm:if>
+            <dgm:if name="Name117" axis="ch" ptType="node" func="cnt" op="equ" val="5">
+              <dgm:shape xmlns:r="http://schemas.openxmlformats.org/officeDocument/2006/relationships" type="pie" r:blip="">
+                <dgm:adjLst>
+                  <dgm:adj idx="1" val="126"/>
+                  <dgm:adj idx="2" val="198"/>
+                </dgm:adjLst>
+              </dgm:shape>
+            </dgm:if>
+            <dgm:if name="Name118" axis="ch" ptType="node" func="cnt" op="equ" val="6">
+              <dgm:shape xmlns:r="http://schemas.openxmlformats.org/officeDocument/2006/relationships" type="pie" r:blip="">
+                <dgm:adjLst>
+                  <dgm:adj idx="1" val="90"/>
+                  <dgm:adj idx="2" val="150"/>
+                </dgm:adjLst>
+              </dgm:shape>
+            </dgm:if>
+            <dgm:else name="Name119">
+              <dgm:shape xmlns:r="http://schemas.openxmlformats.org/officeDocument/2006/relationships" type="pie" r:blip="">
+                <dgm:adjLst>
+                  <dgm:adj idx="1" val="64.2871"/>
+                  <dgm:adj idx="2" val="115.7143"/>
+                </dgm:adjLst>
+              </dgm:shape>
+            </dgm:else>
+          </dgm:choose>
+          <dgm:choose name="Name120">
+            <dgm:if name="Name121" func="var" arg="dir" op="equ" val="norm">
+              <dgm:presOf axis="ch desOrSelf" ptType="node node" st="4 1" cnt="1 0"/>
+            </dgm:if>
+            <dgm:else name="Name122">
+              <dgm:choose name="Name123">
+                <dgm:if name="Name124" axis="ch" ptType="node" func="cnt" op="equ" val="4">
+                  <dgm:presOf axis="ch desOrSelf" ptType="node node" st="1 1" cnt="1 0"/>
+                </dgm:if>
+                <dgm:if name="Name125" axis="ch" ptType="node" func="cnt" op="equ" val="5">
+                  <dgm:presOf axis="ch desOrSelf" ptType="node node" st="2 1" cnt="1 0"/>
+                </dgm:if>
+                <dgm:if name="Name126" axis="ch" ptType="node" func="cnt" op="equ" val="6">
+                  <dgm:presOf axis="ch desOrSelf" ptType="node node" st="3 1" cnt="1 0"/>
+                </dgm:if>
+                <dgm:else name="Name127">
+                  <dgm:presOf axis="ch desOrSelf" ptType="node node" st="4 1" cnt="1 0"/>
+                </dgm:else>
+              </dgm:choose>
+            </dgm:else>
+          </dgm:choose>
+          <dgm:constrLst/>
+          <dgm:ruleLst/>
+        </dgm:layoutNode>
+        <dgm:layoutNode name="wedge4Tx" moveWith="wedge4">
+          <dgm:varLst>
+            <dgm:chMax val="0"/>
+            <dgm:chPref val="0"/>
+            <dgm:bulletEnabled val="1"/>
+          </dgm:varLst>
+          <dgm:alg type="tx"/>
+          <dgm:shape xmlns:r="http://schemas.openxmlformats.org/officeDocument/2006/relationships" type="rect" r:blip="" hideGeom="1">
+            <dgm:adjLst/>
+          </dgm:shape>
+          <dgm:choose name="Name128">
+            <dgm:if name="Name129" func="var" arg="dir" op="equ" val="norm">
+              <dgm:presOf axis="ch desOrSelf" ptType="node node" st="4 1" cnt="1 0"/>
+            </dgm:if>
+            <dgm:else name="Name130">
+              <dgm:choose name="Name131">
+                <dgm:if name="Name132" axis="ch" ptType="node" func="cnt" op="equ" val="4">
+                  <dgm:presOf axis="ch desOrSelf" ptType="node node" st="1 1" cnt="1 0"/>
+                </dgm:if>
+                <dgm:if name="Name133" axis="ch" ptType="node" func="cnt" op="equ" val="5">
+                  <dgm:presOf axis="ch desOrSelf" ptType="node node" st="2 1" cnt="1 0"/>
+                </dgm:if>
+                <dgm:if name="Name134" axis="ch" ptType="node" func="cnt" op="equ" val="6">
+                  <dgm:presOf axis="ch desOrSelf" ptType="node node" st="3 1" cnt="1 0"/>
+                </dgm:if>
+                <dgm:else name="Name135">
+                  <dgm:presOf axis="ch desOrSelf" ptType="node node" st="4 1" cnt="1 0"/>
+                </dgm:else>
+              </dgm:choose>
+            </dgm:else>
+          </dgm:choose>
+          <dgm:constrLst>
+            <dgm:constr type="tMarg" refType="primFontSz" fact="0.1"/>
+            <dgm:constr type="bMarg" refType="primFontSz" fact="0.1"/>
+            <dgm:constr type="lMarg" refType="primFontSz" fact="0.1"/>
+            <dgm:constr type="rMarg" refType="primFontSz" fact="0.1"/>
+            <dgm:constr type="primFontSz" val="65"/>
+          </dgm:constrLst>
+          <dgm:ruleLst>
+            <dgm:rule type="primFontSz" val="5" fact="NaN" max="NaN"/>
+          </dgm:ruleLst>
+        </dgm:layoutNode>
+      </dgm:if>
+      <dgm:else name="Name136"/>
+    </dgm:choose>
+    <dgm:choose name="Name137">
+      <dgm:if name="Name138" axis="ch" ptType="node" func="cnt" op="gte" val="5">
+        <dgm:layoutNode name="wedge5">
+          <dgm:alg type="sp"/>
+          <dgm:choose name="Name139">
+            <dgm:if name="Name140" axis="ch" ptType="node" func="cnt" op="equ" val="5">
+              <dgm:shape xmlns:r="http://schemas.openxmlformats.org/officeDocument/2006/relationships" type="pie" r:blip="">
+                <dgm:adjLst>
+                  <dgm:adj idx="1" val="198"/>
+                  <dgm:adj idx="2" val="270"/>
+                </dgm:adjLst>
+              </dgm:shape>
+            </dgm:if>
+            <dgm:if name="Name141" axis="ch" ptType="node" func="cnt" op="equ" val="6">
+              <dgm:shape xmlns:r="http://schemas.openxmlformats.org/officeDocument/2006/relationships" type="pie" r:blip="">
+                <dgm:adjLst>
+                  <dgm:adj idx="1" val="150"/>
+                  <dgm:adj idx="2" val="210"/>
+                </dgm:adjLst>
+              </dgm:shape>
+            </dgm:if>
+            <dgm:else name="Name142">
+              <dgm:shape xmlns:r="http://schemas.openxmlformats.org/officeDocument/2006/relationships" type="pie" r:blip="">
+                <dgm:adjLst>
+                  <dgm:adj idx="1" val="115.7143"/>
+                  <dgm:adj idx="2" val="167.1429"/>
+                </dgm:adjLst>
+              </dgm:shape>
+            </dgm:else>
+          </dgm:choose>
+          <dgm:choose name="Name143">
+            <dgm:if name="Name144" func="var" arg="dir" op="equ" val="norm">
+              <dgm:presOf axis="ch desOrSelf" ptType="node node" st="5 1" cnt="1 0"/>
+            </dgm:if>
+            <dgm:else name="Name145">
+              <dgm:choose name="Name146">
+                <dgm:if name="Name147" axis="ch" ptType="node" func="cnt" op="equ" val="5">
+                  <dgm:presOf axis="ch desOrSelf" ptType="node node" st="1 1" cnt="1 0"/>
+                </dgm:if>
+                <dgm:if name="Name148" axis="ch" ptType="node" func="cnt" op="equ" val="6">
+                  <dgm:presOf axis="ch desOrSelf" ptType="node node" st="2 1" cnt="1 0"/>
+                </dgm:if>
+                <dgm:else name="Name149">
+                  <dgm:presOf axis="ch desOrSelf" ptType="node node" st="3 1" cnt="1 0"/>
+                </dgm:else>
+              </dgm:choose>
+            </dgm:else>
+          </dgm:choose>
+          <dgm:constrLst/>
+          <dgm:ruleLst/>
+        </dgm:layoutNode>
+        <dgm:layoutNode name="wedge5Tx" moveWith="wedge5">
+          <dgm:varLst>
+            <dgm:chMax val="0"/>
+            <dgm:chPref val="0"/>
+            <dgm:bulletEnabled val="1"/>
+          </dgm:varLst>
+          <dgm:alg type="tx"/>
+          <dgm:shape xmlns:r="http://schemas.openxmlformats.org/officeDocument/2006/relationships" type="rect" r:blip="" hideGeom="1">
+            <dgm:adjLst/>
+          </dgm:shape>
+          <dgm:choose name="Name150">
+            <dgm:if name="Name151" func="var" arg="dir" op="equ" val="norm">
+              <dgm:presOf axis="ch desOrSelf" ptType="node node" st="5 1" cnt="1 0"/>
+            </dgm:if>
+            <dgm:else name="Name152">
+              <dgm:choose name="Name153">
+                <dgm:if name="Name154" axis="ch" ptType="node" func="cnt" op="equ" val="5">
+                  <dgm:presOf axis="ch desOrSelf" ptType="node node" st="1 1" cnt="1 0"/>
+                </dgm:if>
+                <dgm:if name="Name155" axis="ch" ptType="node" func="cnt" op="equ" val="6">
+                  <dgm:presOf axis="ch desOrSelf" ptType="node node" st="2 1" cnt="1 0"/>
+                </dgm:if>
+                <dgm:else name="Name156">
+                  <dgm:presOf axis="ch desOrSelf" ptType="node node" st="3 1" cnt="1 0"/>
+                </dgm:else>
+              </dgm:choose>
+            </dgm:else>
+          </dgm:choose>
+          <dgm:constrLst>
+            <dgm:constr type="tMarg" refType="primFontSz" fact="0.1"/>
+            <dgm:constr type="bMarg" refType="primFontSz" fact="0.1"/>
+            <dgm:constr type="lMarg" refType="primFontSz" fact="0.1"/>
+            <dgm:constr type="rMarg" refType="primFontSz" fact="0.1"/>
+            <dgm:constr type="primFontSz" val="65"/>
+          </dgm:constrLst>
+          <dgm:ruleLst>
+            <dgm:rule type="primFontSz" val="5" fact="NaN" max="NaN"/>
+          </dgm:ruleLst>
+        </dgm:layoutNode>
+      </dgm:if>
+      <dgm:else name="Name157"/>
+    </dgm:choose>
+    <dgm:choose name="Name158">
+      <dgm:if name="Name159" axis="ch" ptType="node" func="cnt" op="gte" val="6">
+        <dgm:layoutNode name="wedge6">
+          <dgm:alg type="sp"/>
+          <dgm:choose name="Name160">
+            <dgm:if name="Name161" axis="ch" ptType="node" func="cnt" op="equ" val="6">
+              <dgm:shape xmlns:r="http://schemas.openxmlformats.org/officeDocument/2006/relationships" type="pie" r:blip="">
+                <dgm:adjLst>
+                  <dgm:adj idx="1" val="210"/>
+                  <dgm:adj idx="2" val="270"/>
+                </dgm:adjLst>
+              </dgm:shape>
+            </dgm:if>
+            <dgm:else name="Name162">
+              <dgm:shape xmlns:r="http://schemas.openxmlformats.org/officeDocument/2006/relationships" type="pie" r:blip="">
+                <dgm:adjLst>
+                  <dgm:adj idx="1" val="167.1429"/>
+                  <dgm:adj idx="2" val="218.5714"/>
+                </dgm:adjLst>
+              </dgm:shape>
+            </dgm:else>
+          </dgm:choose>
+          <dgm:choose name="Name163">
+            <dgm:if name="Name164" func="var" arg="dir" op="equ" val="norm">
+              <dgm:presOf axis="ch desOrSelf" ptType="node node" st="6 1" cnt="1 0"/>
+            </dgm:if>
+            <dgm:else name="Name165">
+              <dgm:choose name="Name166">
+                <dgm:if name="Name167" axis="ch" ptType="node" func="cnt" op="equ" val="6">
+                  <dgm:presOf axis="ch desOrSelf" ptType="node node" st="1 1" cnt="1 0"/>
+                </dgm:if>
+                <dgm:else name="Name168">
+                  <dgm:presOf axis="ch desOrSelf" ptType="node node" st="2 1" cnt="1 0"/>
+                </dgm:else>
+              </dgm:choose>
+            </dgm:else>
+          </dgm:choose>
+          <dgm:constrLst/>
+          <dgm:ruleLst/>
+        </dgm:layoutNode>
+        <dgm:layoutNode name="wedge6Tx" moveWith="wedge6">
+          <dgm:varLst>
+            <dgm:chMax val="0"/>
+            <dgm:chPref val="0"/>
+            <dgm:bulletEnabled val="1"/>
+          </dgm:varLst>
+          <dgm:alg type="tx"/>
+          <dgm:shape xmlns:r="http://schemas.openxmlformats.org/officeDocument/2006/relationships" type="rect" r:blip="" hideGeom="1">
+            <dgm:adjLst/>
+          </dgm:shape>
+          <dgm:choose name="Name169">
+            <dgm:if name="Name170" func="var" arg="dir" op="equ" val="norm">
+              <dgm:presOf axis="ch desOrSelf" ptType="node node" st="6 1" cnt="1 0"/>
+            </dgm:if>
+            <dgm:else name="Name171">
+              <dgm:choose name="Name172">
+                <dgm:if name="Name173" axis="ch" ptType="node" func="cnt" op="equ" val="6">
+                  <dgm:presOf axis="ch desOrSelf" ptType="node node" st="1 1" cnt="1 0"/>
+                </dgm:if>
+                <dgm:else name="Name174">
+                  <dgm:presOf axis="ch desOrSelf" ptType="node node" st="2 1" cnt="1 0"/>
+                </dgm:else>
+              </dgm:choose>
+            </dgm:else>
+          </dgm:choose>
+          <dgm:constrLst>
+            <dgm:constr type="tMarg" refType="primFontSz" fact="0.1"/>
+            <dgm:constr type="bMarg" refType="primFontSz" fact="0.1"/>
+            <dgm:constr type="lMarg" refType="primFontSz" fact="0.1"/>
+            <dgm:constr type="rMarg" refType="primFontSz" fact="0.1"/>
+            <dgm:constr type="primFontSz" val="65"/>
+          </dgm:constrLst>
+          <dgm:ruleLst>
+            <dgm:rule type="primFontSz" val="5" fact="NaN" max="NaN"/>
+          </dgm:ruleLst>
+        </dgm:layoutNode>
+      </dgm:if>
+      <dgm:else name="Name175"/>
+    </dgm:choose>
+    <dgm:choose name="Name176">
+      <dgm:if name="Name177" axis="ch" ptType="node" func="cnt" op="gte" val="7">
+        <dgm:layoutNode name="wedge7">
+          <dgm:alg type="sp"/>
+          <dgm:shape xmlns:r="http://schemas.openxmlformats.org/officeDocument/2006/relationships" type="pie" r:blip="">
+            <dgm:adjLst>
+              <dgm:adj idx="1" val="218.5714"/>
+              <dgm:adj idx="2" val="270"/>
+            </dgm:adjLst>
+          </dgm:shape>
+          <dgm:choose name="Name178">
+            <dgm:if name="Name179" func="var" arg="dir" op="equ" val="norm">
+              <dgm:presOf axis="ch desOrSelf" ptType="node node" st="7 1" cnt="1 0"/>
+            </dgm:if>
+            <dgm:else name="Name180">
+              <dgm:presOf axis="ch desOrSelf" ptType="node node" st="1 1" cnt="1 0"/>
+            </dgm:else>
+          </dgm:choose>
+          <dgm:constrLst/>
+          <dgm:ruleLst/>
+        </dgm:layoutNode>
+        <dgm:layoutNode name="wedge7Tx" moveWith="wedge7">
+          <dgm:varLst>
+            <dgm:chMax val="0"/>
+            <dgm:chPref val="0"/>
+            <dgm:bulletEnabled val="1"/>
+          </dgm:varLst>
+          <dgm:alg type="tx"/>
+          <dgm:shape xmlns:r="http://schemas.openxmlformats.org/officeDocument/2006/relationships" type="rect" r:blip="" hideGeom="1">
+            <dgm:adjLst/>
+          </dgm:shape>
+          <dgm:choose name="Name181">
+            <dgm:if name="Name182" func="var" arg="dir" op="equ" val="norm">
+              <dgm:presOf axis="ch desOrSelf" ptType="node node" st="7 1" cnt="1 0"/>
+            </dgm:if>
+            <dgm:else name="Name183">
+              <dgm:presOf axis="ch desOrSelf" ptType="node node" st="1 1" cnt="1 0"/>
+            </dgm:else>
+          </dgm:choose>
+          <dgm:constrLst>
+            <dgm:constr type="tMarg" refType="primFontSz" fact="0.1"/>
+            <dgm:constr type="bMarg" refType="primFontSz" fact="0.1"/>
+            <dgm:constr type="lMarg" refType="primFontSz" fact="0.1"/>
+            <dgm:constr type="rMarg" refType="primFontSz" fact="0.1"/>
+            <dgm:constr type="primFontSz" val="65"/>
+          </dgm:constrLst>
+          <dgm:ruleLst>
+            <dgm:rule type="primFontSz" val="5" fact="NaN" max="NaN"/>
+          </dgm:ruleLst>
+        </dgm:layoutNode>
+      </dgm:if>
+      <dgm:else name="Name184"/>
+    </dgm:choose>
+  </dgm:layoutNode>
+</dgm:layoutDef>
+</file>
+
 <file path=ppt/diagrams/quickStyle1.xml><?xml version="1.0" encoding="utf-8"?>
 <dgm:styleDef xmlns:dgm="http://schemas.openxmlformats.org/drawingml/2006/diagram" xmlns:a="http://schemas.openxmlformats.org/drawingml/2006/main" uniqueId="urn:microsoft.com/office/officeart/2005/8/quickstyle/simple1">
   <dgm:title val=""/>
@@ -4550,6 +6959,1040 @@
 </file>
 
 <file path=ppt/diagrams/quickStyle2.xml><?xml version="1.0" encoding="utf-8"?>
+<dgm:styleDef xmlns:dgm="http://schemas.openxmlformats.org/drawingml/2006/diagram" xmlns:a="http://schemas.openxmlformats.org/drawingml/2006/main" uniqueId="urn:microsoft.com/office/officeart/2005/8/quickstyle/simple1">
+  <dgm:title val=""/>
+  <dgm:desc val=""/>
+  <dgm:catLst>
+    <dgm:cat type="simple" pri="10100"/>
+  </dgm:catLst>
+  <dgm:scene3d>
+    <a:camera prst="orthographicFront"/>
+    <a:lightRig rig="threePt" dir="t"/>
+  </dgm:scene3d>
+  <dgm:styleLbl name="node0">
+    <dgm:scene3d>
+      <a:camera prst="orthographicFront"/>
+      <a:lightRig rig="threePt" dir="t"/>
+    </dgm:scene3d>
+    <dgm:sp3d/>
+    <dgm:txPr/>
+    <dgm:style>
+      <a:lnRef idx="2">
+        <a:scrgbClr r="0" g="0" b="0"/>
+      </a:lnRef>
+      <a:fillRef idx="1">
+        <a:scrgbClr r="0" g="0" b="0"/>
+      </a:fillRef>
+      <a:effectRef idx="0">
+        <a:scrgbClr r="0" g="0" b="0"/>
+      </a:effectRef>
+      <a:fontRef idx="minor">
+        <a:schemeClr val="lt1"/>
+      </a:fontRef>
+    </dgm:style>
+  </dgm:styleLbl>
+  <dgm:styleLbl name="lnNode1">
+    <dgm:scene3d>
+      <a:camera prst="orthographicFront"/>
+      <a:lightRig rig="threePt" dir="t"/>
+    </dgm:scene3d>
+    <dgm:sp3d/>
+    <dgm:txPr/>
+    <dgm:style>
+      <a:lnRef idx="2">
+        <a:scrgbClr r="0" g="0" b="0"/>
+      </a:lnRef>
+      <a:fillRef idx="1">
+        <a:scrgbClr r="0" g="0" b="0"/>
+      </a:fillRef>
+      <a:effectRef idx="0">
+        <a:scrgbClr r="0" g="0" b="0"/>
+      </a:effectRef>
+      <a:fontRef idx="minor">
+        <a:schemeClr val="lt1"/>
+      </a:fontRef>
+    </dgm:style>
+  </dgm:styleLbl>
+  <dgm:styleLbl name="vennNode1">
+    <dgm:scene3d>
+      <a:camera prst="orthographicFront"/>
+      <a:lightRig rig="threePt" dir="t"/>
+    </dgm:scene3d>
+    <dgm:sp3d/>
+    <dgm:txPr/>
+    <dgm:style>
+      <a:lnRef idx="2">
+        <a:scrgbClr r="0" g="0" b="0"/>
+      </a:lnRef>
+      <a:fillRef idx="1">
+        <a:scrgbClr r="0" g="0" b="0"/>
+      </a:fillRef>
+      <a:effectRef idx="0">
+        <a:scrgbClr r="0" g="0" b="0"/>
+      </a:effectRef>
+      <a:fontRef idx="minor">
+        <a:schemeClr val="tx1"/>
+      </a:fontRef>
+    </dgm:style>
+  </dgm:styleLbl>
+  <dgm:styleLbl name="alignNode1">
+    <dgm:scene3d>
+      <a:camera prst="orthographicFront"/>
+      <a:lightRig rig="threePt" dir="t"/>
+    </dgm:scene3d>
+    <dgm:sp3d/>
+    <dgm:txPr/>
+    <dgm:style>
+      <a:lnRef idx="2">
+        <a:scrgbClr r="0" g="0" b="0"/>
+      </a:lnRef>
+      <a:fillRef idx="1">
+        <a:scrgbClr r="0" g="0" b="0"/>
+      </a:fillRef>
+      <a:effectRef idx="0">
+        <a:scrgbClr r="0" g="0" b="0"/>
+      </a:effectRef>
+      <a:fontRef idx="minor">
+        <a:schemeClr val="lt1"/>
+      </a:fontRef>
+    </dgm:style>
+  </dgm:styleLbl>
+  <dgm:styleLbl name="node1">
+    <dgm:scene3d>
+      <a:camera prst="orthographicFront"/>
+      <a:lightRig rig="threePt" dir="t"/>
+    </dgm:scene3d>
+    <dgm:sp3d/>
+    <dgm:txPr/>
+    <dgm:style>
+      <a:lnRef idx="2">
+        <a:scrgbClr r="0" g="0" b="0"/>
+      </a:lnRef>
+      <a:fillRef idx="1">
+        <a:scrgbClr r="0" g="0" b="0"/>
+      </a:fillRef>
+      <a:effectRef idx="0">
+        <a:scrgbClr r="0" g="0" b="0"/>
+      </a:effectRef>
+      <a:fontRef idx="minor">
+        <a:schemeClr val="lt1"/>
+      </a:fontRef>
+    </dgm:style>
+  </dgm:styleLbl>
+  <dgm:styleLbl name="node2">
+    <dgm:scene3d>
+      <a:camera prst="orthographicFront"/>
+      <a:lightRig rig="threePt" dir="t"/>
+    </dgm:scene3d>
+    <dgm:sp3d/>
+    <dgm:txPr/>
+    <dgm:style>
+      <a:lnRef idx="2">
+        <a:scrgbClr r="0" g="0" b="0"/>
+      </a:lnRef>
+      <a:fillRef idx="1">
+        <a:scrgbClr r="0" g="0" b="0"/>
+      </a:fillRef>
+      <a:effectRef idx="0">
+        <a:scrgbClr r="0" g="0" b="0"/>
+      </a:effectRef>
+      <a:fontRef idx="minor">
+        <a:schemeClr val="lt1"/>
+      </a:fontRef>
+    </dgm:style>
+  </dgm:styleLbl>
+  <dgm:styleLbl name="node3">
+    <dgm:scene3d>
+      <a:camera prst="orthographicFront"/>
+      <a:lightRig rig="threePt" dir="t"/>
+    </dgm:scene3d>
+    <dgm:sp3d/>
+    <dgm:txPr/>
+    <dgm:style>
+      <a:lnRef idx="2">
+        <a:scrgbClr r="0" g="0" b="0"/>
+      </a:lnRef>
+      <a:fillRef idx="1">
+        <a:scrgbClr r="0" g="0" b="0"/>
+      </a:fillRef>
+      <a:effectRef idx="0">
+        <a:scrgbClr r="0" g="0" b="0"/>
+      </a:effectRef>
+      <a:fontRef idx="minor">
+        <a:schemeClr val="lt1"/>
+      </a:fontRef>
+    </dgm:style>
+  </dgm:styleLbl>
+  <dgm:styleLbl name="node4">
+    <dgm:scene3d>
+      <a:camera prst="orthographicFront"/>
+      <a:lightRig rig="threePt" dir="t"/>
+    </dgm:scene3d>
+    <dgm:sp3d/>
+    <dgm:txPr/>
+    <dgm:style>
+      <a:lnRef idx="2">
+        <a:scrgbClr r="0" g="0" b="0"/>
+      </a:lnRef>
+      <a:fillRef idx="1">
+        <a:scrgbClr r="0" g="0" b="0"/>
+      </a:fillRef>
+      <a:effectRef idx="0">
+        <a:scrgbClr r="0" g="0" b="0"/>
+      </a:effectRef>
+      <a:fontRef idx="minor">
+        <a:schemeClr val="lt1"/>
+      </a:fontRef>
+    </dgm:style>
+  </dgm:styleLbl>
+  <dgm:styleLbl name="fgImgPlace1">
+    <dgm:scene3d>
+      <a:camera prst="orthographicFront"/>
+      <a:lightRig rig="threePt" dir="t"/>
+    </dgm:scene3d>
+    <dgm:sp3d/>
+    <dgm:txPr/>
+    <dgm:style>
+      <a:lnRef idx="2">
+        <a:scrgbClr r="0" g="0" b="0"/>
+      </a:lnRef>
+      <a:fillRef idx="1">
+        <a:scrgbClr r="0" g="0" b="0"/>
+      </a:fillRef>
+      <a:effectRef idx="0">
+        <a:scrgbClr r="0" g="0" b="0"/>
+      </a:effectRef>
+      <a:fontRef idx="minor"/>
+    </dgm:style>
+  </dgm:styleLbl>
+  <dgm:styleLbl name="alignImgPlace1">
+    <dgm:scene3d>
+      <a:camera prst="orthographicFront"/>
+      <a:lightRig rig="threePt" dir="t"/>
+    </dgm:scene3d>
+    <dgm:sp3d/>
+    <dgm:txPr/>
+    <dgm:style>
+      <a:lnRef idx="2">
+        <a:scrgbClr r="0" g="0" b="0"/>
+      </a:lnRef>
+      <a:fillRef idx="1">
+        <a:scrgbClr r="0" g="0" b="0"/>
+      </a:fillRef>
+      <a:effectRef idx="0">
+        <a:scrgbClr r="0" g="0" b="0"/>
+      </a:effectRef>
+      <a:fontRef idx="minor"/>
+    </dgm:style>
+  </dgm:styleLbl>
+  <dgm:styleLbl name="bgImgPlace1">
+    <dgm:scene3d>
+      <a:camera prst="orthographicFront"/>
+      <a:lightRig rig="threePt" dir="t"/>
+    </dgm:scene3d>
+    <dgm:sp3d/>
+    <dgm:txPr/>
+    <dgm:style>
+      <a:lnRef idx="2">
+        <a:scrgbClr r="0" g="0" b="0"/>
+      </a:lnRef>
+      <a:fillRef idx="1">
+        <a:scrgbClr r="0" g="0" b="0"/>
+      </a:fillRef>
+      <a:effectRef idx="0">
+        <a:scrgbClr r="0" g="0" b="0"/>
+      </a:effectRef>
+      <a:fontRef idx="minor"/>
+    </dgm:style>
+  </dgm:styleLbl>
+  <dgm:styleLbl name="sibTrans2D1">
+    <dgm:scene3d>
+      <a:camera prst="orthographicFront"/>
+      <a:lightRig rig="threePt" dir="t"/>
+    </dgm:scene3d>
+    <dgm:sp3d/>
+    <dgm:txPr/>
+    <dgm:style>
+      <a:lnRef idx="0">
+        <a:scrgbClr r="0" g="0" b="0"/>
+      </a:lnRef>
+      <a:fillRef idx="1">
+        <a:scrgbClr r="0" g="0" b="0"/>
+      </a:fillRef>
+      <a:effectRef idx="0">
+        <a:scrgbClr r="0" g="0" b="0"/>
+      </a:effectRef>
+      <a:fontRef idx="minor">
+        <a:schemeClr val="lt1"/>
+      </a:fontRef>
+    </dgm:style>
+  </dgm:styleLbl>
+  <dgm:styleLbl name="fgSibTrans2D1">
+    <dgm:scene3d>
+      <a:camera prst="orthographicFront"/>
+      <a:lightRig rig="threePt" dir="t"/>
+    </dgm:scene3d>
+    <dgm:sp3d/>
+    <dgm:txPr/>
+    <dgm:style>
+      <a:lnRef idx="0">
+        <a:scrgbClr r="0" g="0" b="0"/>
+      </a:lnRef>
+      <a:fillRef idx="1">
+        <a:scrgbClr r="0" g="0" b="0"/>
+      </a:fillRef>
+      <a:effectRef idx="0">
+        <a:scrgbClr r="0" g="0" b="0"/>
+      </a:effectRef>
+      <a:fontRef idx="minor">
+        <a:schemeClr val="lt1"/>
+      </a:fontRef>
+    </dgm:style>
+  </dgm:styleLbl>
+  <dgm:styleLbl name="bgSibTrans2D1">
+    <dgm:scene3d>
+      <a:camera prst="orthographicFront"/>
+      <a:lightRig rig="threePt" dir="t"/>
+    </dgm:scene3d>
+    <dgm:sp3d/>
+    <dgm:txPr/>
+    <dgm:style>
+      <a:lnRef idx="0">
+        <a:scrgbClr r="0" g="0" b="0"/>
+      </a:lnRef>
+      <a:fillRef idx="1">
+        <a:scrgbClr r="0" g="0" b="0"/>
+      </a:fillRef>
+      <a:effectRef idx="0">
+        <a:scrgbClr r="0" g="0" b="0"/>
+      </a:effectRef>
+      <a:fontRef idx="minor">
+        <a:schemeClr val="lt1"/>
+      </a:fontRef>
+    </dgm:style>
+  </dgm:styleLbl>
+  <dgm:styleLbl name="sibTrans1D1">
+    <dgm:scene3d>
+      <a:camera prst="orthographicFront"/>
+      <a:lightRig rig="threePt" dir="t"/>
+    </dgm:scene3d>
+    <dgm:sp3d/>
+    <dgm:txPr/>
+    <dgm:style>
+      <a:lnRef idx="1">
+        <a:scrgbClr r="0" g="0" b="0"/>
+      </a:lnRef>
+      <a:fillRef idx="0">
+        <a:scrgbClr r="0" g="0" b="0"/>
+      </a:fillRef>
+      <a:effectRef idx="0">
+        <a:scrgbClr r="0" g="0" b="0"/>
+      </a:effectRef>
+      <a:fontRef idx="minor"/>
+    </dgm:style>
+  </dgm:styleLbl>
+  <dgm:styleLbl name="callout">
+    <dgm:scene3d>
+      <a:camera prst="orthographicFront"/>
+      <a:lightRig rig="threePt" dir="t"/>
+    </dgm:scene3d>
+    <dgm:sp3d/>
+    <dgm:txPr/>
+    <dgm:style>
+      <a:lnRef idx="2">
+        <a:scrgbClr r="0" g="0" b="0"/>
+      </a:lnRef>
+      <a:fillRef idx="1">
+        <a:scrgbClr r="0" g="0" b="0"/>
+      </a:fillRef>
+      <a:effectRef idx="0">
+        <a:scrgbClr r="0" g="0" b="0"/>
+      </a:effectRef>
+      <a:fontRef idx="minor"/>
+    </dgm:style>
+  </dgm:styleLbl>
+  <dgm:styleLbl name="asst0">
+    <dgm:scene3d>
+      <a:camera prst="orthographicFront"/>
+      <a:lightRig rig="threePt" dir="t"/>
+    </dgm:scene3d>
+    <dgm:sp3d/>
+    <dgm:txPr/>
+    <dgm:style>
+      <a:lnRef idx="2">
+        <a:scrgbClr r="0" g="0" b="0"/>
+      </a:lnRef>
+      <a:fillRef idx="1">
+        <a:scrgbClr r="0" g="0" b="0"/>
+      </a:fillRef>
+      <a:effectRef idx="0">
+        <a:scrgbClr r="0" g="0" b="0"/>
+      </a:effectRef>
+      <a:fontRef idx="minor">
+        <a:schemeClr val="lt1"/>
+      </a:fontRef>
+    </dgm:style>
+  </dgm:styleLbl>
+  <dgm:styleLbl name="asst1">
+    <dgm:scene3d>
+      <a:camera prst="orthographicFront"/>
+      <a:lightRig rig="threePt" dir="t"/>
+    </dgm:scene3d>
+    <dgm:sp3d/>
+    <dgm:txPr/>
+    <dgm:style>
+      <a:lnRef idx="2">
+        <a:scrgbClr r="0" g="0" b="0"/>
+      </a:lnRef>
+      <a:fillRef idx="1">
+        <a:scrgbClr r="0" g="0" b="0"/>
+      </a:fillRef>
+      <a:effectRef idx="0">
+        <a:scrgbClr r="0" g="0" b="0"/>
+      </a:effectRef>
+      <a:fontRef idx="minor">
+        <a:schemeClr val="lt1"/>
+      </a:fontRef>
+    </dgm:style>
+  </dgm:styleLbl>
+  <dgm:styleLbl name="asst2">
+    <dgm:scene3d>
+      <a:camera prst="orthographicFront"/>
+      <a:lightRig rig="threePt" dir="t"/>
+    </dgm:scene3d>
+    <dgm:sp3d/>
+    <dgm:txPr/>
+    <dgm:style>
+      <a:lnRef idx="2">
+        <a:scrgbClr r="0" g="0" b="0"/>
+      </a:lnRef>
+      <a:fillRef idx="1">
+        <a:scrgbClr r="0" g="0" b="0"/>
+      </a:fillRef>
+      <a:effectRef idx="0">
+        <a:scrgbClr r="0" g="0" b="0"/>
+      </a:effectRef>
+      <a:fontRef idx="minor">
+        <a:schemeClr val="lt1"/>
+      </a:fontRef>
+    </dgm:style>
+  </dgm:styleLbl>
+  <dgm:styleLbl name="asst3">
+    <dgm:scene3d>
+      <a:camera prst="orthographicFront"/>
+      <a:lightRig rig="threePt" dir="t"/>
+    </dgm:scene3d>
+    <dgm:sp3d/>
+    <dgm:txPr/>
+    <dgm:style>
+      <a:lnRef idx="2">
+        <a:scrgbClr r="0" g="0" b="0"/>
+      </a:lnRef>
+      <a:fillRef idx="1">
+        <a:scrgbClr r="0" g="0" b="0"/>
+      </a:fillRef>
+      <a:effectRef idx="0">
+        <a:scrgbClr r="0" g="0" b="0"/>
+      </a:effectRef>
+      <a:fontRef idx="minor">
+        <a:schemeClr val="lt1"/>
+      </a:fontRef>
+    </dgm:style>
+  </dgm:styleLbl>
+  <dgm:styleLbl name="asst4">
+    <dgm:scene3d>
+      <a:camera prst="orthographicFront"/>
+      <a:lightRig rig="threePt" dir="t"/>
+    </dgm:scene3d>
+    <dgm:sp3d/>
+    <dgm:txPr/>
+    <dgm:style>
+      <a:lnRef idx="2">
+        <a:scrgbClr r="0" g="0" b="0"/>
+      </a:lnRef>
+      <a:fillRef idx="1">
+        <a:scrgbClr r="0" g="0" b="0"/>
+      </a:fillRef>
+      <a:effectRef idx="0">
+        <a:scrgbClr r="0" g="0" b="0"/>
+      </a:effectRef>
+      <a:fontRef idx="minor">
+        <a:schemeClr val="lt1"/>
+      </a:fontRef>
+    </dgm:style>
+  </dgm:styleLbl>
+  <dgm:styleLbl name="parChTrans2D1">
+    <dgm:scene3d>
+      <a:camera prst="orthographicFront"/>
+      <a:lightRig rig="threePt" dir="t"/>
+    </dgm:scene3d>
+    <dgm:sp3d/>
+    <dgm:txPr/>
+    <dgm:style>
+      <a:lnRef idx="2">
+        <a:scrgbClr r="0" g="0" b="0"/>
+      </a:lnRef>
+      <a:fillRef idx="1">
+        <a:scrgbClr r="0" g="0" b="0"/>
+      </a:fillRef>
+      <a:effectRef idx="0">
+        <a:scrgbClr r="0" g="0" b="0"/>
+      </a:effectRef>
+      <a:fontRef idx="minor">
+        <a:schemeClr val="lt1"/>
+      </a:fontRef>
+    </dgm:style>
+  </dgm:styleLbl>
+  <dgm:styleLbl name="parChTrans2D2">
+    <dgm:scene3d>
+      <a:camera prst="orthographicFront"/>
+      <a:lightRig rig="threePt" dir="t"/>
+    </dgm:scene3d>
+    <dgm:sp3d/>
+    <dgm:txPr/>
+    <dgm:style>
+      <a:lnRef idx="2">
+        <a:scrgbClr r="0" g="0" b="0"/>
+      </a:lnRef>
+      <a:fillRef idx="1">
+        <a:scrgbClr r="0" g="0" b="0"/>
+      </a:fillRef>
+      <a:effectRef idx="0">
+        <a:scrgbClr r="0" g="0" b="0"/>
+      </a:effectRef>
+      <a:fontRef idx="minor">
+        <a:schemeClr val="lt1"/>
+      </a:fontRef>
+    </dgm:style>
+  </dgm:styleLbl>
+  <dgm:styleLbl name="parChTrans2D3">
+    <dgm:scene3d>
+      <a:camera prst="orthographicFront"/>
+      <a:lightRig rig="threePt" dir="t"/>
+    </dgm:scene3d>
+    <dgm:sp3d/>
+    <dgm:txPr/>
+    <dgm:style>
+      <a:lnRef idx="2">
+        <a:scrgbClr r="0" g="0" b="0"/>
+      </a:lnRef>
+      <a:fillRef idx="1">
+        <a:scrgbClr r="0" g="0" b="0"/>
+      </a:fillRef>
+      <a:effectRef idx="0">
+        <a:scrgbClr r="0" g="0" b="0"/>
+      </a:effectRef>
+      <a:fontRef idx="minor">
+        <a:schemeClr val="lt1"/>
+      </a:fontRef>
+    </dgm:style>
+  </dgm:styleLbl>
+  <dgm:styleLbl name="parChTrans2D4">
+    <dgm:scene3d>
+      <a:camera prst="orthographicFront"/>
+      <a:lightRig rig="threePt" dir="t"/>
+    </dgm:scene3d>
+    <dgm:sp3d/>
+    <dgm:txPr/>
+    <dgm:style>
+      <a:lnRef idx="2">
+        <a:scrgbClr r="0" g="0" b="0"/>
+      </a:lnRef>
+      <a:fillRef idx="1">
+        <a:scrgbClr r="0" g="0" b="0"/>
+      </a:fillRef>
+      <a:effectRef idx="0">
+        <a:scrgbClr r="0" g="0" b="0"/>
+      </a:effectRef>
+      <a:fontRef idx="minor">
+        <a:schemeClr val="lt1"/>
+      </a:fontRef>
+    </dgm:style>
+  </dgm:styleLbl>
+  <dgm:styleLbl name="parChTrans1D1">
+    <dgm:scene3d>
+      <a:camera prst="orthographicFront"/>
+      <a:lightRig rig="threePt" dir="t"/>
+    </dgm:scene3d>
+    <dgm:sp3d/>
+    <dgm:txPr/>
+    <dgm:style>
+      <a:lnRef idx="2">
+        <a:scrgbClr r="0" g="0" b="0"/>
+      </a:lnRef>
+      <a:fillRef idx="0">
+        <a:scrgbClr r="0" g="0" b="0"/>
+      </a:fillRef>
+      <a:effectRef idx="0">
+        <a:scrgbClr r="0" g="0" b="0"/>
+      </a:effectRef>
+      <a:fontRef idx="minor"/>
+    </dgm:style>
+  </dgm:styleLbl>
+  <dgm:styleLbl name="parChTrans1D2">
+    <dgm:scene3d>
+      <a:camera prst="orthographicFront"/>
+      <a:lightRig rig="threePt" dir="t"/>
+    </dgm:scene3d>
+    <dgm:sp3d/>
+    <dgm:txPr/>
+    <dgm:style>
+      <a:lnRef idx="2">
+        <a:scrgbClr r="0" g="0" b="0"/>
+      </a:lnRef>
+      <a:fillRef idx="0">
+        <a:scrgbClr r="0" g="0" b="0"/>
+      </a:fillRef>
+      <a:effectRef idx="0">
+        <a:scrgbClr r="0" g="0" b="0"/>
+      </a:effectRef>
+      <a:fontRef idx="minor"/>
+    </dgm:style>
+  </dgm:styleLbl>
+  <dgm:styleLbl name="parChTrans1D3">
+    <dgm:scene3d>
+      <a:camera prst="orthographicFront"/>
+      <a:lightRig rig="threePt" dir="t"/>
+    </dgm:scene3d>
+    <dgm:sp3d/>
+    <dgm:txPr/>
+    <dgm:style>
+      <a:lnRef idx="2">
+        <a:scrgbClr r="0" g="0" b="0"/>
+      </a:lnRef>
+      <a:fillRef idx="0">
+        <a:scrgbClr r="0" g="0" b="0"/>
+      </a:fillRef>
+      <a:effectRef idx="0">
+        <a:scrgbClr r="0" g="0" b="0"/>
+      </a:effectRef>
+      <a:fontRef idx="minor"/>
+    </dgm:style>
+  </dgm:styleLbl>
+  <dgm:styleLbl name="parChTrans1D4">
+    <dgm:scene3d>
+      <a:camera prst="orthographicFront"/>
+      <a:lightRig rig="threePt" dir="t"/>
+    </dgm:scene3d>
+    <dgm:sp3d/>
+    <dgm:txPr/>
+    <dgm:style>
+      <a:lnRef idx="2">
+        <a:scrgbClr r="0" g="0" b="0"/>
+      </a:lnRef>
+      <a:fillRef idx="0">
+        <a:scrgbClr r="0" g="0" b="0"/>
+      </a:fillRef>
+      <a:effectRef idx="0">
+        <a:scrgbClr r="0" g="0" b="0"/>
+      </a:effectRef>
+      <a:fontRef idx="minor"/>
+    </dgm:style>
+  </dgm:styleLbl>
+  <dgm:styleLbl name="fgAcc1">
+    <dgm:scene3d>
+      <a:camera prst="orthographicFront"/>
+      <a:lightRig rig="threePt" dir="t"/>
+    </dgm:scene3d>
+    <dgm:sp3d/>
+    <dgm:txPr/>
+    <dgm:style>
+      <a:lnRef idx="2">
+        <a:scrgbClr r="0" g="0" b="0"/>
+      </a:lnRef>
+      <a:fillRef idx="1">
+        <a:scrgbClr r="0" g="0" b="0"/>
+      </a:fillRef>
+      <a:effectRef idx="0">
+        <a:scrgbClr r="0" g="0" b="0"/>
+      </a:effectRef>
+      <a:fontRef idx="minor"/>
+    </dgm:style>
+  </dgm:styleLbl>
+  <dgm:styleLbl name="conFgAcc1">
+    <dgm:scene3d>
+      <a:camera prst="orthographicFront"/>
+      <a:lightRig rig="threePt" dir="t"/>
+    </dgm:scene3d>
+    <dgm:sp3d/>
+    <dgm:txPr/>
+    <dgm:style>
+      <a:lnRef idx="2">
+        <a:scrgbClr r="0" g="0" b="0"/>
+      </a:lnRef>
+      <a:fillRef idx="1">
+        <a:scrgbClr r="0" g="0" b="0"/>
+      </a:fillRef>
+      <a:effectRef idx="0">
+        <a:scrgbClr r="0" g="0" b="0"/>
+      </a:effectRef>
+      <a:fontRef idx="minor"/>
+    </dgm:style>
+  </dgm:styleLbl>
+  <dgm:styleLbl name="alignAcc1">
+    <dgm:scene3d>
+      <a:camera prst="orthographicFront"/>
+      <a:lightRig rig="threePt" dir="t"/>
+    </dgm:scene3d>
+    <dgm:sp3d/>
+    <dgm:txPr/>
+    <dgm:style>
+      <a:lnRef idx="2">
+        <a:scrgbClr r="0" g="0" b="0"/>
+      </a:lnRef>
+      <a:fillRef idx="1">
+        <a:scrgbClr r="0" g="0" b="0"/>
+      </a:fillRef>
+      <a:effectRef idx="0">
+        <a:scrgbClr r="0" g="0" b="0"/>
+      </a:effectRef>
+      <a:fontRef idx="minor"/>
+    </dgm:style>
+  </dgm:styleLbl>
+  <dgm:styleLbl name="trAlignAcc1">
+    <dgm:scene3d>
+      <a:camera prst="orthographicFront"/>
+      <a:lightRig rig="threePt" dir="t"/>
+    </dgm:scene3d>
+    <dgm:sp3d/>
+    <dgm:txPr/>
+    <dgm:style>
+      <a:lnRef idx="1">
+        <a:scrgbClr r="0" g="0" b="0"/>
+      </a:lnRef>
+      <a:fillRef idx="1">
+        <a:scrgbClr r="0" g="0" b="0"/>
+      </a:fillRef>
+      <a:effectRef idx="0">
+        <a:scrgbClr r="0" g="0" b="0"/>
+      </a:effectRef>
+      <a:fontRef idx="minor"/>
+    </dgm:style>
+  </dgm:styleLbl>
+  <dgm:styleLbl name="bgAcc1">
+    <dgm:scene3d>
+      <a:camera prst="orthographicFront"/>
+      <a:lightRig rig="threePt" dir="t"/>
+    </dgm:scene3d>
+    <dgm:sp3d/>
+    <dgm:txPr/>
+    <dgm:style>
+      <a:lnRef idx="2">
+        <a:scrgbClr r="0" g="0" b="0"/>
+      </a:lnRef>
+      <a:fillRef idx="1">
+        <a:scrgbClr r="0" g="0" b="0"/>
+      </a:fillRef>
+      <a:effectRef idx="0">
+        <a:scrgbClr r="0" g="0" b="0"/>
+      </a:effectRef>
+      <a:fontRef idx="minor"/>
+    </dgm:style>
+  </dgm:styleLbl>
+  <dgm:styleLbl name="solidFgAcc1">
+    <dgm:scene3d>
+      <a:camera prst="orthographicFront"/>
+      <a:lightRig rig="threePt" dir="t"/>
+    </dgm:scene3d>
+    <dgm:sp3d/>
+    <dgm:txPr/>
+    <dgm:style>
+      <a:lnRef idx="2">
+        <a:scrgbClr r="0" g="0" b="0"/>
+      </a:lnRef>
+      <a:fillRef idx="1">
+        <a:scrgbClr r="0" g="0" b="0"/>
+      </a:fillRef>
+      <a:effectRef idx="0">
+        <a:scrgbClr r="0" g="0" b="0"/>
+      </a:effectRef>
+      <a:fontRef idx="minor"/>
+    </dgm:style>
+  </dgm:styleLbl>
+  <dgm:styleLbl name="solidAlignAcc1">
+    <dgm:scene3d>
+      <a:camera prst="orthographicFront"/>
+      <a:lightRig rig="threePt" dir="t"/>
+    </dgm:scene3d>
+    <dgm:sp3d/>
+    <dgm:txPr/>
+    <dgm:style>
+      <a:lnRef idx="2">
+        <a:scrgbClr r="0" g="0" b="0"/>
+      </a:lnRef>
+      <a:fillRef idx="1">
+        <a:scrgbClr r="0" g="0" b="0"/>
+      </a:fillRef>
+      <a:effectRef idx="0">
+        <a:scrgbClr r="0" g="0" b="0"/>
+      </a:effectRef>
+      <a:fontRef idx="minor"/>
+    </dgm:style>
+  </dgm:styleLbl>
+  <dgm:styleLbl name="solidBgAcc1">
+    <dgm:scene3d>
+      <a:camera prst="orthographicFront"/>
+      <a:lightRig rig="threePt" dir="t"/>
+    </dgm:scene3d>
+    <dgm:sp3d/>
+    <dgm:txPr/>
+    <dgm:style>
+      <a:lnRef idx="2">
+        <a:scrgbClr r="0" g="0" b="0"/>
+      </a:lnRef>
+      <a:fillRef idx="1">
+        <a:scrgbClr r="0" g="0" b="0"/>
+      </a:fillRef>
+      <a:effectRef idx="0">
+        <a:scrgbClr r="0" g="0" b="0"/>
+      </a:effectRef>
+      <a:fontRef idx="minor"/>
+    </dgm:style>
+  </dgm:styleLbl>
+  <dgm:styleLbl name="fgAccFollowNode1">
+    <dgm:scene3d>
+      <a:camera prst="orthographicFront"/>
+      <a:lightRig rig="threePt" dir="t"/>
+    </dgm:scene3d>
+    <dgm:sp3d/>
+    <dgm:txPr/>
+    <dgm:style>
+      <a:lnRef idx="2">
+        <a:scrgbClr r="0" g="0" b="0"/>
+      </a:lnRef>
+      <a:fillRef idx="1">
+        <a:scrgbClr r="0" g="0" b="0"/>
+      </a:fillRef>
+      <a:effectRef idx="0">
+        <a:scrgbClr r="0" g="0" b="0"/>
+      </a:effectRef>
+      <a:fontRef idx="minor"/>
+    </dgm:style>
+  </dgm:styleLbl>
+  <dgm:styleLbl name="alignAccFollowNode1">
+    <dgm:scene3d>
+      <a:camera prst="orthographicFront"/>
+      <a:lightRig rig="threePt" dir="t"/>
+    </dgm:scene3d>
+    <dgm:sp3d/>
+    <dgm:txPr/>
+    <dgm:style>
+      <a:lnRef idx="2">
+        <a:scrgbClr r="0" g="0" b="0"/>
+      </a:lnRef>
+      <a:fillRef idx="1">
+        <a:scrgbClr r="0" g="0" b="0"/>
+      </a:fillRef>
+      <a:effectRef idx="0">
+        <a:scrgbClr r="0" g="0" b="0"/>
+      </a:effectRef>
+      <a:fontRef idx="minor"/>
+    </dgm:style>
+  </dgm:styleLbl>
+  <dgm:styleLbl name="bgAccFollowNode1">
+    <dgm:scene3d>
+      <a:camera prst="orthographicFront"/>
+      <a:lightRig rig="threePt" dir="t"/>
+    </dgm:scene3d>
+    <dgm:sp3d/>
+    <dgm:txPr/>
+    <dgm:style>
+      <a:lnRef idx="2">
+        <a:scrgbClr r="0" g="0" b="0"/>
+      </a:lnRef>
+      <a:fillRef idx="1">
+        <a:scrgbClr r="0" g="0" b="0"/>
+      </a:fillRef>
+      <a:effectRef idx="0">
+        <a:scrgbClr r="0" g="0" b="0"/>
+      </a:effectRef>
+      <a:fontRef idx="minor"/>
+    </dgm:style>
+  </dgm:styleLbl>
+  <dgm:styleLbl name="fgAcc0">
+    <dgm:scene3d>
+      <a:camera prst="orthographicFront"/>
+      <a:lightRig rig="threePt" dir="t"/>
+    </dgm:scene3d>
+    <dgm:sp3d/>
+    <dgm:txPr/>
+    <dgm:style>
+      <a:lnRef idx="2">
+        <a:scrgbClr r="0" g="0" b="0"/>
+      </a:lnRef>
+      <a:fillRef idx="1">
+        <a:scrgbClr r="0" g="0" b="0"/>
+      </a:fillRef>
+      <a:effectRef idx="0">
+        <a:scrgbClr r="0" g="0" b="0"/>
+      </a:effectRef>
+      <a:fontRef idx="minor"/>
+    </dgm:style>
+  </dgm:styleLbl>
+  <dgm:styleLbl name="fgAcc2">
+    <dgm:scene3d>
+      <a:camera prst="orthographicFront"/>
+      <a:lightRig rig="threePt" dir="t"/>
+    </dgm:scene3d>
+    <dgm:sp3d/>
+    <dgm:txPr/>
+    <dgm:style>
+      <a:lnRef idx="2">
+        <a:scrgbClr r="0" g="0" b="0"/>
+      </a:lnRef>
+      <a:fillRef idx="1">
+        <a:scrgbClr r="0" g="0" b="0"/>
+      </a:fillRef>
+      <a:effectRef idx="0">
+        <a:scrgbClr r="0" g="0" b="0"/>
+      </a:effectRef>
+      <a:fontRef idx="minor"/>
+    </dgm:style>
+  </dgm:styleLbl>
+  <dgm:styleLbl name="fgAcc3">
+    <dgm:scene3d>
+      <a:camera prst="orthographicFront"/>
+      <a:lightRig rig="threePt" dir="t"/>
+    </dgm:scene3d>
+    <dgm:sp3d/>
+    <dgm:txPr/>
+    <dgm:style>
+      <a:lnRef idx="2">
+        <a:scrgbClr r="0" g="0" b="0"/>
+      </a:lnRef>
+      <a:fillRef idx="1">
+        <a:scrgbClr r="0" g="0" b="0"/>
+      </a:fillRef>
+      <a:effectRef idx="0">
+        <a:scrgbClr r="0" g="0" b="0"/>
+      </a:effectRef>
+      <a:fontRef idx="minor"/>
+    </dgm:style>
+  </dgm:styleLbl>
+  <dgm:styleLbl name="fgAcc4">
+    <dgm:scene3d>
+      <a:camera prst="orthographicFront"/>
+      <a:lightRig rig="threePt" dir="t"/>
+    </dgm:scene3d>
+    <dgm:sp3d/>
+    <dgm:txPr/>
+    <dgm:style>
+      <a:lnRef idx="2">
+        <a:scrgbClr r="0" g="0" b="0"/>
+      </a:lnRef>
+      <a:fillRef idx="1">
+        <a:scrgbClr r="0" g="0" b="0"/>
+      </a:fillRef>
+      <a:effectRef idx="0">
+        <a:scrgbClr r="0" g="0" b="0"/>
+      </a:effectRef>
+      <a:fontRef idx="minor"/>
+    </dgm:style>
+  </dgm:styleLbl>
+  <dgm:styleLbl name="bgShp">
+    <dgm:scene3d>
+      <a:camera prst="orthographicFront"/>
+      <a:lightRig rig="threePt" dir="t"/>
+    </dgm:scene3d>
+    <dgm:sp3d/>
+    <dgm:txPr/>
+    <dgm:style>
+      <a:lnRef idx="0">
+        <a:scrgbClr r="0" g="0" b="0"/>
+      </a:lnRef>
+      <a:fillRef idx="1">
+        <a:scrgbClr r="0" g="0" b="0"/>
+      </a:fillRef>
+      <a:effectRef idx="0">
+        <a:scrgbClr r="0" g="0" b="0"/>
+      </a:effectRef>
+      <a:fontRef idx="minor"/>
+    </dgm:style>
+  </dgm:styleLbl>
+  <dgm:styleLbl name="dkBgShp">
+    <dgm:scene3d>
+      <a:camera prst="orthographicFront"/>
+      <a:lightRig rig="threePt" dir="t"/>
+    </dgm:scene3d>
+    <dgm:sp3d/>
+    <dgm:txPr/>
+    <dgm:style>
+      <a:lnRef idx="0">
+        <a:scrgbClr r="0" g="0" b="0"/>
+      </a:lnRef>
+      <a:fillRef idx="1">
+        <a:scrgbClr r="0" g="0" b="0"/>
+      </a:fillRef>
+      <a:effectRef idx="0">
+        <a:scrgbClr r="0" g="0" b="0"/>
+      </a:effectRef>
+      <a:fontRef idx="minor"/>
+    </dgm:style>
+  </dgm:styleLbl>
+  <dgm:styleLbl name="trBgShp">
+    <dgm:scene3d>
+      <a:camera prst="orthographicFront"/>
+      <a:lightRig rig="threePt" dir="t"/>
+    </dgm:scene3d>
+    <dgm:sp3d/>
+    <dgm:txPr/>
+    <dgm:style>
+      <a:lnRef idx="0">
+        <a:scrgbClr r="0" g="0" b="0"/>
+      </a:lnRef>
+      <a:fillRef idx="1">
+        <a:scrgbClr r="0" g="0" b="0"/>
+      </a:fillRef>
+      <a:effectRef idx="0">
+        <a:scrgbClr r="0" g="0" b="0"/>
+      </a:effectRef>
+      <a:fontRef idx="minor"/>
+    </dgm:style>
+  </dgm:styleLbl>
+  <dgm:styleLbl name="fgShp">
+    <dgm:scene3d>
+      <a:camera prst="orthographicFront"/>
+      <a:lightRig rig="threePt" dir="t"/>
+    </dgm:scene3d>
+    <dgm:sp3d/>
+    <dgm:txPr/>
+    <dgm:style>
+      <a:lnRef idx="2">
+        <a:scrgbClr r="0" g="0" b="0"/>
+      </a:lnRef>
+      <a:fillRef idx="1">
+        <a:scrgbClr r="0" g="0" b="0"/>
+      </a:fillRef>
+      <a:effectRef idx="0">
+        <a:scrgbClr r="0" g="0" b="0"/>
+      </a:effectRef>
+      <a:fontRef idx="minor"/>
+    </dgm:style>
+  </dgm:styleLbl>
+  <dgm:styleLbl name="revTx">
+    <dgm:scene3d>
+      <a:camera prst="orthographicFront"/>
+      <a:lightRig rig="threePt" dir="t"/>
+    </dgm:scene3d>
+    <dgm:sp3d/>
+    <dgm:txPr/>
+    <dgm:style>
+      <a:lnRef idx="0">
+        <a:scrgbClr r="0" g="0" b="0"/>
+      </a:lnRef>
+      <a:fillRef idx="0">
+        <a:scrgbClr r="0" g="0" b="0"/>
+      </a:fillRef>
+      <a:effectRef idx="0">
+        <a:scrgbClr r="0" g="0" b="0"/>
+      </a:effectRef>
+      <a:fontRef idx="minor"/>
+    </dgm:style>
+  </dgm:styleLbl>
+</dgm:styleDef>
+</file>
+
+<file path=ppt/diagrams/quickStyle3.xml><?xml version="1.0" encoding="utf-8"?>
 <dgm:styleDef xmlns:dgm="http://schemas.openxmlformats.org/drawingml/2006/diagram" xmlns:a="http://schemas.openxmlformats.org/drawingml/2006/main" uniqueId="urn:microsoft.com/office/officeart/2005/8/quickstyle/simple1">
   <dgm:title val=""/>
   <dgm:desc val=""/>
@@ -5730,7 +9173,7 @@
           <a:p>
             <a:fld id="{0580F3F0-72E3-429E-A2B0-1A9E939BF784}" type="datetimeFigureOut">
               <a:rPr lang="ko-KR" altLang="en-US" smtClean="0"/>
-              <a:t>2018-07-03</a:t>
+              <a:t>2018-07-15</a:t>
             </a:fld>
             <a:endParaRPr lang="ko-KR" altLang="en-US"/>
           </a:p>
@@ -5928,7 +9371,7 @@
           <a:p>
             <a:fld id="{0580F3F0-72E3-429E-A2B0-1A9E939BF784}" type="datetimeFigureOut">
               <a:rPr lang="ko-KR" altLang="en-US" smtClean="0"/>
-              <a:t>2018-07-03</a:t>
+              <a:t>2018-07-15</a:t>
             </a:fld>
             <a:endParaRPr lang="ko-KR" altLang="en-US"/>
           </a:p>
@@ -6136,7 +9579,7 @@
           <a:p>
             <a:fld id="{0580F3F0-72E3-429E-A2B0-1A9E939BF784}" type="datetimeFigureOut">
               <a:rPr lang="ko-KR" altLang="en-US" smtClean="0"/>
-              <a:t>2018-07-03</a:t>
+              <a:t>2018-07-15</a:t>
             </a:fld>
             <a:endParaRPr lang="ko-KR" altLang="en-US"/>
           </a:p>
@@ -6334,7 +9777,7 @@
           <a:p>
             <a:fld id="{0580F3F0-72E3-429E-A2B0-1A9E939BF784}" type="datetimeFigureOut">
               <a:rPr lang="ko-KR" altLang="en-US" smtClean="0"/>
-              <a:t>2018-07-03</a:t>
+              <a:t>2018-07-15</a:t>
             </a:fld>
             <a:endParaRPr lang="ko-KR" altLang="en-US"/>
           </a:p>
@@ -6609,7 +10052,7 @@
           <a:p>
             <a:fld id="{0580F3F0-72E3-429E-A2B0-1A9E939BF784}" type="datetimeFigureOut">
               <a:rPr lang="ko-KR" altLang="en-US" smtClean="0"/>
-              <a:t>2018-07-03</a:t>
+              <a:t>2018-07-15</a:t>
             </a:fld>
             <a:endParaRPr lang="ko-KR" altLang="en-US"/>
           </a:p>
@@ -6874,7 +10317,7 @@
           <a:p>
             <a:fld id="{0580F3F0-72E3-429E-A2B0-1A9E939BF784}" type="datetimeFigureOut">
               <a:rPr lang="ko-KR" altLang="en-US" smtClean="0"/>
-              <a:t>2018-07-03</a:t>
+              <a:t>2018-07-15</a:t>
             </a:fld>
             <a:endParaRPr lang="ko-KR" altLang="en-US"/>
           </a:p>
@@ -7286,7 +10729,7 @@
           <a:p>
             <a:fld id="{0580F3F0-72E3-429E-A2B0-1A9E939BF784}" type="datetimeFigureOut">
               <a:rPr lang="ko-KR" altLang="en-US" smtClean="0"/>
-              <a:t>2018-07-03</a:t>
+              <a:t>2018-07-15</a:t>
             </a:fld>
             <a:endParaRPr lang="ko-KR" altLang="en-US"/>
           </a:p>
@@ -7427,7 +10870,7 @@
           <a:p>
             <a:fld id="{0580F3F0-72E3-429E-A2B0-1A9E939BF784}" type="datetimeFigureOut">
               <a:rPr lang="ko-KR" altLang="en-US" smtClean="0"/>
-              <a:t>2018-07-03</a:t>
+              <a:t>2018-07-15</a:t>
             </a:fld>
             <a:endParaRPr lang="ko-KR" altLang="en-US"/>
           </a:p>
@@ -7540,7 +10983,7 @@
           <a:p>
             <a:fld id="{0580F3F0-72E3-429E-A2B0-1A9E939BF784}" type="datetimeFigureOut">
               <a:rPr lang="ko-KR" altLang="en-US" smtClean="0"/>
-              <a:t>2018-07-03</a:t>
+              <a:t>2018-07-15</a:t>
             </a:fld>
             <a:endParaRPr lang="ko-KR" altLang="en-US"/>
           </a:p>
@@ -7851,7 +11294,7 @@
           <a:p>
             <a:fld id="{0580F3F0-72E3-429E-A2B0-1A9E939BF784}" type="datetimeFigureOut">
               <a:rPr lang="ko-KR" altLang="en-US" smtClean="0"/>
-              <a:t>2018-07-03</a:t>
+              <a:t>2018-07-15</a:t>
             </a:fld>
             <a:endParaRPr lang="ko-KR" altLang="en-US"/>
           </a:p>
@@ -8139,7 +11582,7 @@
           <a:p>
             <a:fld id="{0580F3F0-72E3-429E-A2B0-1A9E939BF784}" type="datetimeFigureOut">
               <a:rPr lang="ko-KR" altLang="en-US" smtClean="0"/>
-              <a:t>2018-07-03</a:t>
+              <a:t>2018-07-15</a:t>
             </a:fld>
             <a:endParaRPr lang="ko-KR" altLang="en-US"/>
           </a:p>
@@ -8380,7 +11823,7 @@
           <a:p>
             <a:fld id="{0580F3F0-72E3-429E-A2B0-1A9E939BF784}" type="datetimeFigureOut">
               <a:rPr lang="ko-KR" altLang="en-US" smtClean="0"/>
-              <a:t>2018-07-03</a:t>
+              <a:t>2018-07-15</a:t>
             </a:fld>
             <a:endParaRPr lang="ko-KR" altLang="en-US"/>
           </a:p>
@@ -8799,35 +12242,6 @@
       </p:grpSpPr>
       <p:sp>
         <p:nvSpPr>
-          <p:cNvPr id="2" name="제목 1">
-            <a:extLst>
-              <a:ext uri="{FF2B5EF4-FFF2-40B4-BE49-F238E27FC236}">
-                <a16:creationId xmlns:a16="http://schemas.microsoft.com/office/drawing/2014/main" id="{D18813B1-406C-479C-B81C-FC27C1C196FF}"/>
-              </a:ext>
-            </a:extLst>
-          </p:cNvPr>
-          <p:cNvSpPr>
-            <a:spLocks noGrp="1"/>
-          </p:cNvSpPr>
-          <p:nvPr>
-            <p:ph type="ctrTitle"/>
-          </p:nvPr>
-        </p:nvSpPr>
-        <p:spPr/>
-        <p:txBody>
-          <a:bodyPr/>
-          <a:lstStyle/>
-          <a:p>
-            <a:r>
-              <a:rPr lang="en-US" altLang="ko-KR" dirty="0"/>
-              <a:t>Ether Fairy</a:t>
-            </a:r>
-            <a:endParaRPr lang="ko-KR" altLang="en-US" dirty="0"/>
-          </a:p>
-        </p:txBody>
-      </p:sp>
-      <p:sp>
-        <p:nvSpPr>
           <p:cNvPr id="3" name="부제목 2">
             <a:extLst>
               <a:ext uri="{FF2B5EF4-FFF2-40B4-BE49-F238E27FC236}">
@@ -8842,22 +12256,63 @@
             <p:ph type="subTitle" idx="1"/>
           </p:nvPr>
         </p:nvSpPr>
-        <p:spPr/>
+        <p:spPr>
+          <a:xfrm>
+            <a:off x="1541756" y="4631848"/>
+            <a:ext cx="9144000" cy="1655762"/>
+          </a:xfrm>
+        </p:spPr>
         <p:txBody>
           <a:bodyPr/>
           <a:lstStyle/>
           <a:p>
             <a:r>
               <a:rPr lang="ko-KR" altLang="en-US" dirty="0" err="1"/>
-              <a:t>이더리움기반</a:t>
+              <a:t>이더리움</a:t>
             </a:r>
             <a:r>
               <a:rPr lang="ko-KR" altLang="en-US" dirty="0"/>
-              <a:t> 요정 거래 플랫폼</a:t>
+              <a:t> 기반 요정 거래 플랫폼</a:t>
             </a:r>
           </a:p>
         </p:txBody>
       </p:sp>
+      <p:pic>
+        <p:nvPicPr>
+          <p:cNvPr id="6" name="그림 5">
+            <a:extLst>
+              <a:ext uri="{FF2B5EF4-FFF2-40B4-BE49-F238E27FC236}">
+                <a16:creationId xmlns:a16="http://schemas.microsoft.com/office/drawing/2014/main" id="{F6540B8B-CE99-4C84-A47D-B759D7D4640F}"/>
+              </a:ext>
+            </a:extLst>
+          </p:cNvPr>
+          <p:cNvPicPr>
+            <a:picLocks noChangeAspect="1"/>
+          </p:cNvPicPr>
+          <p:nvPr/>
+        </p:nvPicPr>
+        <p:blipFill>
+          <a:blip r:embed="rId2">
+            <a:extLst>
+              <a:ext uri="{28A0092B-C50C-407E-A947-70E740481C1C}">
+                <a14:useLocalDpi xmlns:a14="http://schemas.microsoft.com/office/drawing/2010/main" val="0"/>
+              </a:ext>
+            </a:extLst>
+          </a:blip>
+          <a:stretch>
+            <a:fillRect/>
+          </a:stretch>
+        </p:blipFill>
+        <p:spPr>
+          <a:xfrm>
+            <a:off x="2626725" y="1101952"/>
+            <a:ext cx="7382433" cy="2921852"/>
+          </a:xfrm>
+          <a:prstGeom prst="rect">
+            <a:avLst/>
+          </a:prstGeom>
+        </p:spPr>
+      </p:pic>
     </p:spTree>
     <p:extLst>
       <p:ext uri="{BB962C8B-B14F-4D97-AF65-F5344CB8AC3E}">
@@ -8902,7 +12357,7 @@
         </p:nvGrpSpPr>
         <p:grpSpPr>
           <a:xfrm>
-            <a:off x="2423603" y="2390313"/>
+            <a:off x="2920752" y="2168371"/>
             <a:ext cx="2814221" cy="1724156"/>
             <a:chOff x="3844031" y="2459115"/>
             <a:chExt cx="3506679" cy="2148396"/>
@@ -9003,7 +12458,7 @@
         </p:nvSpPr>
         <p:spPr>
           <a:xfrm>
-            <a:off x="2840848" y="4834676"/>
+            <a:off x="3337997" y="4612734"/>
             <a:ext cx="1979721" cy="603682"/>
           </a:xfrm>
           <a:prstGeom prst="roundRect">
@@ -9052,7 +12507,7 @@
         </p:nvSpPr>
         <p:spPr>
           <a:xfrm>
-            <a:off x="3338192" y="4243401"/>
+            <a:off x="3835341" y="4021459"/>
             <a:ext cx="617002" cy="488272"/>
           </a:xfrm>
           <a:prstGeom prst="downArrow">
@@ -9096,7 +12551,7 @@
         </p:nvSpPr>
         <p:spPr>
           <a:xfrm>
-            <a:off x="3999384" y="4316540"/>
+            <a:off x="4496533" y="4094598"/>
             <a:ext cx="1144865" cy="307777"/>
           </a:xfrm>
           <a:prstGeom prst="rect">
@@ -9131,7 +12586,7 @@
         </p:nvSpPr>
         <p:spPr>
           <a:xfrm>
-            <a:off x="2799427" y="5613205"/>
+            <a:off x="3296576" y="5391263"/>
             <a:ext cx="4367814" cy="738664"/>
           </a:xfrm>
           <a:prstGeom prst="rect">
@@ -9234,7 +12689,7 @@
         </p:blipFill>
         <p:spPr bwMode="auto">
           <a:xfrm>
-            <a:off x="3540356" y="4296790"/>
+            <a:off x="4037505" y="4074848"/>
             <a:ext cx="212673" cy="346435"/>
           </a:xfrm>
           <a:prstGeom prst="rect">
@@ -9266,7 +12721,7 @@
         </p:nvSpPr>
         <p:spPr>
           <a:xfrm>
-            <a:off x="2840848" y="1055655"/>
+            <a:off x="3337997" y="833713"/>
             <a:ext cx="1979721" cy="603682"/>
           </a:xfrm>
           <a:prstGeom prst="roundRect">
@@ -9328,7 +12783,7 @@
         </p:nvSpPr>
         <p:spPr>
           <a:xfrm>
-            <a:off x="5967270" y="2950549"/>
+            <a:off x="6464419" y="2728607"/>
             <a:ext cx="1979721" cy="603682"/>
           </a:xfrm>
           <a:prstGeom prst="roundRect">
@@ -9377,7 +12832,7 @@
         </p:nvSpPr>
         <p:spPr>
           <a:xfrm>
-            <a:off x="5967270" y="3661587"/>
+            <a:off x="6464419" y="3439645"/>
             <a:ext cx="2058146" cy="523220"/>
           </a:xfrm>
           <a:prstGeom prst="rect">
@@ -9427,7 +12882,7 @@
         </p:nvSpPr>
         <p:spPr>
           <a:xfrm>
-            <a:off x="4983338" y="1095886"/>
+            <a:off x="5480487" y="873944"/>
             <a:ext cx="2669213" cy="523220"/>
           </a:xfrm>
           <a:prstGeom prst="rect">
@@ -9477,7 +12932,7 @@
         </p:nvSpPr>
         <p:spPr>
           <a:xfrm>
-            <a:off x="5389483" y="2890149"/>
+            <a:off x="5886632" y="2668207"/>
             <a:ext cx="426128" cy="819272"/>
           </a:xfrm>
           <a:prstGeom prst="rightArrow">
@@ -9539,7 +12994,7 @@
         </p:blipFill>
         <p:spPr bwMode="auto">
           <a:xfrm>
-            <a:off x="5466720" y="3132248"/>
+            <a:off x="5963869" y="2910306"/>
             <a:ext cx="212673" cy="346435"/>
           </a:xfrm>
           <a:prstGeom prst="rect">
@@ -9571,7 +13026,7 @@
         </p:nvSpPr>
         <p:spPr>
           <a:xfrm>
-            <a:off x="5299969" y="2535416"/>
+            <a:off x="5797118" y="2313474"/>
             <a:ext cx="1386918" cy="307777"/>
           </a:xfrm>
           <a:prstGeom prst="rect">
@@ -9606,7 +13061,7 @@
         </p:nvSpPr>
         <p:spPr>
           <a:xfrm rot="10800000">
-            <a:off x="3497993" y="1775429"/>
+            <a:off x="3995142" y="1553487"/>
             <a:ext cx="617002" cy="488272"/>
           </a:xfrm>
           <a:prstGeom prst="downArrow">
@@ -9665,7 +13120,7 @@
         </p:blipFill>
         <p:spPr bwMode="auto">
           <a:xfrm>
-            <a:off x="3700157" y="1828818"/>
+            <a:off x="4197306" y="1606876"/>
             <a:ext cx="212673" cy="346435"/>
           </a:xfrm>
           <a:prstGeom prst="rect">
@@ -9697,7 +13152,7 @@
         </p:nvSpPr>
         <p:spPr>
           <a:xfrm>
-            <a:off x="4132551" y="1848146"/>
+            <a:off x="4629700" y="1626204"/>
             <a:ext cx="1386918" cy="307777"/>
           </a:xfrm>
           <a:prstGeom prst="rect">
@@ -9732,7 +13187,7 @@
         </p:nvSpPr>
         <p:spPr>
           <a:xfrm>
-            <a:off x="2796754" y="1777132"/>
+            <a:off x="3293903" y="1555190"/>
             <a:ext cx="617002" cy="488272"/>
           </a:xfrm>
           <a:prstGeom prst="downArrow">
@@ -9791,7 +13246,7 @@
         </p:blipFill>
         <p:spPr bwMode="auto">
           <a:xfrm>
-            <a:off x="2998918" y="1830521"/>
+            <a:off x="3496067" y="1608579"/>
             <a:ext cx="212673" cy="346435"/>
           </a:xfrm>
           <a:prstGeom prst="rect">
@@ -9813,6 +13268,253 @@
     <p:extLst>
       <p:ext uri="{BB962C8B-B14F-4D97-AF65-F5344CB8AC3E}">
         <p14:creationId xmlns:p14="http://schemas.microsoft.com/office/powerpoint/2010/main" val="758795114"/>
+      </p:ext>
+    </p:extLst>
+  </p:cSld>
+  <p:clrMapOvr>
+    <a:masterClrMapping/>
+  </p:clrMapOvr>
+</p:sld>
+</file>
+
+<file path=ppt/slides/slide11.xml><?xml version="1.0" encoding="utf-8"?>
+<p:sld xmlns:a="http://schemas.openxmlformats.org/drawingml/2006/main" xmlns:r="http://schemas.openxmlformats.org/officeDocument/2006/relationships" xmlns:p="http://schemas.openxmlformats.org/presentationml/2006/main">
+  <p:cSld>
+    <p:spTree>
+      <p:nvGrpSpPr>
+        <p:cNvPr id="1" name=""/>
+        <p:cNvGrpSpPr/>
+        <p:nvPr/>
+      </p:nvGrpSpPr>
+      <p:grpSpPr>
+        <a:xfrm>
+          <a:off x="0" y="0"/>
+          <a:ext cx="0" cy="0"/>
+          <a:chOff x="0" y="0"/>
+          <a:chExt cx="0" cy="0"/>
+        </a:xfrm>
+      </p:grpSpPr>
+      <p:sp>
+        <p:nvSpPr>
+          <p:cNvPr id="2" name="제목 1">
+            <a:extLst>
+              <a:ext uri="{FF2B5EF4-FFF2-40B4-BE49-F238E27FC236}">
+                <a16:creationId xmlns:a16="http://schemas.microsoft.com/office/drawing/2014/main" id="{63AC1769-D91D-43C9-9718-CF33D03E6401}"/>
+              </a:ext>
+            </a:extLst>
+          </p:cNvPr>
+          <p:cNvSpPr>
+            <a:spLocks noGrp="1"/>
+          </p:cNvSpPr>
+          <p:nvPr>
+            <p:ph type="title"/>
+          </p:nvPr>
+        </p:nvSpPr>
+        <p:spPr/>
+        <p:txBody>
+          <a:bodyPr/>
+          <a:lstStyle/>
+          <a:p>
+            <a:r>
+              <a:rPr lang="ko-KR" altLang="en-US" dirty="0"/>
+              <a:t>수익 모델</a:t>
+            </a:r>
+          </a:p>
+        </p:txBody>
+      </p:sp>
+      <p:sp>
+        <p:nvSpPr>
+          <p:cNvPr id="3" name="내용 개체 틀 2">
+            <a:extLst>
+              <a:ext uri="{FF2B5EF4-FFF2-40B4-BE49-F238E27FC236}">
+                <a16:creationId xmlns:a16="http://schemas.microsoft.com/office/drawing/2014/main" id="{B0C3EC5A-5FAB-4881-A34E-94C63F57FA34}"/>
+              </a:ext>
+            </a:extLst>
+          </p:cNvPr>
+          <p:cNvSpPr>
+            <a:spLocks noGrp="1"/>
+          </p:cNvSpPr>
+          <p:nvPr>
+            <p:ph idx="1"/>
+          </p:nvPr>
+        </p:nvSpPr>
+        <p:spPr/>
+        <p:txBody>
+          <a:bodyPr>
+            <a:normAutofit/>
+          </a:bodyPr>
+          <a:lstStyle/>
+          <a:p>
+            <a:r>
+              <a:rPr lang="ko-KR" altLang="en-US" sz="2400" dirty="0"/>
+              <a:t>요정 판매분 </a:t>
+            </a:r>
+            <a:r>
+              <a:rPr lang="en-US" altLang="ko-KR" sz="2400" dirty="0"/>
+              <a:t>ETH 0.001 (5</a:t>
+            </a:r>
+            <a:r>
+              <a:rPr lang="ko-KR" altLang="en-US" sz="2400" dirty="0"/>
+              <a:t>천원 상당</a:t>
+            </a:r>
+            <a:r>
+              <a:rPr lang="en-US" altLang="ko-KR" sz="2400" dirty="0"/>
+              <a:t>)</a:t>
+            </a:r>
+          </a:p>
+          <a:p>
+            <a:r>
+              <a:rPr lang="ko-KR" altLang="en-US" sz="2400" dirty="0"/>
+              <a:t>유저간 거래 분의 </a:t>
+            </a:r>
+            <a:r>
+              <a:rPr lang="en-US" altLang="ko-KR" sz="2400" dirty="0"/>
+              <a:t>10%</a:t>
+            </a:r>
+          </a:p>
+          <a:p>
+            <a:r>
+              <a:rPr lang="ko-KR" altLang="en-US" sz="2400" dirty="0"/>
+              <a:t>요정은 돈을 내고 성장 가능</a:t>
+            </a:r>
+            <a:endParaRPr lang="en-US" altLang="ko-KR" sz="2400" dirty="0"/>
+          </a:p>
+          <a:p>
+            <a:r>
+              <a:rPr lang="ko-KR" altLang="en-US" sz="2400" dirty="0"/>
+              <a:t>레벨 업 당 가격 </a:t>
+            </a:r>
+            <a:r>
+              <a:rPr lang="en-US" altLang="ko-KR" sz="2400" dirty="0"/>
+              <a:t>(Level</a:t>
+            </a:r>
+            <a:r>
+              <a:rPr lang="ko-KR" altLang="en-US" sz="2400" dirty="0"/>
+              <a:t> </a:t>
+            </a:r>
+            <a:r>
+              <a:rPr lang="en-US" altLang="ko-KR" sz="2400" dirty="0"/>
+              <a:t>*</a:t>
+            </a:r>
+            <a:r>
+              <a:rPr lang="ko-KR" altLang="en-US" sz="2400" dirty="0"/>
+              <a:t> </a:t>
+            </a:r>
+            <a:r>
+              <a:rPr lang="en-US" altLang="ko-KR" sz="2400" dirty="0"/>
+              <a:t>ETH 0.0002)</a:t>
+            </a:r>
+          </a:p>
+          <a:p>
+            <a:r>
+              <a:rPr lang="ko-KR" altLang="en-US" sz="2400" dirty="0"/>
+              <a:t>레벨 별 수치 </a:t>
+            </a:r>
+            <a:r>
+              <a:rPr lang="en-US" altLang="ko-KR" sz="2400" dirty="0"/>
+              <a:t>1</a:t>
+            </a:r>
+            <a:r>
+              <a:rPr lang="ko-KR" altLang="en-US" sz="2400" dirty="0"/>
+              <a:t>업 당 가격 </a:t>
+            </a:r>
+            <a:r>
+              <a:rPr lang="en-US" altLang="ko-KR" sz="2400" dirty="0"/>
+              <a:t>ETH 0.01</a:t>
+            </a:r>
+          </a:p>
+        </p:txBody>
+      </p:sp>
+      <p:graphicFrame>
+        <p:nvGraphicFramePr>
+          <p:cNvPr id="4" name="다이어그램 3">
+            <a:extLst>
+              <a:ext uri="{FF2B5EF4-FFF2-40B4-BE49-F238E27FC236}">
+                <a16:creationId xmlns:a16="http://schemas.microsoft.com/office/drawing/2014/main" id="{14E033BB-8614-4856-905F-882FFFE42646}"/>
+              </a:ext>
+            </a:extLst>
+          </p:cNvPr>
+          <p:cNvGraphicFramePr/>
+          <p:nvPr>
+            <p:extLst>
+              <p:ext uri="{D42A27DB-BD31-4B8C-83A1-F6EECF244321}">
+                <p14:modId xmlns:p14="http://schemas.microsoft.com/office/powerpoint/2010/main" val="3372148890"/>
+              </p:ext>
+            </p:extLst>
+          </p:nvPr>
+        </p:nvGraphicFramePr>
+        <p:xfrm>
+          <a:off x="6568489" y="905522"/>
+          <a:ext cx="5141158" cy="4909352"/>
+        </p:xfrm>
+        <a:graphic>
+          <a:graphicData uri="http://schemas.openxmlformats.org/drawingml/2006/diagram">
+            <dgm:relIds xmlns:dgm="http://schemas.openxmlformats.org/drawingml/2006/diagram" xmlns:r="http://schemas.openxmlformats.org/officeDocument/2006/relationships" r:dm="rId2" r:lo="rId3" r:qs="rId4" r:cs="rId5"/>
+          </a:graphicData>
+        </a:graphic>
+      </p:graphicFrame>
+      <p:sp>
+        <p:nvSpPr>
+          <p:cNvPr id="5" name="TextBox 4">
+            <a:extLst>
+              <a:ext uri="{FF2B5EF4-FFF2-40B4-BE49-F238E27FC236}">
+                <a16:creationId xmlns:a16="http://schemas.microsoft.com/office/drawing/2014/main" id="{64A67934-CD5D-4766-926F-2FED3F06BF8F}"/>
+              </a:ext>
+            </a:extLst>
+          </p:cNvPr>
+          <p:cNvSpPr txBox="1"/>
+          <p:nvPr/>
+        </p:nvSpPr>
+        <p:spPr>
+          <a:xfrm>
+            <a:off x="6568489" y="5814874"/>
+            <a:ext cx="5291833" cy="646331"/>
+          </a:xfrm>
+          <a:prstGeom prst="rect">
+            <a:avLst/>
+          </a:prstGeom>
+          <a:noFill/>
+        </p:spPr>
+        <p:txBody>
+          <a:bodyPr wrap="none" rtlCol="0">
+            <a:spAutoFit/>
+          </a:bodyPr>
+          <a:lstStyle/>
+          <a:p>
+            <a:r>
+              <a:rPr lang="ko-KR" altLang="en-US" dirty="0"/>
+              <a:t>회사와 디자이너는 수익을 </a:t>
+            </a:r>
+            <a:r>
+              <a:rPr lang="en-US" altLang="ko-KR" dirty="0"/>
+              <a:t>5:5</a:t>
+            </a:r>
+            <a:r>
+              <a:rPr lang="ko-KR" altLang="en-US" dirty="0"/>
+              <a:t>로 나눠 갖습니다</a:t>
+            </a:r>
+            <a:r>
+              <a:rPr lang="en-US" altLang="ko-KR" dirty="0"/>
+              <a:t>.</a:t>
+            </a:r>
+          </a:p>
+          <a:p>
+            <a:r>
+              <a:rPr lang="ko-KR" altLang="en-US" dirty="0"/>
+              <a:t>이는 스마트 계약에 의해 자동으로 분배가 됩니다</a:t>
+            </a:r>
+            <a:r>
+              <a:rPr lang="en-US" altLang="ko-KR" dirty="0"/>
+              <a:t>.</a:t>
+            </a:r>
+            <a:endParaRPr lang="ko-KR" altLang="en-US" dirty="0"/>
+          </a:p>
+        </p:txBody>
+      </p:sp>
+    </p:spTree>
+    <p:extLst>
+      <p:ext uri="{BB962C8B-B14F-4D97-AF65-F5344CB8AC3E}">
+        <p14:creationId xmlns:p14="http://schemas.microsoft.com/office/powerpoint/2010/main" val="2640311594"/>
       </p:ext>
     </p:extLst>
   </p:cSld>
@@ -11464,7 +15166,7 @@
         </p:nvSpPr>
         <p:spPr>
           <a:xfrm>
-            <a:off x="2426329" y="3014805"/>
+            <a:off x="2577249" y="3094704"/>
             <a:ext cx="2942375" cy="1683945"/>
           </a:xfrm>
           <a:prstGeom prst="rect">
@@ -11547,7 +15249,7 @@
         </p:nvSpPr>
         <p:spPr>
           <a:xfrm>
-            <a:off x="5939075" y="3014805"/>
+            <a:off x="6089995" y="3094704"/>
             <a:ext cx="2984627" cy="1683945"/>
           </a:xfrm>
           <a:prstGeom prst="rect">
@@ -11647,7 +15349,7 @@
         </p:blipFill>
         <p:spPr bwMode="auto">
           <a:xfrm>
-            <a:off x="6424943" y="1532668"/>
+            <a:off x="6575863" y="1612567"/>
             <a:ext cx="2070226" cy="857203"/>
           </a:xfrm>
           <a:prstGeom prst="rect">
@@ -11694,7 +15396,7 @@
         </p:blipFill>
         <p:spPr bwMode="auto">
           <a:xfrm>
-            <a:off x="3239991" y="1403291"/>
+            <a:off x="3390911" y="1483190"/>
             <a:ext cx="1315050" cy="1115959"/>
           </a:xfrm>
           <a:prstGeom prst="rect">
@@ -11726,7 +15428,7 @@
         </p:nvSpPr>
         <p:spPr>
           <a:xfrm>
-            <a:off x="3302641" y="2519250"/>
+            <a:off x="3453561" y="2599149"/>
             <a:ext cx="1189749" cy="369332"/>
           </a:xfrm>
           <a:prstGeom prst="rect">
@@ -11761,7 +15463,7 @@
         </p:nvSpPr>
         <p:spPr>
           <a:xfrm>
-            <a:off x="6403516" y="2517672"/>
+            <a:off x="6554436" y="2597571"/>
             <a:ext cx="2113079" cy="369332"/>
           </a:xfrm>
           <a:prstGeom prst="rect">
